--- a/documentacion/HexactaLabs-ExplicacionApp.pptx
+++ b/documentacion/HexactaLabs-ExplicacionApp.pptx
@@ -7,19 +7,13 @@
   <p:sldIdLst>
     <p:sldId id="258" r:id="rId2"/>
     <p:sldId id="261" r:id="rId3"/>
-    <p:sldId id="271" r:id="rId4"/>
-    <p:sldId id="272" r:id="rId5"/>
-    <p:sldId id="273" r:id="rId6"/>
-    <p:sldId id="274" r:id="rId7"/>
-    <p:sldId id="275" r:id="rId8"/>
-    <p:sldId id="263" r:id="rId9"/>
-    <p:sldId id="264" r:id="rId10"/>
-    <p:sldId id="265" r:id="rId11"/>
-    <p:sldId id="266" r:id="rId12"/>
-    <p:sldId id="267" r:id="rId13"/>
-    <p:sldId id="268" r:id="rId14"/>
-    <p:sldId id="269" r:id="rId15"/>
-    <p:sldId id="270" r:id="rId16"/>
+    <p:sldId id="272" r:id="rId4"/>
+    <p:sldId id="273" r:id="rId5"/>
+    <p:sldId id="274" r:id="rId6"/>
+    <p:sldId id="275" r:id="rId7"/>
+    <p:sldId id="276" r:id="rId8"/>
+    <p:sldId id="271" r:id="rId9"/>
+    <p:sldId id="270" r:id="rId10"/>
   </p:sldIdLst>
   <p:sldSz cx="12192000" cy="6858000"/>
   <p:notesSz cx="6858000" cy="9144000"/>
@@ -1387,29 +1381,29 @@
     </dgm:pt>
   </dgm:ptLst>
   <dgm:cxnLst>
+    <dgm:cxn modelId="{49753BEA-9113-42EB-9851-5BCFD553BE86}" srcId="{F24FA211-3F2C-4346-ABD9-092692E7A9F4}" destId="{84D5E899-B0A4-43A6-B223-6A74745C3DD0}" srcOrd="4" destOrd="0" parTransId="{0403FFE2-9798-490A-9583-C4C77117D92C}" sibTransId="{895E128C-A5F0-4683-B3D9-17A5C3B0BD55}"/>
+    <dgm:cxn modelId="{9F09F7B6-85E5-4228-B4F0-693ACBB95191}" type="presOf" srcId="{4B3393CD-BE25-4520-B303-8BAD23F50CE0}" destId="{F680135F-FB83-4C06-91FC-3A29DC63396C}" srcOrd="0" destOrd="0" presId="urn:microsoft.com/office/officeart/2005/8/layout/process5"/>
+    <dgm:cxn modelId="{7088EC34-C1BA-48B0-B058-0B664C09D58A}" srcId="{F24FA211-3F2C-4346-ABD9-092692E7A9F4}" destId="{7703AC7D-7627-48AA-BF50-1DEDC16D7D91}" srcOrd="1" destOrd="0" parTransId="{3CBB70BA-78E8-45DC-81B2-4BEEC48E7B7D}" sibTransId="{034CED5B-B964-4238-86DE-9425E8ACB288}"/>
+    <dgm:cxn modelId="{A0C4E794-B7CC-4EBD-B60A-7155768F82BA}" type="presOf" srcId="{84D5E899-B0A4-43A6-B223-6A74745C3DD0}" destId="{7490BDB8-F1E2-4EB2-82E7-C08F9B9E534E}" srcOrd="0" destOrd="0" presId="urn:microsoft.com/office/officeart/2005/8/layout/process5"/>
+    <dgm:cxn modelId="{E6D727F8-C9FE-4B4E-B5E5-A87BCB3EE519}" type="presOf" srcId="{895E128C-A5F0-4683-B3D9-17A5C3B0BD55}" destId="{1FD05E88-9E09-4F15-B0F4-DD6A84F91FB2}" srcOrd="0" destOrd="0" presId="urn:microsoft.com/office/officeart/2005/8/layout/process5"/>
+    <dgm:cxn modelId="{7EA0BF71-6309-4460-82DA-35435673EC0C}" type="presOf" srcId="{F24FA211-3F2C-4346-ABD9-092692E7A9F4}" destId="{88052538-6CB1-4F7A-A301-649AE84EF66B}" srcOrd="0" destOrd="0" presId="urn:microsoft.com/office/officeart/2005/8/layout/process5"/>
     <dgm:cxn modelId="{CF687D50-6AB4-40BE-A827-04660403E62F}" type="presOf" srcId="{131BA167-16C8-427D-BB30-8989EA4E70E5}" destId="{3C1528C3-2A53-4665-B9B1-9D10BDE5246C}" srcOrd="0" destOrd="0" presId="urn:microsoft.com/office/officeart/2005/8/layout/process5"/>
+    <dgm:cxn modelId="{E6DCC218-2905-492A-84FA-01987C14BCAB}" type="presOf" srcId="{0764DABC-4988-4E83-9D27-6C612E2653B9}" destId="{9345B24A-55DC-4164-8C82-526C07E03E06}" srcOrd="0" destOrd="0" presId="urn:microsoft.com/office/officeart/2005/8/layout/process5"/>
+    <dgm:cxn modelId="{D9343D1D-D2F9-4D8F-83C9-6CE85AE1227E}" type="presOf" srcId="{131BA167-16C8-427D-BB30-8989EA4E70E5}" destId="{9834EF4A-D85A-496C-B5F4-813700D1B355}" srcOrd="1" destOrd="0" presId="urn:microsoft.com/office/officeart/2005/8/layout/process5"/>
+    <dgm:cxn modelId="{8ABA0D0D-03E5-4296-9634-39F1977DCD09}" type="presOf" srcId="{034CED5B-B964-4238-86DE-9425E8ACB288}" destId="{4E7053E0-5968-423E-9BAF-BE0FE864C6C7}" srcOrd="1" destOrd="0" presId="urn:microsoft.com/office/officeart/2005/8/layout/process5"/>
+    <dgm:cxn modelId="{BFFDB2F1-E191-4C98-A9AD-D543A261E230}" type="presOf" srcId="{3B76D8E7-67CF-4CB2-BF09-7B700E7E5D12}" destId="{00C08AC9-1D4E-4798-A062-2CC79FC0B56F}" srcOrd="0" destOrd="0" presId="urn:microsoft.com/office/officeart/2005/8/layout/process5"/>
+    <dgm:cxn modelId="{6B61CD25-7CFE-46EB-BAFE-AA0770C80DF0}" type="presOf" srcId="{16DD3F1C-A6F8-47D3-BA57-675D1A413B75}" destId="{5866D430-EA1C-4910-9534-06E6848714EB}" srcOrd="0" destOrd="0" presId="urn:microsoft.com/office/officeart/2005/8/layout/process5"/>
+    <dgm:cxn modelId="{A4770200-C787-4EB5-9BAD-61E85C5E56D8}" type="presOf" srcId="{44E407CA-8519-439E-8A89-95F7E138FD9B}" destId="{DF43D430-0F06-4181-9E7A-3A427B6E5D03}" srcOrd="1" destOrd="0" presId="urn:microsoft.com/office/officeart/2005/8/layout/process5"/>
+    <dgm:cxn modelId="{73520E53-F4B6-4F1E-90B5-18C455DEAE0D}" srcId="{F24FA211-3F2C-4346-ABD9-092692E7A9F4}" destId="{0764DABC-4988-4E83-9D27-6C612E2653B9}" srcOrd="3" destOrd="0" parTransId="{249F8ABC-18A8-43BD-9D5F-45C4BE804F85}" sibTransId="{44E407CA-8519-439E-8A89-95F7E138FD9B}"/>
     <dgm:cxn modelId="{439C8EB0-45C9-4AC8-9065-6798C70D0210}" type="presOf" srcId="{895E128C-A5F0-4683-B3D9-17A5C3B0BD55}" destId="{60429F7C-10D0-4D3F-8019-997E2BE29191}" srcOrd="1" destOrd="0" presId="urn:microsoft.com/office/officeart/2005/8/layout/process5"/>
-    <dgm:cxn modelId="{E6D727F8-C9FE-4B4E-B5E5-A87BCB3EE519}" type="presOf" srcId="{895E128C-A5F0-4683-B3D9-17A5C3B0BD55}" destId="{1FD05E88-9E09-4F15-B0F4-DD6A84F91FB2}" srcOrd="0" destOrd="0" presId="urn:microsoft.com/office/officeart/2005/8/layout/process5"/>
-    <dgm:cxn modelId="{05EF2D42-B22E-44CB-BCA8-0A624596CEC7}" srcId="{F24FA211-3F2C-4346-ABD9-092692E7A9F4}" destId="{16DD3F1C-A6F8-47D3-BA57-675D1A413B75}" srcOrd="2" destOrd="0" parTransId="{E5AE1A70-D04B-4C9F-9949-A16466860DE9}" sibTransId="{131BA167-16C8-427D-BB30-8989EA4E70E5}"/>
-    <dgm:cxn modelId="{49753BEA-9113-42EB-9851-5BCFD553BE86}" srcId="{F24FA211-3F2C-4346-ABD9-092692E7A9F4}" destId="{84D5E899-B0A4-43A6-B223-6A74745C3DD0}" srcOrd="4" destOrd="0" parTransId="{0403FFE2-9798-490A-9583-C4C77117D92C}" sibTransId="{895E128C-A5F0-4683-B3D9-17A5C3B0BD55}"/>
-    <dgm:cxn modelId="{7EA0BF71-6309-4460-82DA-35435673EC0C}" type="presOf" srcId="{F24FA211-3F2C-4346-ABD9-092692E7A9F4}" destId="{88052538-6CB1-4F7A-A301-649AE84EF66B}" srcOrd="0" destOrd="0" presId="urn:microsoft.com/office/officeart/2005/8/layout/process5"/>
-    <dgm:cxn modelId="{E6DCC218-2905-492A-84FA-01987C14BCAB}" type="presOf" srcId="{0764DABC-4988-4E83-9D27-6C612E2653B9}" destId="{9345B24A-55DC-4164-8C82-526C07E03E06}" srcOrd="0" destOrd="0" presId="urn:microsoft.com/office/officeart/2005/8/layout/process5"/>
-    <dgm:cxn modelId="{8ABA0D0D-03E5-4296-9634-39F1977DCD09}" type="presOf" srcId="{034CED5B-B964-4238-86DE-9425E8ACB288}" destId="{4E7053E0-5968-423E-9BAF-BE0FE864C6C7}" srcOrd="1" destOrd="0" presId="urn:microsoft.com/office/officeart/2005/8/layout/process5"/>
-    <dgm:cxn modelId="{7088EC34-C1BA-48B0-B058-0B664C09D58A}" srcId="{F24FA211-3F2C-4346-ABD9-092692E7A9F4}" destId="{7703AC7D-7627-48AA-BF50-1DEDC16D7D91}" srcOrd="1" destOrd="0" parTransId="{3CBB70BA-78E8-45DC-81B2-4BEEC48E7B7D}" sibTransId="{034CED5B-B964-4238-86DE-9425E8ACB288}"/>
-    <dgm:cxn modelId="{9F09F7B6-85E5-4228-B4F0-693ACBB95191}" type="presOf" srcId="{4B3393CD-BE25-4520-B303-8BAD23F50CE0}" destId="{F680135F-FB83-4C06-91FC-3A29DC63396C}" srcOrd="0" destOrd="0" presId="urn:microsoft.com/office/officeart/2005/8/layout/process5"/>
-    <dgm:cxn modelId="{60F23AFC-55AD-447C-BBBE-B07637750C9F}" type="presOf" srcId="{7703AC7D-7627-48AA-BF50-1DEDC16D7D91}" destId="{BC696920-5112-47F6-BE4D-E1EB1973835F}" srcOrd="0" destOrd="0" presId="urn:microsoft.com/office/officeart/2005/8/layout/process5"/>
-    <dgm:cxn modelId="{A0C4E794-B7CC-4EBD-B60A-7155768F82BA}" type="presOf" srcId="{84D5E899-B0A4-43A6-B223-6A74745C3DD0}" destId="{7490BDB8-F1E2-4EB2-82E7-C08F9B9E534E}" srcOrd="0" destOrd="0" presId="urn:microsoft.com/office/officeart/2005/8/layout/process5"/>
-    <dgm:cxn modelId="{6B61CD25-7CFE-46EB-BAFE-AA0770C80DF0}" type="presOf" srcId="{16DD3F1C-A6F8-47D3-BA57-675D1A413B75}" destId="{5866D430-EA1C-4910-9534-06E6848714EB}" srcOrd="0" destOrd="0" presId="urn:microsoft.com/office/officeart/2005/8/layout/process5"/>
     <dgm:cxn modelId="{D8A00F18-C6DD-4134-9099-FA2865724BC5}" srcId="{F24FA211-3F2C-4346-ABD9-092692E7A9F4}" destId="{E14C6B11-9E69-4BC7-AEE0-6EC9CF20AF87}" srcOrd="5" destOrd="0" parTransId="{5C923AB1-59F2-4986-B504-004979660F31}" sibTransId="{72B24B98-2746-4468-853D-85A0838FF80C}"/>
+    <dgm:cxn modelId="{B72DAA64-6526-4D3B-A21C-06A3DE2410CA}" type="presOf" srcId="{034CED5B-B964-4238-86DE-9425E8ACB288}" destId="{914B1954-7982-4DED-A8D5-5875C703DF93}" srcOrd="0" destOrd="0" presId="urn:microsoft.com/office/officeart/2005/8/layout/process5"/>
     <dgm:cxn modelId="{C3861FA4-D69B-4D5F-9E76-323ACFF87FEC}" srcId="{F24FA211-3F2C-4346-ABD9-092692E7A9F4}" destId="{4B3393CD-BE25-4520-B303-8BAD23F50CE0}" srcOrd="0" destOrd="0" parTransId="{9BF9F86E-19D0-4D46-B788-9E0D0EE490C8}" sibTransId="{3B76D8E7-67CF-4CB2-BF09-7B700E7E5D12}"/>
     <dgm:cxn modelId="{5483DB64-7B33-4A70-B552-403B3D6AF22D}" type="presOf" srcId="{44E407CA-8519-439E-8A89-95F7E138FD9B}" destId="{0F9723B7-0055-459E-A10D-E0CCDB016560}" srcOrd="0" destOrd="0" presId="urn:microsoft.com/office/officeart/2005/8/layout/process5"/>
+    <dgm:cxn modelId="{05EF2D42-B22E-44CB-BCA8-0A624596CEC7}" srcId="{F24FA211-3F2C-4346-ABD9-092692E7A9F4}" destId="{16DD3F1C-A6F8-47D3-BA57-675D1A413B75}" srcOrd="2" destOrd="0" parTransId="{E5AE1A70-D04B-4C9F-9949-A16466860DE9}" sibTransId="{131BA167-16C8-427D-BB30-8989EA4E70E5}"/>
+    <dgm:cxn modelId="{62776DAB-A42C-41F2-A0ED-4C3D264A087C}" type="presOf" srcId="{E14C6B11-9E69-4BC7-AEE0-6EC9CF20AF87}" destId="{E8D2FA06-B903-4014-BFD9-BFAEAA6FFFAA}" srcOrd="0" destOrd="0" presId="urn:microsoft.com/office/officeart/2005/8/layout/process5"/>
+    <dgm:cxn modelId="{60F23AFC-55AD-447C-BBBE-B07637750C9F}" type="presOf" srcId="{7703AC7D-7627-48AA-BF50-1DEDC16D7D91}" destId="{BC696920-5112-47F6-BE4D-E1EB1973835F}" srcOrd="0" destOrd="0" presId="urn:microsoft.com/office/officeart/2005/8/layout/process5"/>
     <dgm:cxn modelId="{F7CC6D26-AE79-42FF-99C9-C166EB62A420}" type="presOf" srcId="{3B76D8E7-67CF-4CB2-BF09-7B700E7E5D12}" destId="{79A966BC-6822-4F1F-8DDB-931C03225B4B}" srcOrd="1" destOrd="0" presId="urn:microsoft.com/office/officeart/2005/8/layout/process5"/>
-    <dgm:cxn modelId="{62776DAB-A42C-41F2-A0ED-4C3D264A087C}" type="presOf" srcId="{E14C6B11-9E69-4BC7-AEE0-6EC9CF20AF87}" destId="{E8D2FA06-B903-4014-BFD9-BFAEAA6FFFAA}" srcOrd="0" destOrd="0" presId="urn:microsoft.com/office/officeart/2005/8/layout/process5"/>
-    <dgm:cxn modelId="{B72DAA64-6526-4D3B-A21C-06A3DE2410CA}" type="presOf" srcId="{034CED5B-B964-4238-86DE-9425E8ACB288}" destId="{914B1954-7982-4DED-A8D5-5875C703DF93}" srcOrd="0" destOrd="0" presId="urn:microsoft.com/office/officeart/2005/8/layout/process5"/>
-    <dgm:cxn modelId="{73520E53-F4B6-4F1E-90B5-18C455DEAE0D}" srcId="{F24FA211-3F2C-4346-ABD9-092692E7A9F4}" destId="{0764DABC-4988-4E83-9D27-6C612E2653B9}" srcOrd="3" destOrd="0" parTransId="{249F8ABC-18A8-43BD-9D5F-45C4BE804F85}" sibTransId="{44E407CA-8519-439E-8A89-95F7E138FD9B}"/>
-    <dgm:cxn modelId="{A4770200-C787-4EB5-9BAD-61E85C5E56D8}" type="presOf" srcId="{44E407CA-8519-439E-8A89-95F7E138FD9B}" destId="{DF43D430-0F06-4181-9E7A-3A427B6E5D03}" srcOrd="1" destOrd="0" presId="urn:microsoft.com/office/officeart/2005/8/layout/process5"/>
-    <dgm:cxn modelId="{BFFDB2F1-E191-4C98-A9AD-D543A261E230}" type="presOf" srcId="{3B76D8E7-67CF-4CB2-BF09-7B700E7E5D12}" destId="{00C08AC9-1D4E-4798-A062-2CC79FC0B56F}" srcOrd="0" destOrd="0" presId="urn:microsoft.com/office/officeart/2005/8/layout/process5"/>
-    <dgm:cxn modelId="{D9343D1D-D2F9-4D8F-83C9-6CE85AE1227E}" type="presOf" srcId="{131BA167-16C8-427D-BB30-8989EA4E70E5}" destId="{9834EF4A-D85A-496C-B5F4-813700D1B355}" srcOrd="1" destOrd="0" presId="urn:microsoft.com/office/officeart/2005/8/layout/process5"/>
     <dgm:cxn modelId="{3F059649-84A3-44AA-BD74-261B88883200}" type="presParOf" srcId="{88052538-6CB1-4F7A-A301-649AE84EF66B}" destId="{F680135F-FB83-4C06-91FC-3A29DC63396C}" srcOrd="0" destOrd="0" presId="urn:microsoft.com/office/officeart/2005/8/layout/process5"/>
     <dgm:cxn modelId="{ACA23869-D52C-4DAF-AE06-E26C74D9D321}" type="presParOf" srcId="{88052538-6CB1-4F7A-A301-649AE84EF66B}" destId="{00C08AC9-1D4E-4798-A062-2CC79FC0B56F}" srcOrd="1" destOrd="0" presId="urn:microsoft.com/office/officeart/2005/8/layout/process5"/>
     <dgm:cxn modelId="{A9E734BF-0A64-4EB1-B1F0-99952B24F8D4}" type="presParOf" srcId="{00C08AC9-1D4E-4798-A062-2CC79FC0B56F}" destId="{79A966BC-6822-4F1F-8DDB-931C03225B4B}" srcOrd="0" destOrd="0" presId="urn:microsoft.com/office/officeart/2005/8/layout/process5"/>
@@ -1445,6 +1439,885 @@
       <dsp:cNvGrpSpPr/>
     </dsp:nvGrpSpPr>
     <dsp:grpSpPr/>
+    <dsp:sp modelId="{F680135F-FB83-4C06-91FC-3A29DC63396C}">
+      <dsp:nvSpPr>
+        <dsp:cNvPr id="0" name=""/>
+        <dsp:cNvSpPr/>
+      </dsp:nvSpPr>
+      <dsp:spPr>
+        <a:xfrm>
+          <a:off x="0" y="316526"/>
+          <a:ext cx="2620257" cy="881121"/>
+        </a:xfrm>
+        <a:prstGeom prst="roundRect">
+          <a:avLst>
+            <a:gd name="adj" fmla="val 10000"/>
+          </a:avLst>
+        </a:prstGeom>
+        <a:solidFill>
+          <a:schemeClr val="accent1">
+            <a:hueOff val="0"/>
+            <a:satOff val="0"/>
+            <a:lumOff val="0"/>
+            <a:alphaOff val="0"/>
+          </a:schemeClr>
+        </a:solidFill>
+        <a:ln w="25400" cap="flat" cmpd="sng" algn="ctr">
+          <a:solidFill>
+            <a:schemeClr val="lt1">
+              <a:hueOff val="0"/>
+              <a:satOff val="0"/>
+              <a:lumOff val="0"/>
+              <a:alphaOff val="0"/>
+            </a:schemeClr>
+          </a:solidFill>
+          <a:prstDash val="solid"/>
+        </a:ln>
+        <a:effectLst/>
+      </dsp:spPr>
+      <dsp:style>
+        <a:lnRef idx="2">
+          <a:scrgbClr r="0" g="0" b="0"/>
+        </a:lnRef>
+        <a:fillRef idx="1">
+          <a:scrgbClr r="0" g="0" b="0"/>
+        </a:fillRef>
+        <a:effectRef idx="0">
+          <a:scrgbClr r="0" g="0" b="0"/>
+        </a:effectRef>
+        <a:fontRef idx="minor">
+          <a:schemeClr val="lt1"/>
+        </a:fontRef>
+      </dsp:style>
+      <dsp:txBody>
+        <a:bodyPr spcFirstLastPara="0" vert="horz" wrap="square" lIns="95250" tIns="95250" rIns="95250" bIns="95250" numCol="1" spcCol="1270" anchor="ctr" anchorCtr="0">
+          <a:noAutofit/>
+        </a:bodyPr>
+        <a:lstStyle/>
+        <a:p>
+          <a:pPr lvl="0" algn="ctr" defTabSz="1111250">
+            <a:lnSpc>
+              <a:spcPct val="90000"/>
+            </a:lnSpc>
+            <a:spcBef>
+              <a:spcPct val="0"/>
+            </a:spcBef>
+            <a:spcAft>
+              <a:spcPct val="35000"/>
+            </a:spcAft>
+          </a:pPr>
+          <a:r>
+            <a:rPr lang="es-ES_tradnl" sz="2500" kern="1200" dirty="0" smtClean="0"/>
+            <a:t>bookListCtrl.js</a:t>
+          </a:r>
+          <a:endParaRPr lang="en-US" sz="2500" kern="1200" dirty="0"/>
+        </a:p>
+      </dsp:txBody>
+      <dsp:txXfrm>
+        <a:off x="25807" y="342333"/>
+        <a:ext cx="2568643" cy="829507"/>
+      </dsp:txXfrm>
+    </dsp:sp>
+    <dsp:sp modelId="{00C08AC9-1D4E-4798-A062-2CC79FC0B56F}">
+      <dsp:nvSpPr>
+        <dsp:cNvPr id="0" name=""/>
+        <dsp:cNvSpPr/>
+      </dsp:nvSpPr>
+      <dsp:spPr>
+        <a:xfrm rot="21570968">
+          <a:off x="2940321" y="473313"/>
+          <a:ext cx="4769548" cy="558629"/>
+        </a:xfrm>
+        <a:prstGeom prst="rightArrow">
+          <a:avLst>
+            <a:gd name="adj1" fmla="val 60000"/>
+            <a:gd name="adj2" fmla="val 50000"/>
+          </a:avLst>
+        </a:prstGeom>
+        <a:solidFill>
+          <a:schemeClr val="accent1">
+            <a:tint val="60000"/>
+            <a:hueOff val="0"/>
+            <a:satOff val="0"/>
+            <a:lumOff val="0"/>
+            <a:alphaOff val="0"/>
+          </a:schemeClr>
+        </a:solidFill>
+        <a:ln>
+          <a:noFill/>
+        </a:ln>
+        <a:effectLst/>
+      </dsp:spPr>
+      <dsp:style>
+        <a:lnRef idx="0">
+          <a:scrgbClr r="0" g="0" b="0"/>
+        </a:lnRef>
+        <a:fillRef idx="1">
+          <a:scrgbClr r="0" g="0" b="0"/>
+        </a:fillRef>
+        <a:effectRef idx="0">
+          <a:scrgbClr r="0" g="0" b="0"/>
+        </a:effectRef>
+        <a:fontRef idx="minor">
+          <a:schemeClr val="lt1"/>
+        </a:fontRef>
+      </dsp:style>
+      <dsp:txBody>
+        <a:bodyPr spcFirstLastPara="0" vert="horz" wrap="square" lIns="0" tIns="0" rIns="0" bIns="0" numCol="1" spcCol="1270" anchor="ctr" anchorCtr="0">
+          <a:noAutofit/>
+        </a:bodyPr>
+        <a:lstStyle/>
+        <a:p>
+          <a:pPr lvl="0" algn="ctr" defTabSz="800100">
+            <a:lnSpc>
+              <a:spcPct val="90000"/>
+            </a:lnSpc>
+            <a:spcBef>
+              <a:spcPct val="0"/>
+            </a:spcBef>
+            <a:spcAft>
+              <a:spcPct val="35000"/>
+            </a:spcAft>
+          </a:pPr>
+          <a:r>
+            <a:rPr lang="es-ES_tradnl" sz="1800" kern="1200" dirty="0" err="1" smtClean="0"/>
+            <a:t>Get</a:t>
+          </a:r>
+          <a:r>
+            <a:rPr lang="es-ES_tradnl" sz="1800" kern="1200" dirty="0" smtClean="0"/>
+            <a:t>: /</a:t>
+          </a:r>
+          <a:r>
+            <a:rPr lang="es-ES_tradnl" sz="1800" kern="1200" dirty="0" err="1" smtClean="0"/>
+            <a:t>Tpl</a:t>
+          </a:r>
+          <a:r>
+            <a:rPr lang="es-ES_tradnl" sz="1800" kern="1200" dirty="0" smtClean="0"/>
+            <a:t>/</a:t>
+          </a:r>
+          <a:r>
+            <a:rPr lang="es-ES_tradnl" sz="1800" kern="1200" dirty="0" err="1" smtClean="0"/>
+            <a:t>rest</a:t>
+          </a:r>
+          <a:r>
+            <a:rPr lang="es-ES_tradnl" sz="1800" kern="1200" dirty="0" smtClean="0"/>
+            <a:t>/</a:t>
+          </a:r>
+          <a:r>
+            <a:rPr lang="es-ES_tradnl" sz="1800" kern="1200" dirty="0" err="1" smtClean="0"/>
+            <a:t>books</a:t>
+          </a:r>
+          <a:endParaRPr lang="en-US" sz="1800" kern="1200" dirty="0"/>
+        </a:p>
+      </dsp:txBody>
+      <dsp:txXfrm>
+        <a:off x="2940324" y="585747"/>
+        <a:ext cx="4601959" cy="335177"/>
+      </dsp:txXfrm>
+    </dsp:sp>
+    <dsp:sp modelId="{BC696920-5112-47F6-BE4D-E1EB1973835F}">
+      <dsp:nvSpPr>
+        <dsp:cNvPr id="0" name=""/>
+        <dsp:cNvSpPr/>
+      </dsp:nvSpPr>
+      <dsp:spPr>
+        <a:xfrm>
+          <a:off x="7933625" y="281351"/>
+          <a:ext cx="2581974" cy="817791"/>
+        </a:xfrm>
+        <a:prstGeom prst="roundRect">
+          <a:avLst>
+            <a:gd name="adj" fmla="val 10000"/>
+          </a:avLst>
+        </a:prstGeom>
+        <a:solidFill>
+          <a:schemeClr val="accent1">
+            <a:hueOff val="0"/>
+            <a:satOff val="0"/>
+            <a:lumOff val="0"/>
+            <a:alphaOff val="0"/>
+          </a:schemeClr>
+        </a:solidFill>
+        <a:ln w="25400" cap="flat" cmpd="sng" algn="ctr">
+          <a:solidFill>
+            <a:schemeClr val="lt1">
+              <a:hueOff val="0"/>
+              <a:satOff val="0"/>
+              <a:lumOff val="0"/>
+              <a:alphaOff val="0"/>
+            </a:schemeClr>
+          </a:solidFill>
+          <a:prstDash val="solid"/>
+        </a:ln>
+        <a:effectLst/>
+      </dsp:spPr>
+      <dsp:style>
+        <a:lnRef idx="2">
+          <a:scrgbClr r="0" g="0" b="0"/>
+        </a:lnRef>
+        <a:fillRef idx="1">
+          <a:scrgbClr r="0" g="0" b="0"/>
+        </a:fillRef>
+        <a:effectRef idx="0">
+          <a:scrgbClr r="0" g="0" b="0"/>
+        </a:effectRef>
+        <a:fontRef idx="minor">
+          <a:schemeClr val="lt1"/>
+        </a:fontRef>
+      </dsp:style>
+      <dsp:txBody>
+        <a:bodyPr spcFirstLastPara="0" vert="horz" wrap="square" lIns="95250" tIns="95250" rIns="95250" bIns="95250" numCol="1" spcCol="1270" anchor="ctr" anchorCtr="0">
+          <a:noAutofit/>
+        </a:bodyPr>
+        <a:lstStyle/>
+        <a:p>
+          <a:pPr lvl="0" algn="ctr" defTabSz="1111250">
+            <a:lnSpc>
+              <a:spcPct val="90000"/>
+            </a:lnSpc>
+            <a:spcBef>
+              <a:spcPct val="0"/>
+            </a:spcBef>
+            <a:spcAft>
+              <a:spcPct val="35000"/>
+            </a:spcAft>
+          </a:pPr>
+          <a:r>
+            <a:rPr lang="es-ES_tradnl" sz="2500" kern="1200" dirty="0" err="1" smtClean="0"/>
+            <a:t>BookWS</a:t>
+          </a:r>
+          <a:endParaRPr lang="en-US" sz="2500" kern="1200" dirty="0"/>
+        </a:p>
+      </dsp:txBody>
+      <dsp:txXfrm>
+        <a:off x="7957577" y="305303"/>
+        <a:ext cx="2534070" cy="769887"/>
+      </dsp:txXfrm>
+    </dsp:sp>
+    <dsp:sp modelId="{914B1954-7982-4DED-A8D5-5875C703DF93}">
+      <dsp:nvSpPr>
+        <dsp:cNvPr id="0" name=""/>
+        <dsp:cNvSpPr/>
+      </dsp:nvSpPr>
+      <dsp:spPr>
+        <a:xfrm rot="10070164">
+          <a:off x="2725690" y="1431329"/>
+          <a:ext cx="4945299" cy="507140"/>
+        </a:xfrm>
+        <a:prstGeom prst="rightArrow">
+          <a:avLst>
+            <a:gd name="adj1" fmla="val 60000"/>
+            <a:gd name="adj2" fmla="val 50000"/>
+          </a:avLst>
+        </a:prstGeom>
+        <a:solidFill>
+          <a:schemeClr val="accent1">
+            <a:tint val="60000"/>
+            <a:hueOff val="0"/>
+            <a:satOff val="0"/>
+            <a:lumOff val="0"/>
+            <a:alphaOff val="0"/>
+          </a:schemeClr>
+        </a:solidFill>
+        <a:ln>
+          <a:noFill/>
+        </a:ln>
+        <a:effectLst/>
+      </dsp:spPr>
+      <dsp:style>
+        <a:lnRef idx="0">
+          <a:scrgbClr r="0" g="0" b="0"/>
+        </a:lnRef>
+        <a:fillRef idx="1">
+          <a:scrgbClr r="0" g="0" b="0"/>
+        </a:fillRef>
+        <a:effectRef idx="0">
+          <a:scrgbClr r="0" g="0" b="0"/>
+        </a:effectRef>
+        <a:fontRef idx="minor">
+          <a:schemeClr val="lt1"/>
+        </a:fontRef>
+      </dsp:style>
+      <dsp:txBody>
+        <a:bodyPr spcFirstLastPara="0" vert="horz" wrap="square" lIns="0" tIns="0" rIns="0" bIns="0" numCol="1" spcCol="1270" anchor="ctr" anchorCtr="0">
+          <a:noAutofit/>
+        </a:bodyPr>
+        <a:lstStyle/>
+        <a:p>
+          <a:pPr lvl="0" algn="ctr" defTabSz="800100">
+            <a:lnSpc>
+              <a:spcPct val="90000"/>
+            </a:lnSpc>
+            <a:spcBef>
+              <a:spcPct val="0"/>
+            </a:spcBef>
+            <a:spcAft>
+              <a:spcPct val="35000"/>
+            </a:spcAft>
+          </a:pPr>
+          <a:r>
+            <a:rPr lang="es-ES_tradnl" sz="1800" kern="1200" dirty="0" err="1" smtClean="0"/>
+            <a:t>findAllBooks</a:t>
+          </a:r>
+          <a:r>
+            <a:rPr lang="es-ES_tradnl" sz="1800" kern="1200" dirty="0" smtClean="0"/>
+            <a:t>()</a:t>
+          </a:r>
+          <a:endParaRPr lang="en-US" sz="1800" kern="1200" dirty="0"/>
+        </a:p>
+      </dsp:txBody>
+      <dsp:txXfrm rot="10800000">
+        <a:off x="2876124" y="1516728"/>
+        <a:ext cx="4793157" cy="304284"/>
+      </dsp:txXfrm>
+    </dsp:sp>
+    <dsp:sp modelId="{5866D430-EA1C-4910-9534-06E6848714EB}">
+      <dsp:nvSpPr>
+        <dsp:cNvPr id="0" name=""/>
+        <dsp:cNvSpPr/>
+      </dsp:nvSpPr>
+      <dsp:spPr>
+        <a:xfrm>
+          <a:off x="0" y="1852254"/>
+          <a:ext cx="2683613" cy="1074247"/>
+        </a:xfrm>
+        <a:prstGeom prst="roundRect">
+          <a:avLst>
+            <a:gd name="adj" fmla="val 10000"/>
+          </a:avLst>
+        </a:prstGeom>
+        <a:solidFill>
+          <a:schemeClr val="accent1">
+            <a:hueOff val="0"/>
+            <a:satOff val="0"/>
+            <a:lumOff val="0"/>
+            <a:alphaOff val="0"/>
+          </a:schemeClr>
+        </a:solidFill>
+        <a:ln w="25400" cap="flat" cmpd="sng" algn="ctr">
+          <a:solidFill>
+            <a:schemeClr val="lt1">
+              <a:hueOff val="0"/>
+              <a:satOff val="0"/>
+              <a:lumOff val="0"/>
+              <a:alphaOff val="0"/>
+            </a:schemeClr>
+          </a:solidFill>
+          <a:prstDash val="solid"/>
+        </a:ln>
+        <a:effectLst/>
+      </dsp:spPr>
+      <dsp:style>
+        <a:lnRef idx="2">
+          <a:scrgbClr r="0" g="0" b="0"/>
+        </a:lnRef>
+        <a:fillRef idx="1">
+          <a:scrgbClr r="0" g="0" b="0"/>
+        </a:fillRef>
+        <a:effectRef idx="0">
+          <a:scrgbClr r="0" g="0" b="0"/>
+        </a:effectRef>
+        <a:fontRef idx="minor">
+          <a:schemeClr val="lt1"/>
+        </a:fontRef>
+      </dsp:style>
+      <dsp:txBody>
+        <a:bodyPr spcFirstLastPara="0" vert="horz" wrap="square" lIns="95250" tIns="95250" rIns="95250" bIns="95250" numCol="1" spcCol="1270" anchor="ctr" anchorCtr="0">
+          <a:noAutofit/>
+        </a:bodyPr>
+        <a:lstStyle/>
+        <a:p>
+          <a:pPr lvl="0" algn="ctr" defTabSz="1111250">
+            <a:lnSpc>
+              <a:spcPct val="90000"/>
+            </a:lnSpc>
+            <a:spcBef>
+              <a:spcPct val="0"/>
+            </a:spcBef>
+            <a:spcAft>
+              <a:spcPct val="35000"/>
+            </a:spcAft>
+          </a:pPr>
+          <a:r>
+            <a:rPr lang="es-ES_tradnl" sz="2500" kern="1200" dirty="0" err="1" smtClean="0"/>
+            <a:t>BookService</a:t>
+          </a:r>
+          <a:endParaRPr lang="en-US" sz="2500" kern="1200" dirty="0"/>
+        </a:p>
+      </dsp:txBody>
+      <dsp:txXfrm>
+        <a:off x="31464" y="1883718"/>
+        <a:ext cx="2620685" cy="1011319"/>
+      </dsp:txXfrm>
+    </dsp:sp>
+    <dsp:sp modelId="{3C1528C3-2A53-4665-B9B1-9D10BDE5246C}">
+      <dsp:nvSpPr>
+        <dsp:cNvPr id="0" name=""/>
+        <dsp:cNvSpPr/>
+      </dsp:nvSpPr>
+      <dsp:spPr>
+        <a:xfrm rot="21504203">
+          <a:off x="3193390" y="2251185"/>
+          <a:ext cx="4171887" cy="466238"/>
+        </a:xfrm>
+        <a:prstGeom prst="rightArrow">
+          <a:avLst>
+            <a:gd name="adj1" fmla="val 60000"/>
+            <a:gd name="adj2" fmla="val 50000"/>
+          </a:avLst>
+        </a:prstGeom>
+        <a:solidFill>
+          <a:schemeClr val="accent1">
+            <a:tint val="60000"/>
+            <a:hueOff val="0"/>
+            <a:satOff val="0"/>
+            <a:lumOff val="0"/>
+            <a:alphaOff val="0"/>
+          </a:schemeClr>
+        </a:solidFill>
+        <a:ln>
+          <a:noFill/>
+        </a:ln>
+        <a:effectLst/>
+      </dsp:spPr>
+      <dsp:style>
+        <a:lnRef idx="0">
+          <a:scrgbClr r="0" g="0" b="0"/>
+        </a:lnRef>
+        <a:fillRef idx="1">
+          <a:scrgbClr r="0" g="0" b="0"/>
+        </a:fillRef>
+        <a:effectRef idx="0">
+          <a:scrgbClr r="0" g="0" b="0"/>
+        </a:effectRef>
+        <a:fontRef idx="minor">
+          <a:schemeClr val="lt1"/>
+        </a:fontRef>
+      </dsp:style>
+      <dsp:txBody>
+        <a:bodyPr spcFirstLastPara="0" vert="horz" wrap="square" lIns="0" tIns="0" rIns="0" bIns="0" numCol="1" spcCol="1270" anchor="ctr" anchorCtr="0">
+          <a:noAutofit/>
+        </a:bodyPr>
+        <a:lstStyle/>
+        <a:p>
+          <a:pPr lvl="0" algn="ctr" defTabSz="800100">
+            <a:lnSpc>
+              <a:spcPct val="90000"/>
+            </a:lnSpc>
+            <a:spcBef>
+              <a:spcPct val="0"/>
+            </a:spcBef>
+            <a:spcAft>
+              <a:spcPct val="35000"/>
+            </a:spcAft>
+          </a:pPr>
+          <a:r>
+            <a:rPr lang="es-ES_tradnl" sz="1800" kern="1200" dirty="0" err="1" smtClean="0"/>
+            <a:t>findAll</a:t>
+          </a:r>
+          <a:r>
+            <a:rPr lang="es-ES_tradnl" sz="1800" kern="1200" dirty="0" smtClean="0"/>
+            <a:t>()</a:t>
+          </a:r>
+          <a:endParaRPr lang="en-US" sz="1800" kern="1200" dirty="0"/>
+        </a:p>
+      </dsp:txBody>
+      <dsp:txXfrm>
+        <a:off x="3193417" y="2346382"/>
+        <a:ext cx="4032016" cy="279742"/>
+      </dsp:txXfrm>
+    </dsp:sp>
+    <dsp:sp modelId="{9345B24A-55DC-4164-8C82-526C07E03E06}">
+      <dsp:nvSpPr>
+        <dsp:cNvPr id="0" name=""/>
+        <dsp:cNvSpPr/>
+      </dsp:nvSpPr>
+      <dsp:spPr>
+        <a:xfrm>
+          <a:off x="7970364" y="1642934"/>
+          <a:ext cx="2545235" cy="1052420"/>
+        </a:xfrm>
+        <a:prstGeom prst="roundRect">
+          <a:avLst>
+            <a:gd name="adj" fmla="val 10000"/>
+          </a:avLst>
+        </a:prstGeom>
+        <a:solidFill>
+          <a:schemeClr val="accent1">
+            <a:hueOff val="0"/>
+            <a:satOff val="0"/>
+            <a:lumOff val="0"/>
+            <a:alphaOff val="0"/>
+          </a:schemeClr>
+        </a:solidFill>
+        <a:ln w="25400" cap="flat" cmpd="sng" algn="ctr">
+          <a:solidFill>
+            <a:schemeClr val="lt1">
+              <a:hueOff val="0"/>
+              <a:satOff val="0"/>
+              <a:lumOff val="0"/>
+              <a:alphaOff val="0"/>
+            </a:schemeClr>
+          </a:solidFill>
+          <a:prstDash val="solid"/>
+        </a:ln>
+        <a:effectLst/>
+      </dsp:spPr>
+      <dsp:style>
+        <a:lnRef idx="2">
+          <a:scrgbClr r="0" g="0" b="0"/>
+        </a:lnRef>
+        <a:fillRef idx="1">
+          <a:scrgbClr r="0" g="0" b="0"/>
+        </a:fillRef>
+        <a:effectRef idx="0">
+          <a:scrgbClr r="0" g="0" b="0"/>
+        </a:effectRef>
+        <a:fontRef idx="minor">
+          <a:schemeClr val="lt1"/>
+        </a:fontRef>
+      </dsp:style>
+      <dsp:txBody>
+        <a:bodyPr spcFirstLastPara="0" vert="horz" wrap="square" lIns="95250" tIns="95250" rIns="95250" bIns="95250" numCol="1" spcCol="1270" anchor="ctr" anchorCtr="0">
+          <a:noAutofit/>
+        </a:bodyPr>
+        <a:lstStyle/>
+        <a:p>
+          <a:pPr lvl="0" algn="ctr" defTabSz="1111250">
+            <a:lnSpc>
+              <a:spcPct val="90000"/>
+            </a:lnSpc>
+            <a:spcBef>
+              <a:spcPct val="0"/>
+            </a:spcBef>
+            <a:spcAft>
+              <a:spcPct val="35000"/>
+            </a:spcAft>
+          </a:pPr>
+          <a:r>
+            <a:rPr lang="es-ES_tradnl" sz="2500" kern="1200" dirty="0" err="1" smtClean="0"/>
+            <a:t>BookRepository</a:t>
+          </a:r>
+          <a:endParaRPr lang="en-US" sz="2500" kern="1200" dirty="0"/>
+        </a:p>
+      </dsp:txBody>
+      <dsp:txXfrm>
+        <a:off x="8001188" y="1673758"/>
+        <a:ext cx="2483587" cy="990772"/>
+      </dsp:txXfrm>
+    </dsp:sp>
+    <dsp:sp modelId="{0F9723B7-0055-459E-A10D-E0CCDB016560}">
+      <dsp:nvSpPr>
+        <dsp:cNvPr id="0" name=""/>
+        <dsp:cNvSpPr/>
+      </dsp:nvSpPr>
+      <dsp:spPr>
+        <a:xfrm rot="10058187">
+          <a:off x="2787071" y="3011729"/>
+          <a:ext cx="4965242" cy="472643"/>
+        </a:xfrm>
+        <a:prstGeom prst="rightArrow">
+          <a:avLst>
+            <a:gd name="adj1" fmla="val 60000"/>
+            <a:gd name="adj2" fmla="val 50000"/>
+          </a:avLst>
+        </a:prstGeom>
+        <a:solidFill>
+          <a:schemeClr val="accent1">
+            <a:tint val="60000"/>
+            <a:hueOff val="0"/>
+            <a:satOff val="0"/>
+            <a:lumOff val="0"/>
+            <a:alphaOff val="0"/>
+          </a:schemeClr>
+        </a:solidFill>
+        <a:ln>
+          <a:noFill/>
+        </a:ln>
+        <a:effectLst/>
+      </dsp:spPr>
+      <dsp:style>
+        <a:lnRef idx="0">
+          <a:scrgbClr r="0" g="0" b="0"/>
+        </a:lnRef>
+        <a:fillRef idx="1">
+          <a:scrgbClr r="0" g="0" b="0"/>
+        </a:fillRef>
+        <a:effectRef idx="0">
+          <a:scrgbClr r="0" g="0" b="0"/>
+        </a:effectRef>
+        <a:fontRef idx="minor">
+          <a:schemeClr val="lt1"/>
+        </a:fontRef>
+      </dsp:style>
+      <dsp:txBody>
+        <a:bodyPr spcFirstLastPara="0" vert="horz" wrap="square" lIns="0" tIns="0" rIns="0" bIns="0" numCol="1" spcCol="1270" anchor="ctr" anchorCtr="0">
+          <a:noAutofit/>
+        </a:bodyPr>
+        <a:lstStyle/>
+        <a:p>
+          <a:pPr lvl="0" algn="ctr" defTabSz="800100">
+            <a:lnSpc>
+              <a:spcPct val="90000"/>
+            </a:lnSpc>
+            <a:spcBef>
+              <a:spcPct val="0"/>
+            </a:spcBef>
+            <a:spcAft>
+              <a:spcPct val="35000"/>
+            </a:spcAft>
+          </a:pPr>
+          <a:r>
+            <a:rPr lang="es-ES_tradnl" sz="1800" kern="1200" dirty="0" err="1" smtClean="0"/>
+            <a:t>findAll</a:t>
+          </a:r>
+          <a:r>
+            <a:rPr lang="es-ES_tradnl" sz="1800" kern="1200" dirty="0" smtClean="0"/>
+            <a:t>()</a:t>
+          </a:r>
+          <a:endParaRPr lang="en-US" sz="1800" kern="1200" dirty="0"/>
+        </a:p>
+      </dsp:txBody>
+      <dsp:txXfrm rot="10800000">
+        <a:off x="2927220" y="3091078"/>
+        <a:ext cx="4823449" cy="283585"/>
+      </dsp:txXfrm>
+    </dsp:sp>
+    <dsp:sp modelId="{7490BDB8-F1E2-4EB2-82E7-C08F9B9E534E}">
+      <dsp:nvSpPr>
+        <dsp:cNvPr id="0" name=""/>
+        <dsp:cNvSpPr/>
+      </dsp:nvSpPr>
+      <dsp:spPr>
+        <a:xfrm>
+          <a:off x="0" y="3513640"/>
+          <a:ext cx="2491638" cy="816924"/>
+        </a:xfrm>
+        <a:prstGeom prst="roundRect">
+          <a:avLst>
+            <a:gd name="adj" fmla="val 10000"/>
+          </a:avLst>
+        </a:prstGeom>
+        <a:solidFill>
+          <a:schemeClr val="accent1">
+            <a:hueOff val="0"/>
+            <a:satOff val="0"/>
+            <a:lumOff val="0"/>
+            <a:alphaOff val="0"/>
+          </a:schemeClr>
+        </a:solidFill>
+        <a:ln w="25400" cap="flat" cmpd="sng" algn="ctr">
+          <a:solidFill>
+            <a:schemeClr val="lt1">
+              <a:hueOff val="0"/>
+              <a:satOff val="0"/>
+              <a:lumOff val="0"/>
+              <a:alphaOff val="0"/>
+            </a:schemeClr>
+          </a:solidFill>
+          <a:prstDash val="solid"/>
+        </a:ln>
+        <a:effectLst/>
+      </dsp:spPr>
+      <dsp:style>
+        <a:lnRef idx="2">
+          <a:scrgbClr r="0" g="0" b="0"/>
+        </a:lnRef>
+        <a:fillRef idx="1">
+          <a:scrgbClr r="0" g="0" b="0"/>
+        </a:fillRef>
+        <a:effectRef idx="0">
+          <a:scrgbClr r="0" g="0" b="0"/>
+        </a:effectRef>
+        <a:fontRef idx="minor">
+          <a:schemeClr val="lt1"/>
+        </a:fontRef>
+      </dsp:style>
+      <dsp:txBody>
+        <a:bodyPr spcFirstLastPara="0" vert="horz" wrap="square" lIns="95250" tIns="95250" rIns="95250" bIns="95250" numCol="1" spcCol="1270" anchor="ctr" anchorCtr="0">
+          <a:noAutofit/>
+        </a:bodyPr>
+        <a:lstStyle/>
+        <a:p>
+          <a:pPr lvl="0" algn="ctr" defTabSz="1111250">
+            <a:lnSpc>
+              <a:spcPct val="90000"/>
+            </a:lnSpc>
+            <a:spcBef>
+              <a:spcPct val="0"/>
+            </a:spcBef>
+            <a:spcAft>
+              <a:spcPct val="35000"/>
+            </a:spcAft>
+          </a:pPr>
+          <a:r>
+            <a:rPr lang="es-ES_tradnl" sz="2500" kern="1200" dirty="0" err="1" smtClean="0"/>
+            <a:t>BookDAO</a:t>
+          </a:r>
+          <a:endParaRPr lang="en-US" sz="2500" kern="1200" dirty="0"/>
+        </a:p>
+      </dsp:txBody>
+      <dsp:txXfrm>
+        <a:off x="23927" y="3537567"/>
+        <a:ext cx="2443784" cy="769070"/>
+      </dsp:txXfrm>
+    </dsp:sp>
+    <dsp:sp modelId="{1FD05E88-9E09-4F15-B0F4-DD6A84F91FB2}">
+      <dsp:nvSpPr>
+        <dsp:cNvPr id="0" name=""/>
+        <dsp:cNvSpPr/>
+      </dsp:nvSpPr>
+      <dsp:spPr>
+        <a:xfrm rot="21563699">
+          <a:off x="3447939" y="3841071"/>
+          <a:ext cx="3981645" cy="478478"/>
+        </a:xfrm>
+        <a:prstGeom prst="rightArrow">
+          <a:avLst>
+            <a:gd name="adj1" fmla="val 60000"/>
+            <a:gd name="adj2" fmla="val 50000"/>
+          </a:avLst>
+        </a:prstGeom>
+        <a:solidFill>
+          <a:schemeClr val="accent1">
+            <a:tint val="60000"/>
+            <a:hueOff val="0"/>
+            <a:satOff val="0"/>
+            <a:lumOff val="0"/>
+            <a:alphaOff val="0"/>
+          </a:schemeClr>
+        </a:solidFill>
+        <a:ln>
+          <a:noFill/>
+        </a:ln>
+        <a:effectLst/>
+      </dsp:spPr>
+      <dsp:style>
+        <a:lnRef idx="0">
+          <a:scrgbClr r="0" g="0" b="0"/>
+        </a:lnRef>
+        <a:fillRef idx="1">
+          <a:scrgbClr r="0" g="0" b="0"/>
+        </a:fillRef>
+        <a:effectRef idx="0">
+          <a:scrgbClr r="0" g="0" b="0"/>
+        </a:effectRef>
+        <a:fontRef idx="minor">
+          <a:schemeClr val="lt1"/>
+        </a:fontRef>
+      </dsp:style>
+      <dsp:txBody>
+        <a:bodyPr spcFirstLastPara="0" vert="horz" wrap="square" lIns="0" tIns="0" rIns="0" bIns="0" numCol="1" spcCol="1270" anchor="ctr" anchorCtr="0">
+          <a:noAutofit/>
+        </a:bodyPr>
+        <a:lstStyle/>
+        <a:p>
+          <a:pPr lvl="0" algn="ctr" defTabSz="800100">
+            <a:lnSpc>
+              <a:spcPct val="90000"/>
+            </a:lnSpc>
+            <a:spcBef>
+              <a:spcPct val="0"/>
+            </a:spcBef>
+            <a:spcAft>
+              <a:spcPct val="35000"/>
+            </a:spcAft>
+          </a:pPr>
+          <a:r>
+            <a:rPr lang="es-ES_tradnl" sz="1800" kern="1200" dirty="0" smtClean="0"/>
+            <a:t>SELECT * FROM </a:t>
+          </a:r>
+          <a:r>
+            <a:rPr lang="es-ES_tradnl" sz="1800" kern="1200" dirty="0" err="1" smtClean="0"/>
+            <a:t>books</a:t>
+          </a:r>
+          <a:endParaRPr lang="en-US" sz="1800" kern="1200" dirty="0"/>
+        </a:p>
+      </dsp:txBody>
+      <dsp:txXfrm>
+        <a:off x="3447943" y="3937525"/>
+        <a:ext cx="3838102" cy="287086"/>
+      </dsp:txXfrm>
+    </dsp:sp>
+    <dsp:sp modelId="{E8D2FA06-B903-4014-BFD9-BFAEAA6FFFAA}">
+      <dsp:nvSpPr>
+        <dsp:cNvPr id="0" name=""/>
+        <dsp:cNvSpPr/>
+      </dsp:nvSpPr>
+      <dsp:spPr>
+        <a:xfrm>
+          <a:off x="7942629" y="3331881"/>
+          <a:ext cx="2547897" cy="1012100"/>
+        </a:xfrm>
+        <a:prstGeom prst="roundRect">
+          <a:avLst>
+            <a:gd name="adj" fmla="val 10000"/>
+          </a:avLst>
+        </a:prstGeom>
+        <a:solidFill>
+          <a:schemeClr val="accent1">
+            <a:hueOff val="0"/>
+            <a:satOff val="0"/>
+            <a:lumOff val="0"/>
+            <a:alphaOff val="0"/>
+          </a:schemeClr>
+        </a:solidFill>
+        <a:ln w="25400" cap="flat" cmpd="sng" algn="ctr">
+          <a:solidFill>
+            <a:schemeClr val="lt1">
+              <a:hueOff val="0"/>
+              <a:satOff val="0"/>
+              <a:lumOff val="0"/>
+              <a:alphaOff val="0"/>
+            </a:schemeClr>
+          </a:solidFill>
+          <a:prstDash val="solid"/>
+        </a:ln>
+        <a:effectLst/>
+      </dsp:spPr>
+      <dsp:style>
+        <a:lnRef idx="2">
+          <a:scrgbClr r="0" g="0" b="0"/>
+        </a:lnRef>
+        <a:fillRef idx="1">
+          <a:scrgbClr r="0" g="0" b="0"/>
+        </a:fillRef>
+        <a:effectRef idx="0">
+          <a:scrgbClr r="0" g="0" b="0"/>
+        </a:effectRef>
+        <a:fontRef idx="minor">
+          <a:schemeClr val="lt1"/>
+        </a:fontRef>
+      </dsp:style>
+      <dsp:txBody>
+        <a:bodyPr spcFirstLastPara="0" vert="horz" wrap="square" lIns="95250" tIns="95250" rIns="95250" bIns="95250" numCol="1" spcCol="1270" anchor="ctr" anchorCtr="0">
+          <a:noAutofit/>
+        </a:bodyPr>
+        <a:lstStyle/>
+        <a:p>
+          <a:pPr lvl="0" algn="ctr" defTabSz="1111250">
+            <a:lnSpc>
+              <a:spcPct val="90000"/>
+            </a:lnSpc>
+            <a:spcBef>
+              <a:spcPct val="0"/>
+            </a:spcBef>
+            <a:spcAft>
+              <a:spcPct val="35000"/>
+            </a:spcAft>
+          </a:pPr>
+          <a:r>
+            <a:rPr lang="es-ES_tradnl" sz="2500" kern="1200" dirty="0" smtClean="0"/>
+            <a:t>BASE DE DATOS</a:t>
+          </a:r>
+          <a:endParaRPr lang="en-US" sz="2500" kern="1200" dirty="0"/>
+        </a:p>
+      </dsp:txBody>
+      <dsp:txXfrm>
+        <a:off x="7972272" y="3361524"/>
+        <a:ext cx="2488611" cy="952814"/>
+      </dsp:txXfrm>
+    </dsp:sp>
   </dsp:spTree>
 </dsp:drawing>
 </file>
@@ -5350,7 +6223,7 @@
           <a:p>
             <a:fld id="{0E53D8F8-7794-4C5C-9B96-6B70F6BB9983}" type="datetimeFigureOut">
               <a:rPr lang="en-US" smtClean="0"/>
-              <a:t>10/17/2014</a:t>
+              <a:t>10/20/2014</a:t>
             </a:fld>
             <a:endParaRPr lang="en-US"/>
           </a:p>
@@ -9710,471 +10583,6 @@
 </p:sld>
 </file>
 
-<file path=ppt/slides/slide10.xml><?xml version="1.0" encoding="utf-8"?>
-<p:sld xmlns:a="http://schemas.openxmlformats.org/drawingml/2006/main" xmlns:r="http://schemas.openxmlformats.org/officeDocument/2006/relationships" xmlns:p="http://schemas.openxmlformats.org/presentationml/2006/main">
-  <p:cSld>
-    <p:spTree>
-      <p:nvGrpSpPr>
-        <p:cNvPr id="1" name=""/>
-        <p:cNvGrpSpPr/>
-        <p:nvPr/>
-      </p:nvGrpSpPr>
-      <p:grpSpPr>
-        <a:xfrm>
-          <a:off x="0" y="0"/>
-          <a:ext cx="0" cy="0"/>
-          <a:chOff x="0" y="0"/>
-          <a:chExt cx="0" cy="0"/>
-        </a:xfrm>
-      </p:grpSpPr>
-      <p:sp>
-        <p:nvSpPr>
-          <p:cNvPr id="2" name="Text Placeholder 1"/>
-          <p:cNvSpPr>
-            <a:spLocks noGrp="1"/>
-          </p:cNvSpPr>
-          <p:nvPr>
-            <p:ph type="body" sz="quarter" idx="16"/>
-          </p:nvPr>
-        </p:nvSpPr>
-        <p:spPr/>
-        <p:txBody>
-          <a:bodyPr/>
-          <a:lstStyle/>
-          <a:p>
-            <a:endParaRPr lang="es-AR"/>
-          </a:p>
-        </p:txBody>
-      </p:sp>
-      <p:sp>
-        <p:nvSpPr>
-          <p:cNvPr id="3" name="Content Placeholder 2"/>
-          <p:cNvSpPr>
-            <a:spLocks noGrp="1"/>
-          </p:cNvSpPr>
-          <p:nvPr>
-            <p:ph idx="17"/>
-          </p:nvPr>
-        </p:nvSpPr>
-        <p:spPr/>
-        <p:txBody>
-          <a:bodyPr/>
-          <a:lstStyle/>
-          <a:p>
-            <a:endParaRPr lang="es-AR"/>
-          </a:p>
-        </p:txBody>
-      </p:sp>
-      <p:sp>
-        <p:nvSpPr>
-          <p:cNvPr id="4" name="Text Placeholder 3"/>
-          <p:cNvSpPr>
-            <a:spLocks noGrp="1"/>
-          </p:cNvSpPr>
-          <p:nvPr>
-            <p:ph type="body" sz="quarter" idx="15"/>
-          </p:nvPr>
-        </p:nvSpPr>
-        <p:spPr/>
-        <p:txBody>
-          <a:bodyPr/>
-          <a:lstStyle/>
-          <a:p>
-            <a:endParaRPr lang="es-AR"/>
-          </a:p>
-        </p:txBody>
-      </p:sp>
-      <p:sp>
-        <p:nvSpPr>
-          <p:cNvPr id="5" name="Text Placeholder 4"/>
-          <p:cNvSpPr>
-            <a:spLocks noGrp="1"/>
-          </p:cNvSpPr>
-          <p:nvPr>
-            <p:ph type="body" sz="quarter" idx="19"/>
-          </p:nvPr>
-        </p:nvSpPr>
-        <p:spPr/>
-        <p:txBody>
-          <a:bodyPr/>
-          <a:lstStyle/>
-          <a:p>
-            <a:endParaRPr lang="es-AR"/>
-          </a:p>
-        </p:txBody>
-      </p:sp>
-      <p:sp>
-        <p:nvSpPr>
-          <p:cNvPr id="6" name="Content Placeholder 5"/>
-          <p:cNvSpPr>
-            <a:spLocks noGrp="1"/>
-          </p:cNvSpPr>
-          <p:nvPr>
-            <p:ph idx="20"/>
-          </p:nvPr>
-        </p:nvSpPr>
-        <p:spPr/>
-        <p:txBody>
-          <a:bodyPr/>
-          <a:lstStyle/>
-          <a:p>
-            <a:endParaRPr lang="es-AR"/>
-          </a:p>
-        </p:txBody>
-      </p:sp>
-    </p:spTree>
-    <p:extLst>
-      <p:ext uri="{BB962C8B-B14F-4D97-AF65-F5344CB8AC3E}">
-        <p14:creationId xmlns:p14="http://schemas.microsoft.com/office/powerpoint/2010/main" val="4001875161"/>
-      </p:ext>
-    </p:extLst>
-  </p:cSld>
-  <p:clrMapOvr>
-    <a:masterClrMapping/>
-  </p:clrMapOvr>
-</p:sld>
-</file>
-
-<file path=ppt/slides/slide11.xml><?xml version="1.0" encoding="utf-8"?>
-<p:sld xmlns:a="http://schemas.openxmlformats.org/drawingml/2006/main" xmlns:r="http://schemas.openxmlformats.org/officeDocument/2006/relationships" xmlns:p="http://schemas.openxmlformats.org/presentationml/2006/main">
-  <p:cSld>
-    <p:spTree>
-      <p:nvGrpSpPr>
-        <p:cNvPr id="1" name=""/>
-        <p:cNvGrpSpPr/>
-        <p:nvPr/>
-      </p:nvGrpSpPr>
-      <p:grpSpPr>
-        <a:xfrm>
-          <a:off x="0" y="0"/>
-          <a:ext cx="0" cy="0"/>
-          <a:chOff x="0" y="0"/>
-          <a:chExt cx="0" cy="0"/>
-        </a:xfrm>
-      </p:grpSpPr>
-      <p:sp>
-        <p:nvSpPr>
-          <p:cNvPr id="2" name="Content Placeholder 1"/>
-          <p:cNvSpPr>
-            <a:spLocks noGrp="1"/>
-          </p:cNvSpPr>
-          <p:nvPr>
-            <p:ph idx="20"/>
-          </p:nvPr>
-        </p:nvSpPr>
-        <p:spPr/>
-        <p:txBody>
-          <a:bodyPr/>
-          <a:lstStyle/>
-          <a:p>
-            <a:endParaRPr lang="es-AR"/>
-          </a:p>
-        </p:txBody>
-      </p:sp>
-      <p:sp>
-        <p:nvSpPr>
-          <p:cNvPr id="3" name="Text Placeholder 2"/>
-          <p:cNvSpPr>
-            <a:spLocks noGrp="1"/>
-          </p:cNvSpPr>
-          <p:nvPr>
-            <p:ph type="body" sz="quarter" idx="16"/>
-          </p:nvPr>
-        </p:nvSpPr>
-        <p:spPr/>
-        <p:txBody>
-          <a:bodyPr/>
-          <a:lstStyle/>
-          <a:p>
-            <a:endParaRPr lang="es-AR"/>
-          </a:p>
-        </p:txBody>
-      </p:sp>
-      <p:sp>
-        <p:nvSpPr>
-          <p:cNvPr id="4" name="Content Placeholder 3"/>
-          <p:cNvSpPr>
-            <a:spLocks noGrp="1"/>
-          </p:cNvSpPr>
-          <p:nvPr>
-            <p:ph idx="17"/>
-          </p:nvPr>
-        </p:nvSpPr>
-        <p:spPr/>
-        <p:txBody>
-          <a:bodyPr/>
-          <a:lstStyle/>
-          <a:p>
-            <a:endParaRPr lang="es-AR"/>
-          </a:p>
-        </p:txBody>
-      </p:sp>
-    </p:spTree>
-    <p:extLst>
-      <p:ext uri="{BB962C8B-B14F-4D97-AF65-F5344CB8AC3E}">
-        <p14:creationId xmlns:p14="http://schemas.microsoft.com/office/powerpoint/2010/main" val="1468754848"/>
-      </p:ext>
-    </p:extLst>
-  </p:cSld>
-  <p:clrMapOvr>
-    <a:masterClrMapping/>
-  </p:clrMapOvr>
-</p:sld>
-</file>
-
-<file path=ppt/slides/slide12.xml><?xml version="1.0" encoding="utf-8"?>
-<p:sld xmlns:a="http://schemas.openxmlformats.org/drawingml/2006/main" xmlns:r="http://schemas.openxmlformats.org/officeDocument/2006/relationships" xmlns:p="http://schemas.openxmlformats.org/presentationml/2006/main">
-  <p:cSld>
-    <p:spTree>
-      <p:nvGrpSpPr>
-        <p:cNvPr id="1" name=""/>
-        <p:cNvGrpSpPr/>
-        <p:nvPr/>
-      </p:nvGrpSpPr>
-      <p:grpSpPr>
-        <a:xfrm>
-          <a:off x="0" y="0"/>
-          <a:ext cx="0" cy="0"/>
-          <a:chOff x="0" y="0"/>
-          <a:chExt cx="0" cy="0"/>
-        </a:xfrm>
-      </p:grpSpPr>
-      <p:sp>
-        <p:nvSpPr>
-          <p:cNvPr id="2" name="Content Placeholder 1"/>
-          <p:cNvSpPr>
-            <a:spLocks noGrp="1"/>
-          </p:cNvSpPr>
-          <p:nvPr>
-            <p:ph idx="18"/>
-          </p:nvPr>
-        </p:nvSpPr>
-        <p:spPr/>
-        <p:txBody>
-          <a:bodyPr/>
-          <a:lstStyle/>
-          <a:p>
-            <a:endParaRPr lang="es-AR"/>
-          </a:p>
-        </p:txBody>
-      </p:sp>
-      <p:sp>
-        <p:nvSpPr>
-          <p:cNvPr id="3" name="Content Placeholder 2"/>
-          <p:cNvSpPr>
-            <a:spLocks noGrp="1"/>
-          </p:cNvSpPr>
-          <p:nvPr>
-            <p:ph idx="16"/>
-          </p:nvPr>
-        </p:nvSpPr>
-        <p:spPr/>
-        <p:txBody>
-          <a:bodyPr/>
-          <a:lstStyle/>
-          <a:p>
-            <a:endParaRPr lang="es-AR"/>
-          </a:p>
-        </p:txBody>
-      </p:sp>
-      <p:sp>
-        <p:nvSpPr>
-          <p:cNvPr id="4" name="Text Placeholder 3"/>
-          <p:cNvSpPr>
-            <a:spLocks noGrp="1"/>
-          </p:cNvSpPr>
-          <p:nvPr>
-            <p:ph type="body" sz="quarter" idx="17"/>
-          </p:nvPr>
-        </p:nvSpPr>
-        <p:spPr/>
-        <p:txBody>
-          <a:bodyPr/>
-          <a:lstStyle/>
-          <a:p>
-            <a:endParaRPr lang="es-AR"/>
-          </a:p>
-        </p:txBody>
-      </p:sp>
-      <p:sp>
-        <p:nvSpPr>
-          <p:cNvPr id="5" name="Text Placeholder 4"/>
-          <p:cNvSpPr>
-            <a:spLocks noGrp="1"/>
-          </p:cNvSpPr>
-          <p:nvPr>
-            <p:ph type="body" sz="quarter" idx="19"/>
-          </p:nvPr>
-        </p:nvSpPr>
-        <p:spPr/>
-        <p:txBody>
-          <a:bodyPr/>
-          <a:lstStyle/>
-          <a:p>
-            <a:endParaRPr lang="es-AR"/>
-          </a:p>
-        </p:txBody>
-      </p:sp>
-    </p:spTree>
-    <p:extLst>
-      <p:ext uri="{BB962C8B-B14F-4D97-AF65-F5344CB8AC3E}">
-        <p14:creationId xmlns:p14="http://schemas.microsoft.com/office/powerpoint/2010/main" val="2968079576"/>
-      </p:ext>
-    </p:extLst>
-  </p:cSld>
-  <p:clrMapOvr>
-    <a:masterClrMapping/>
-  </p:clrMapOvr>
-</p:sld>
-</file>
-
-<file path=ppt/slides/slide13.xml><?xml version="1.0" encoding="utf-8"?>
-<p:sld xmlns:a="http://schemas.openxmlformats.org/drawingml/2006/main" xmlns:r="http://schemas.openxmlformats.org/officeDocument/2006/relationships" xmlns:p="http://schemas.openxmlformats.org/presentationml/2006/main">
-  <p:cSld>
-    <p:spTree>
-      <p:nvGrpSpPr>
-        <p:cNvPr id="1" name=""/>
-        <p:cNvGrpSpPr/>
-        <p:nvPr/>
-      </p:nvGrpSpPr>
-      <p:grpSpPr>
-        <a:xfrm>
-          <a:off x="0" y="0"/>
-          <a:ext cx="0" cy="0"/>
-          <a:chOff x="0" y="0"/>
-          <a:chExt cx="0" cy="0"/>
-        </a:xfrm>
-      </p:grpSpPr>
-      <p:sp>
-        <p:nvSpPr>
-          <p:cNvPr id="2" name="Text Placeholder 1"/>
-          <p:cNvSpPr>
-            <a:spLocks noGrp="1"/>
-          </p:cNvSpPr>
-          <p:nvPr>
-            <p:ph type="body" sz="quarter" idx="17"/>
-          </p:nvPr>
-        </p:nvSpPr>
-        <p:spPr/>
-        <p:txBody>
-          <a:bodyPr/>
-          <a:lstStyle/>
-          <a:p>
-            <a:endParaRPr lang="es-AR"/>
-          </a:p>
-        </p:txBody>
-      </p:sp>
-    </p:spTree>
-    <p:extLst>
-      <p:ext uri="{BB962C8B-B14F-4D97-AF65-F5344CB8AC3E}">
-        <p14:creationId xmlns:p14="http://schemas.microsoft.com/office/powerpoint/2010/main" val="1481141681"/>
-      </p:ext>
-    </p:extLst>
-  </p:cSld>
-  <p:clrMapOvr>
-    <a:masterClrMapping/>
-  </p:clrMapOvr>
-</p:sld>
-</file>
-
-<file path=ppt/slides/slide14.xml><?xml version="1.0" encoding="utf-8"?>
-<p:sld xmlns:a="http://schemas.openxmlformats.org/drawingml/2006/main" xmlns:r="http://schemas.openxmlformats.org/officeDocument/2006/relationships" xmlns:p="http://schemas.openxmlformats.org/presentationml/2006/main">
-  <p:cSld>
-    <p:spTree>
-      <p:nvGrpSpPr>
-        <p:cNvPr id="1" name=""/>
-        <p:cNvGrpSpPr/>
-        <p:nvPr/>
-      </p:nvGrpSpPr>
-      <p:grpSpPr>
-        <a:xfrm>
-          <a:off x="0" y="0"/>
-          <a:ext cx="0" cy="0"/>
-          <a:chOff x="0" y="0"/>
-          <a:chExt cx="0" cy="0"/>
-        </a:xfrm>
-      </p:grpSpPr>
-      <p:sp>
-        <p:nvSpPr>
-          <p:cNvPr id="2" name="Text Placeholder 1"/>
-          <p:cNvSpPr>
-            <a:spLocks noGrp="1"/>
-          </p:cNvSpPr>
-          <p:nvPr>
-            <p:ph type="body" sz="quarter" idx="17"/>
-          </p:nvPr>
-        </p:nvSpPr>
-        <p:spPr/>
-        <p:txBody>
-          <a:bodyPr/>
-          <a:lstStyle/>
-          <a:p>
-            <a:endParaRPr lang="es-AR"/>
-          </a:p>
-        </p:txBody>
-      </p:sp>
-      <p:sp>
-        <p:nvSpPr>
-          <p:cNvPr id="3" name="Text Placeholder 2"/>
-          <p:cNvSpPr>
-            <a:spLocks noGrp="1"/>
-          </p:cNvSpPr>
-          <p:nvPr>
-            <p:ph type="body" sz="quarter" idx="18"/>
-          </p:nvPr>
-        </p:nvSpPr>
-        <p:spPr/>
-        <p:txBody>
-          <a:bodyPr/>
-          <a:lstStyle/>
-          <a:p>
-            <a:endParaRPr lang="es-AR"/>
-          </a:p>
-        </p:txBody>
-      </p:sp>
-    </p:spTree>
-    <p:extLst>
-      <p:ext uri="{BB962C8B-B14F-4D97-AF65-F5344CB8AC3E}">
-        <p14:creationId xmlns:p14="http://schemas.microsoft.com/office/powerpoint/2010/main" val="3937859615"/>
-      </p:ext>
-    </p:extLst>
-  </p:cSld>
-  <p:clrMapOvr>
-    <a:masterClrMapping/>
-  </p:clrMapOvr>
-</p:sld>
-</file>
-
-<file path=ppt/slides/slide15.xml><?xml version="1.0" encoding="utf-8"?>
-<p:sld xmlns:a="http://schemas.openxmlformats.org/drawingml/2006/main" xmlns:r="http://schemas.openxmlformats.org/officeDocument/2006/relationships" xmlns:p="http://schemas.openxmlformats.org/presentationml/2006/main">
-  <p:cSld>
-    <p:spTree>
-      <p:nvGrpSpPr>
-        <p:cNvPr id="1" name=""/>
-        <p:cNvGrpSpPr/>
-        <p:nvPr/>
-      </p:nvGrpSpPr>
-      <p:grpSpPr>
-        <a:xfrm>
-          <a:off x="0" y="0"/>
-          <a:ext cx="0" cy="0"/>
-          <a:chOff x="0" y="0"/>
-          <a:chExt cx="0" cy="0"/>
-        </a:xfrm>
-      </p:grpSpPr>
-    </p:spTree>
-    <p:extLst>
-      <p:ext uri="{BB962C8B-B14F-4D97-AF65-F5344CB8AC3E}">
-        <p14:creationId xmlns:p14="http://schemas.microsoft.com/office/powerpoint/2010/main" val="658284533"/>
-      </p:ext>
-    </p:extLst>
-  </p:cSld>
-  <p:clrMapOvr>
-    <a:masterClrMapping/>
-  </p:clrMapOvr>
-</p:sld>
-</file>
-
 <file path=ppt/slides/slide2.xml><?xml version="1.0" encoding="utf-8"?>
 <p:sld xmlns:a="http://schemas.openxmlformats.org/drawingml/2006/main" xmlns:r="http://schemas.openxmlformats.org/officeDocument/2006/relationships" xmlns:p="http://schemas.openxmlformats.org/presentationml/2006/main">
   <p:cSld>
@@ -10776,181 +11184,6 @@
       </p:grpSpPr>
       <p:sp>
         <p:nvSpPr>
-          <p:cNvPr id="2" name="Title 1"/>
-          <p:cNvSpPr>
-            <a:spLocks noGrp="1"/>
-          </p:cNvSpPr>
-          <p:nvPr>
-            <p:ph type="title"/>
-          </p:nvPr>
-        </p:nvSpPr>
-        <p:spPr>
-          <a:xfrm>
-            <a:off x="526092" y="302014"/>
-            <a:ext cx="4108216" cy="512179"/>
-          </a:xfrm>
-        </p:spPr>
-        <p:txBody>
-          <a:bodyPr/>
-          <a:lstStyle/>
-          <a:p>
-            <a:r>
-              <a:rPr lang="es-ES_tradnl" dirty="0" smtClean="0"/>
-              <a:t>Ejemplo: Listar todos los libros</a:t>
-            </a:r>
-            <a:endParaRPr lang="en-US" dirty="0"/>
-          </a:p>
-        </p:txBody>
-      </p:sp>
-      <p:graphicFrame>
-        <p:nvGraphicFramePr>
-          <p:cNvPr id="4" name="Content Placeholder 3"/>
-          <p:cNvGraphicFramePr>
-            <a:graphicFrameLocks noGrp="1"/>
-          </p:cNvGraphicFramePr>
-          <p:nvPr>
-            <p:ph idx="1"/>
-            <p:extLst>
-              <p:ext uri="{D42A27DB-BD31-4B8C-83A1-F6EECF244321}">
-                <p14:modId xmlns:p14="http://schemas.microsoft.com/office/powerpoint/2010/main" val="1667295645"/>
-              </p:ext>
-            </p:extLst>
-          </p:nvPr>
-        </p:nvGraphicFramePr>
-        <p:xfrm>
-          <a:off x="838200" y="2344615"/>
-          <a:ext cx="10515600" cy="5427785"/>
-        </p:xfrm>
-        <a:graphic>
-          <a:graphicData uri="http://schemas.openxmlformats.org/drawingml/2006/diagram">
-            <dgm:relIds xmlns:dgm="http://schemas.openxmlformats.org/drawingml/2006/diagram" xmlns:r="http://schemas.openxmlformats.org/officeDocument/2006/relationships" r:dm="rId2" r:lo="rId3" r:qs="rId4" r:cs="rId5"/>
-          </a:graphicData>
-        </a:graphic>
-      </p:graphicFrame>
-      <p:sp>
-        <p:nvSpPr>
-          <p:cNvPr id="3" name="Rounded Rectangle 2"/>
-          <p:cNvSpPr/>
-          <p:nvPr/>
-        </p:nvSpPr>
-        <p:spPr>
-          <a:xfrm>
-            <a:off x="526092" y="1089764"/>
-            <a:ext cx="3294345" cy="926605"/>
-          </a:xfrm>
-          <a:prstGeom prst="roundRect">
-            <a:avLst/>
-          </a:prstGeom>
-        </p:spPr>
-        <p:style>
-          <a:lnRef idx="2">
-            <a:schemeClr val="accent1">
-              <a:shade val="50000"/>
-            </a:schemeClr>
-          </a:lnRef>
-          <a:fillRef idx="1">
-            <a:schemeClr val="accent1"/>
-          </a:fillRef>
-          <a:effectRef idx="0">
-            <a:schemeClr val="accent1"/>
-          </a:effectRef>
-          <a:fontRef idx="minor">
-            <a:schemeClr val="lt1"/>
-          </a:fontRef>
-        </p:style>
-        <p:txBody>
-          <a:bodyPr rtlCol="0" anchor="ctr"/>
-          <a:lstStyle/>
-          <a:p>
-            <a:pPr algn="ctr"/>
-            <a:r>
-              <a:rPr lang="es-ES_tradnl" sz="2700" dirty="0" smtClean="0"/>
-              <a:t>bookListPage.html</a:t>
-            </a:r>
-            <a:endParaRPr lang="en-US" sz="2700" dirty="0"/>
-          </a:p>
-        </p:txBody>
-      </p:sp>
-      <p:sp>
-        <p:nvSpPr>
-          <p:cNvPr id="5" name="Down Arrow 4"/>
-          <p:cNvSpPr/>
-          <p:nvPr/>
-        </p:nvSpPr>
-        <p:spPr>
-          <a:xfrm>
-            <a:off x="1998784" y="2086707"/>
-            <a:ext cx="351693" cy="539262"/>
-          </a:xfrm>
-          <a:prstGeom prst="downArrow">
-            <a:avLst/>
-          </a:prstGeom>
-          <a:solidFill>
-            <a:srgbClr val="B5CBE7"/>
-          </a:solidFill>
-          <a:ln>
-            <a:solidFill>
-              <a:srgbClr val="B5CBE7"/>
-            </a:solidFill>
-          </a:ln>
-        </p:spPr>
-        <p:style>
-          <a:lnRef idx="2">
-            <a:schemeClr val="accent1">
-              <a:shade val="50000"/>
-            </a:schemeClr>
-          </a:lnRef>
-          <a:fillRef idx="1">
-            <a:schemeClr val="accent1"/>
-          </a:fillRef>
-          <a:effectRef idx="0">
-            <a:schemeClr val="accent1"/>
-          </a:effectRef>
-          <a:fontRef idx="minor">
-            <a:schemeClr val="lt1"/>
-          </a:fontRef>
-        </p:style>
-        <p:txBody>
-          <a:bodyPr rtlCol="0" anchor="ctr"/>
-          <a:lstStyle/>
-          <a:p>
-            <a:pPr algn="ctr"/>
-            <a:endParaRPr lang="en-US"/>
-          </a:p>
-        </p:txBody>
-      </p:sp>
-    </p:spTree>
-    <p:extLst>
-      <p:ext uri="{BB962C8B-B14F-4D97-AF65-F5344CB8AC3E}">
-        <p14:creationId xmlns:p14="http://schemas.microsoft.com/office/powerpoint/2010/main" val="3087315553"/>
-      </p:ext>
-    </p:extLst>
-  </p:cSld>
-  <p:clrMapOvr>
-    <a:masterClrMapping/>
-  </p:clrMapOvr>
-</p:sld>
-</file>
-
-<file path=ppt/slides/slide4.xml><?xml version="1.0" encoding="utf-8"?>
-<p:sld xmlns:a="http://schemas.openxmlformats.org/drawingml/2006/main" xmlns:r="http://schemas.openxmlformats.org/officeDocument/2006/relationships" xmlns:p="http://schemas.openxmlformats.org/presentationml/2006/main">
-  <p:cSld>
-    <p:spTree>
-      <p:nvGrpSpPr>
-        <p:cNvPr id="1" name=""/>
-        <p:cNvGrpSpPr/>
-        <p:nvPr/>
-      </p:nvGrpSpPr>
-      <p:grpSpPr>
-        <a:xfrm>
-          <a:off x="0" y="0"/>
-          <a:ext cx="0" cy="0"/>
-          <a:chOff x="0" y="0"/>
-          <a:chExt cx="0" cy="0"/>
-        </a:xfrm>
-      </p:grpSpPr>
-      <p:sp>
-        <p:nvSpPr>
           <p:cNvPr id="4" name="Content Placeholder 3"/>
           <p:cNvSpPr>
             <a:spLocks noGrp="1"/>
@@ -11178,7 +11411,7 @@
 </p:sld>
 </file>
 
-<file path=ppt/slides/slide5.xml><?xml version="1.0" encoding="utf-8"?>
+<file path=ppt/slides/slide4.xml><?xml version="1.0" encoding="utf-8"?>
 <p:sld xmlns:a="http://schemas.openxmlformats.org/drawingml/2006/main" xmlns:r="http://schemas.openxmlformats.org/officeDocument/2006/relationships" xmlns:p="http://schemas.openxmlformats.org/presentationml/2006/main">
   <p:cSld>
     <p:spTree>
@@ -11304,6 +11537,253 @@
     <p:extLst>
       <p:ext uri="{BB962C8B-B14F-4D97-AF65-F5344CB8AC3E}">
         <p14:creationId xmlns:p14="http://schemas.microsoft.com/office/powerpoint/2010/main" val="2445506636"/>
+      </p:ext>
+    </p:extLst>
+  </p:cSld>
+  <p:clrMapOvr>
+    <a:masterClrMapping/>
+  </p:clrMapOvr>
+</p:sld>
+</file>
+
+<file path=ppt/slides/slide5.xml><?xml version="1.0" encoding="utf-8"?>
+<p:sld xmlns:a="http://schemas.openxmlformats.org/drawingml/2006/main" xmlns:r="http://schemas.openxmlformats.org/officeDocument/2006/relationships" xmlns:p="http://schemas.openxmlformats.org/presentationml/2006/main">
+  <p:cSld>
+    <p:spTree>
+      <p:nvGrpSpPr>
+        <p:cNvPr id="1" name=""/>
+        <p:cNvGrpSpPr/>
+        <p:nvPr/>
+      </p:nvGrpSpPr>
+      <p:grpSpPr>
+        <a:xfrm>
+          <a:off x="0" y="0"/>
+          <a:ext cx="0" cy="0"/>
+          <a:chOff x="0" y="0"/>
+          <a:chExt cx="0" cy="0"/>
+        </a:xfrm>
+      </p:grpSpPr>
+      <p:sp>
+        <p:nvSpPr>
+          <p:cNvPr id="4" name="Content Placeholder 3"/>
+          <p:cNvSpPr>
+            <a:spLocks noGrp="1"/>
+          </p:cNvSpPr>
+          <p:nvPr>
+            <p:ph idx="15"/>
+          </p:nvPr>
+        </p:nvSpPr>
+        <p:spPr>
+          <a:xfrm>
+            <a:off x="238754" y="1219564"/>
+            <a:ext cx="11713897" cy="2012151"/>
+          </a:xfrm>
+        </p:spPr>
+        <p:txBody>
+          <a:bodyPr/>
+          <a:lstStyle/>
+          <a:p>
+            <a:r>
+              <a:rPr lang="es-AR" dirty="0" smtClean="0"/>
+              <a:t>El navegador solo puede pasar texto por la “</a:t>
+            </a:r>
+            <a:r>
+              <a:rPr lang="es-AR" dirty="0" err="1" smtClean="0"/>
+              <a:t>Query</a:t>
+            </a:r>
+            <a:r>
+              <a:rPr lang="es-AR" dirty="0" smtClean="0"/>
+              <a:t> </a:t>
+            </a:r>
+            <a:r>
+              <a:rPr lang="es-AR" dirty="0" err="1" smtClean="0"/>
+              <a:t>String</a:t>
+            </a:r>
+            <a:r>
+              <a:rPr lang="es-AR" dirty="0" smtClean="0"/>
+              <a:t>”, pero del lado de Java manejamos objetos complejos. JSON es una forma de describir objetos en una cadena de texto plano, de manera que su información pueda ser recuperada fácilmente utilizando un “</a:t>
+            </a:r>
+            <a:r>
+              <a:rPr lang="es-AR" dirty="0" err="1" smtClean="0"/>
+              <a:t>parser</a:t>
+            </a:r>
+            <a:r>
+              <a:rPr lang="es-AR" dirty="0" smtClean="0"/>
+              <a:t>”.</a:t>
+            </a:r>
+          </a:p>
+          <a:p>
+            <a:r>
+              <a:rPr lang="es-AR" dirty="0" smtClean="0"/>
+              <a:t>Java provee múltiples </a:t>
+            </a:r>
+            <a:r>
+              <a:rPr lang="es-AR" dirty="0" err="1" smtClean="0"/>
+              <a:t>APIs</a:t>
+            </a:r>
+            <a:r>
+              <a:rPr lang="es-AR" dirty="0" smtClean="0"/>
+              <a:t> que facilitan la conversión </a:t>
+            </a:r>
+            <a:r>
+              <a:rPr lang="es-AR" dirty="0"/>
+              <a:t>de </a:t>
+            </a:r>
+            <a:r>
+              <a:rPr lang="es-AR" dirty="0" smtClean="0"/>
+              <a:t>“</a:t>
+            </a:r>
+            <a:r>
+              <a:rPr lang="es-AR" dirty="0" err="1" smtClean="0"/>
+              <a:t>Plain</a:t>
+            </a:r>
+            <a:r>
+              <a:rPr lang="es-AR" dirty="0" smtClean="0"/>
+              <a:t> Old Java </a:t>
+            </a:r>
+            <a:r>
+              <a:rPr lang="es-AR" dirty="0" err="1" smtClean="0"/>
+              <a:t>Objects</a:t>
+            </a:r>
+            <a:r>
+              <a:rPr lang="es-AR" dirty="0" smtClean="0"/>
+              <a:t>” (POJO) a JSON y viceversa, para que sea posible tanto enviar como recibir datos de la Web App.</a:t>
+            </a:r>
+          </a:p>
+          <a:p>
+            <a:r>
+              <a:rPr lang="es-AR" dirty="0" smtClean="0"/>
+              <a:t>JavaScript maneja JSON de forma nativa.</a:t>
+            </a:r>
+          </a:p>
+        </p:txBody>
+      </p:sp>
+      <p:sp>
+        <p:nvSpPr>
+          <p:cNvPr id="2" name="Text Placeholder 1"/>
+          <p:cNvSpPr>
+            <a:spLocks noGrp="1"/>
+          </p:cNvSpPr>
+          <p:nvPr>
+            <p:ph type="body" sz="quarter" idx="16"/>
+          </p:nvPr>
+        </p:nvSpPr>
+        <p:spPr/>
+        <p:txBody>
+          <a:bodyPr/>
+          <a:lstStyle/>
+          <a:p>
+            <a:r>
+              <a:rPr lang="es-AR" dirty="0" smtClean="0"/>
+              <a:t>Control</a:t>
+            </a:r>
+            <a:endParaRPr lang="es-AR" dirty="0"/>
+          </a:p>
+        </p:txBody>
+      </p:sp>
+      <p:sp>
+        <p:nvSpPr>
+          <p:cNvPr id="3" name="Text Placeholder 2"/>
+          <p:cNvSpPr>
+            <a:spLocks noGrp="1"/>
+          </p:cNvSpPr>
+          <p:nvPr>
+            <p:ph type="body" sz="quarter" idx="17"/>
+          </p:nvPr>
+        </p:nvSpPr>
+        <p:spPr/>
+        <p:txBody>
+          <a:bodyPr/>
+          <a:lstStyle/>
+          <a:p>
+            <a:r>
+              <a:rPr lang="es-AR" dirty="0" smtClean="0"/>
+              <a:t>JSON (JavaScript </a:t>
+            </a:r>
+            <a:r>
+              <a:rPr lang="es-AR" dirty="0" err="1" smtClean="0"/>
+              <a:t>Object</a:t>
+            </a:r>
+            <a:r>
+              <a:rPr lang="es-AR" dirty="0" smtClean="0"/>
+              <a:t> </a:t>
+            </a:r>
+            <a:r>
+              <a:rPr lang="es-AR" dirty="0" err="1" smtClean="0"/>
+              <a:t>Notation</a:t>
+            </a:r>
+            <a:r>
+              <a:rPr lang="es-AR" dirty="0" smtClean="0"/>
+              <a:t>)</a:t>
+            </a:r>
+            <a:endParaRPr lang="es-AR" dirty="0"/>
+          </a:p>
+        </p:txBody>
+      </p:sp>
+      <p:pic>
+        <p:nvPicPr>
+          <p:cNvPr id="9" name="Picture 8"/>
+          <p:cNvPicPr>
+            <a:picLocks noChangeAspect="1"/>
+          </p:cNvPicPr>
+          <p:nvPr/>
+        </p:nvPicPr>
+        <p:blipFill>
+          <a:blip r:embed="rId2">
+            <a:extLst>
+              <a:ext uri="{28A0092B-C50C-407E-A947-70E740481C1C}">
+                <a14:useLocalDpi xmlns:a14="http://schemas.microsoft.com/office/drawing/2010/main" val="0"/>
+              </a:ext>
+            </a:extLst>
+          </a:blip>
+          <a:stretch>
+            <a:fillRect/>
+          </a:stretch>
+        </p:blipFill>
+        <p:spPr>
+          <a:xfrm>
+            <a:off x="238588" y="3231715"/>
+            <a:ext cx="4045313" cy="2839031"/>
+          </a:xfrm>
+          <a:prstGeom prst="rect">
+            <a:avLst/>
+          </a:prstGeom>
+        </p:spPr>
+      </p:pic>
+      <p:pic>
+        <p:nvPicPr>
+          <p:cNvPr id="10" name="Picture 9"/>
+          <p:cNvPicPr>
+            <a:picLocks noChangeAspect="1"/>
+          </p:cNvPicPr>
+          <p:nvPr/>
+        </p:nvPicPr>
+        <p:blipFill>
+          <a:blip r:embed="rId3">
+            <a:extLst>
+              <a:ext uri="{28A0092B-C50C-407E-A947-70E740481C1C}">
+                <a14:useLocalDpi xmlns:a14="http://schemas.microsoft.com/office/drawing/2010/main" val="0"/>
+              </a:ext>
+            </a:extLst>
+          </a:blip>
+          <a:stretch>
+            <a:fillRect/>
+          </a:stretch>
+        </p:blipFill>
+        <p:spPr>
+          <a:xfrm>
+            <a:off x="5073040" y="3231715"/>
+            <a:ext cx="6726477" cy="381471"/>
+          </a:xfrm>
+          <a:prstGeom prst="rect">
+            <a:avLst/>
+          </a:prstGeom>
+        </p:spPr>
+      </p:pic>
+    </p:spTree>
+    <p:extLst>
+      <p:ext uri="{BB962C8B-B14F-4D97-AF65-F5344CB8AC3E}">
+        <p14:creationId xmlns:p14="http://schemas.microsoft.com/office/powerpoint/2010/main" val="3393043216"/>
       </p:ext>
     </p:extLst>
   </p:cSld>
@@ -11343,7 +11823,7 @@
         <p:spPr>
           <a:xfrm>
             <a:off x="238754" y="1219564"/>
-            <a:ext cx="11713897" cy="2012151"/>
+            <a:ext cx="11713897" cy="4579987"/>
           </a:xfrm>
         </p:spPr>
         <p:txBody>
@@ -11352,11 +11832,30 @@
           <a:p>
             <a:r>
               <a:rPr lang="es-AR" dirty="0" smtClean="0"/>
-              <a:t>El navegador solo puede pasar texto por la “</a:t>
+              <a:t>Es una arquitectura </a:t>
+            </a:r>
+            <a:r>
+              <a:rPr lang="es-AR" dirty="0" smtClean="0"/>
+              <a:t>web, no un protocolo.</a:t>
+            </a:r>
+            <a:endParaRPr lang="es-AR" dirty="0" smtClean="0"/>
+          </a:p>
+          <a:p>
+            <a:r>
+              <a:rPr lang="es-AR" dirty="0" smtClean="0"/>
+              <a:t>Los recursos se acceden mediante </a:t>
             </a:r>
             <a:r>
               <a:rPr lang="es-AR" dirty="0" err="1" smtClean="0"/>
-              <a:t>Query</a:t>
+              <a:t>URIs</a:t>
+            </a:r>
+            <a:r>
+              <a:rPr lang="es-AR" dirty="0" smtClean="0"/>
+              <a:t> (</a:t>
+            </a:r>
+            <a:r>
+              <a:rPr lang="es-AR" dirty="0" err="1" smtClean="0"/>
+              <a:t>Uniform</a:t>
             </a:r>
             <a:r>
               <a:rPr lang="es-AR" dirty="0" smtClean="0"/>
@@ -11364,66 +11863,48 @@
             </a:r>
             <a:r>
               <a:rPr lang="es-AR" dirty="0" err="1" smtClean="0"/>
-              <a:t>String</a:t>
+              <a:t>Resource</a:t>
             </a:r>
             <a:r>
               <a:rPr lang="es-AR" dirty="0" smtClean="0"/>
-              <a:t>”, pero del lado de Java manejamos objetos complejos. JSON es una forma de describir objetos en una cadena de texto plano, de manera que su información pueda ser recuperada fácilmente utilizando un “</a:t>
+              <a:t> </a:t>
             </a:r>
             <a:r>
               <a:rPr lang="es-AR" dirty="0" err="1" smtClean="0"/>
-              <a:t>parser</a:t>
+              <a:t>Identificator</a:t>
             </a:r>
             <a:r>
               <a:rPr lang="es-AR" dirty="0" smtClean="0"/>
-              <a:t>”.</a:t>
-            </a:r>
+              <a:t>) y HHTP </a:t>
+            </a:r>
+            <a:r>
+              <a:rPr lang="es-AR" dirty="0" err="1" smtClean="0"/>
+              <a:t>request</a:t>
+            </a:r>
+            <a:r>
+              <a:rPr lang="es-AR" dirty="0" smtClean="0"/>
+              <a:t> (GET POST PUT DELETE).</a:t>
+            </a:r>
+          </a:p>
+          <a:p>
+            <a:r>
+              <a:rPr lang="es-AR" dirty="0" smtClean="0"/>
+              <a:t>El estado del cliente y la transacción se almacena del lado del cliente, el servidor no persiste información de los clientes (no es necesario, aunque puede hacerlo).</a:t>
+            </a:r>
+          </a:p>
+          <a:p>
+            <a:r>
+              <a:rPr lang="es-AR" dirty="0" smtClean="0"/>
+              <a:t>Pueden transferir información tanto en JSON como en XML.</a:t>
+            </a:r>
+          </a:p>
+          <a:p>
             <a:endParaRPr lang="es-AR" dirty="0" smtClean="0"/>
           </a:p>
           <a:p>
-            <a:r>
-              <a:rPr lang="es-AR" dirty="0" smtClean="0"/>
-              <a:t>Java provee múltiples </a:t>
-            </a:r>
-            <a:r>
-              <a:rPr lang="es-AR" dirty="0" err="1" smtClean="0"/>
-              <a:t>APIs</a:t>
-            </a:r>
-            <a:r>
-              <a:rPr lang="es-AR" dirty="0" smtClean="0"/>
-              <a:t> que facilitan la conversión </a:t>
-            </a:r>
-            <a:r>
-              <a:rPr lang="es-AR" dirty="0"/>
-              <a:t>de </a:t>
-            </a:r>
-            <a:r>
-              <a:rPr lang="es-AR" dirty="0" smtClean="0"/>
-              <a:t>“</a:t>
-            </a:r>
-            <a:r>
-              <a:rPr lang="es-AR" dirty="0" err="1" smtClean="0"/>
-              <a:t>Plain</a:t>
-            </a:r>
-            <a:r>
-              <a:rPr lang="es-AR" dirty="0" smtClean="0"/>
-              <a:t> Old Java </a:t>
-            </a:r>
-            <a:r>
-              <a:rPr lang="es-AR" dirty="0" err="1" smtClean="0"/>
-              <a:t>Objects</a:t>
-            </a:r>
-            <a:r>
-              <a:rPr lang="es-AR" dirty="0" smtClean="0"/>
-              <a:t>” (POJO) a JSON y viceversa, para que sea posible tanto enviar como recibir datos de la Web App.</a:t>
-            </a:r>
             <a:endParaRPr lang="es-AR" dirty="0" smtClean="0"/>
           </a:p>
           <a:p>
-            <a:r>
-              <a:rPr lang="es-AR" dirty="0" smtClean="0"/>
-              <a:t>JavaScript maneja JSON de forma nativa.</a:t>
-            </a:r>
             <a:endParaRPr lang="es-AR" dirty="0" smtClean="0"/>
           </a:p>
         </p:txBody>
@@ -11468,11 +11949,11 @@
           <a:p>
             <a:r>
               <a:rPr lang="es-AR" dirty="0" smtClean="0"/>
-              <a:t>JSON (JavaScript </a:t>
+              <a:t>REST (</a:t>
             </a:r>
             <a:r>
               <a:rPr lang="es-AR" dirty="0" err="1" smtClean="0"/>
-              <a:t>Object</a:t>
+              <a:t>REpresentational</a:t>
             </a:r>
             <a:r>
               <a:rPr lang="es-AR" dirty="0" smtClean="0"/>
@@ -11480,80 +11961,20 @@
             </a:r>
             <a:r>
               <a:rPr lang="es-AR" dirty="0" err="1" smtClean="0"/>
-              <a:t>Notation</a:t>
+              <a:t>State</a:t>
             </a:r>
             <a:r>
               <a:rPr lang="es-AR" dirty="0" smtClean="0"/>
-              <a:t>)</a:t>
+              <a:t> Transfer)</a:t>
             </a:r>
             <a:endParaRPr lang="es-AR" dirty="0"/>
           </a:p>
         </p:txBody>
       </p:sp>
-      <p:pic>
-        <p:nvPicPr>
-          <p:cNvPr id="9" name="Picture 8"/>
-          <p:cNvPicPr>
-            <a:picLocks noChangeAspect="1"/>
-          </p:cNvPicPr>
-          <p:nvPr/>
-        </p:nvPicPr>
-        <p:blipFill>
-          <a:blip r:embed="rId2">
-            <a:extLst>
-              <a:ext uri="{28A0092B-C50C-407E-A947-70E740481C1C}">
-                <a14:useLocalDpi xmlns:a14="http://schemas.microsoft.com/office/drawing/2010/main" val="0"/>
-              </a:ext>
-            </a:extLst>
-          </a:blip>
-          <a:stretch>
-            <a:fillRect/>
-          </a:stretch>
-        </p:blipFill>
-        <p:spPr>
-          <a:xfrm>
-            <a:off x="238588" y="3231715"/>
-            <a:ext cx="4045313" cy="2839031"/>
-          </a:xfrm>
-          <a:prstGeom prst="rect">
-            <a:avLst/>
-          </a:prstGeom>
-        </p:spPr>
-      </p:pic>
-      <p:pic>
-        <p:nvPicPr>
-          <p:cNvPr id="10" name="Picture 9"/>
-          <p:cNvPicPr>
-            <a:picLocks noChangeAspect="1"/>
-          </p:cNvPicPr>
-          <p:nvPr/>
-        </p:nvPicPr>
-        <p:blipFill>
-          <a:blip r:embed="rId3">
-            <a:extLst>
-              <a:ext uri="{28A0092B-C50C-407E-A947-70E740481C1C}">
-                <a14:useLocalDpi xmlns:a14="http://schemas.microsoft.com/office/drawing/2010/main" val="0"/>
-              </a:ext>
-            </a:extLst>
-          </a:blip>
-          <a:stretch>
-            <a:fillRect/>
-          </a:stretch>
-        </p:blipFill>
-        <p:spPr>
-          <a:xfrm>
-            <a:off x="5073040" y="3231715"/>
-            <a:ext cx="6726477" cy="381471"/>
-          </a:xfrm>
-          <a:prstGeom prst="rect">
-            <a:avLst/>
-          </a:prstGeom>
-        </p:spPr>
-      </p:pic>
     </p:spTree>
     <p:extLst>
       <p:ext uri="{BB962C8B-B14F-4D97-AF65-F5344CB8AC3E}">
-        <p14:creationId xmlns:p14="http://schemas.microsoft.com/office/powerpoint/2010/main" val="3393043216"/>
+        <p14:creationId xmlns:p14="http://schemas.microsoft.com/office/powerpoint/2010/main" val="2646473596"/>
       </p:ext>
     </p:extLst>
   </p:cSld>
@@ -11602,67 +12023,31 @@
           <a:p>
             <a:r>
               <a:rPr lang="es-AR" dirty="0" smtClean="0"/>
-              <a:t>Es una arquitectura web.</a:t>
-            </a:r>
-            <a:endParaRPr lang="es-AR" dirty="0" smtClean="0"/>
-          </a:p>
-          <a:p>
+              <a:t>Cuando queremos almacenar objetos en las bases de datos nos encontramos con una limitación: las bases de datos almacenan datos primitivos en tablas y los objetos pueden contener otros objetos lo cual los hace complejos. Los </a:t>
+            </a:r>
+            <a:r>
+              <a:rPr lang="es-AR" dirty="0" err="1" smtClean="0"/>
+              <a:t>frameworks</a:t>
+            </a:r>
             <a:r>
               <a:rPr lang="es-AR" dirty="0" smtClean="0"/>
-              <a:t>Los recursos se acceden mediante </a:t>
-            </a:r>
+              <a:t> de persistencia nos permiten programar con objetos complejos y encargarle a el, el trabajo de mapear los objetos en tablas para almacenarlos en una base de datos.</a:t>
+            </a:r>
+          </a:p>
+          <a:p>
             <a:r>
               <a:rPr lang="es-AR" dirty="0" err="1" smtClean="0"/>
-              <a:t>URIs</a:t>
+              <a:t>Hibernate</a:t>
             </a:r>
             <a:r>
               <a:rPr lang="es-AR" dirty="0" smtClean="0"/>
-              <a:t> (</a:t>
-            </a:r>
-            <a:r>
-              <a:rPr lang="es-AR" dirty="0" err="1" smtClean="0"/>
-              <a:t>Uniform</a:t>
-            </a:r>
+              <a:t> permite trabajar de forma independiente del motor de base de datos implementado. Es decir, si se cambiara la base de datos utilizada solo basta con cambiar algunos parámetros en el archivo de configuración para que siga funcionando todo, sin alterar el código de la aplicación en sí.</a:t>
+            </a:r>
+          </a:p>
+          <a:p>
             <a:r>
               <a:rPr lang="es-AR" dirty="0" smtClean="0"/>
-              <a:t> </a:t>
-            </a:r>
-            <a:r>
-              <a:rPr lang="es-AR" dirty="0" err="1" smtClean="0"/>
-              <a:t>Resource</a:t>
-            </a:r>
-            <a:r>
-              <a:rPr lang="es-AR" dirty="0" smtClean="0"/>
-              <a:t> </a:t>
-            </a:r>
-            <a:r>
-              <a:rPr lang="es-AR" dirty="0" err="1" smtClean="0"/>
-              <a:t>Identificator</a:t>
-            </a:r>
-            <a:r>
-              <a:rPr lang="es-AR" dirty="0" smtClean="0"/>
-              <a:t>) y HHTP </a:t>
-            </a:r>
-            <a:r>
-              <a:rPr lang="es-AR" dirty="0" err="1" smtClean="0"/>
-              <a:t>request</a:t>
-            </a:r>
-            <a:r>
-              <a:rPr lang="es-AR" dirty="0" smtClean="0"/>
-              <a:t> (GET POST PUT DELETE).</a:t>
-            </a:r>
-            <a:endParaRPr lang="es-AR" dirty="0" smtClean="0"/>
-          </a:p>
-          <a:p>
-            <a:r>
-              <a:rPr lang="es-AR" dirty="0" smtClean="0"/>
-              <a:t>El estado del cliente y la transacción se almacena del lado del cliente, el servidor no persiste información de los clientes (no es necesario, aunque puede hacerlo).</a:t>
-            </a:r>
-          </a:p>
-          <a:p>
-            <a:r>
-              <a:rPr lang="es-AR" dirty="0" smtClean="0"/>
-              <a:t>Se pueden implementar sobre cualquier cliente que utilice HTML, no requiere XML ni ningún tipo de información adicional.</a:t>
+              <a:t>Permite consultar la base de datos a través de clases, sin tener que escribir código SQL dentro de la aplicación JAVA.</a:t>
             </a:r>
           </a:p>
           <a:p>
@@ -11690,7 +12075,7 @@
           <a:p>
             <a:r>
               <a:rPr lang="es-AR" dirty="0" smtClean="0"/>
-              <a:t>Control</a:t>
+              <a:t>Persistencia</a:t>
             </a:r>
             <a:endParaRPr lang="es-AR" dirty="0"/>
           </a:p>
@@ -11712,24 +12097,8 @@
           <a:lstStyle/>
           <a:p>
             <a:r>
-              <a:rPr lang="es-AR" dirty="0" smtClean="0"/>
-              <a:t>REST (</a:t>
-            </a:r>
-            <a:r>
               <a:rPr lang="es-AR" dirty="0" err="1" smtClean="0"/>
-              <a:t>REpresentational</a:t>
-            </a:r>
-            <a:r>
-              <a:rPr lang="es-AR" dirty="0" smtClean="0"/>
-              <a:t> </a:t>
-            </a:r>
-            <a:r>
-              <a:rPr lang="es-AR" dirty="0" err="1" smtClean="0"/>
-              <a:t>State</a:t>
-            </a:r>
-            <a:r>
-              <a:rPr lang="es-AR" dirty="0" smtClean="0"/>
-              <a:t> Transfer)</a:t>
+              <a:t>Hibernate</a:t>
             </a:r>
             <a:endParaRPr lang="es-AR" dirty="0"/>
           </a:p>
@@ -11738,7 +12107,7 @@
     </p:spTree>
     <p:extLst>
       <p:ext uri="{BB962C8B-B14F-4D97-AF65-F5344CB8AC3E}">
-        <p14:creationId xmlns:p14="http://schemas.microsoft.com/office/powerpoint/2010/main" val="2646473596"/>
+        <p14:creationId xmlns:p14="http://schemas.microsoft.com/office/powerpoint/2010/main" val="1632330786"/>
       </p:ext>
     </p:extLst>
   </p:cSld>
@@ -11767,27 +12136,153 @@
       </p:grpSpPr>
       <p:sp>
         <p:nvSpPr>
-          <p:cNvPr id="2" name="Text Placeholder 1"/>
+          <p:cNvPr id="2" name="Title 1"/>
           <p:cNvSpPr>
             <a:spLocks noGrp="1"/>
           </p:cNvSpPr>
           <p:nvPr>
-            <p:ph type="body" sz="quarter" idx="16"/>
+            <p:ph type="title"/>
           </p:nvPr>
         </p:nvSpPr>
-        <p:spPr/>
+        <p:spPr>
+          <a:xfrm>
+            <a:off x="526092" y="302014"/>
+            <a:ext cx="4108216" cy="512179"/>
+          </a:xfrm>
+        </p:spPr>
         <p:txBody>
           <a:bodyPr/>
           <a:lstStyle/>
           <a:p>
-            <a:endParaRPr lang="es-AR"/>
+            <a:r>
+              <a:rPr lang="es-ES_tradnl" dirty="0" smtClean="0"/>
+              <a:t>Ejemplo: Listar todos los libros</a:t>
+            </a:r>
+            <a:endParaRPr lang="en-US" dirty="0"/>
+          </a:p>
+        </p:txBody>
+      </p:sp>
+      <p:graphicFrame>
+        <p:nvGraphicFramePr>
+          <p:cNvPr id="4" name="Content Placeholder 3"/>
+          <p:cNvGraphicFramePr>
+            <a:graphicFrameLocks noGrp="1"/>
+          </p:cNvGraphicFramePr>
+          <p:nvPr>
+            <p:ph idx="1"/>
+            <p:extLst>
+              <p:ext uri="{D42A27DB-BD31-4B8C-83A1-F6EECF244321}">
+                <p14:modId xmlns:p14="http://schemas.microsoft.com/office/powerpoint/2010/main" val="1667295645"/>
+              </p:ext>
+            </p:extLst>
+          </p:nvPr>
+        </p:nvGraphicFramePr>
+        <p:xfrm>
+          <a:off x="838200" y="2344615"/>
+          <a:ext cx="10515600" cy="5427785"/>
+        </p:xfrm>
+        <a:graphic>
+          <a:graphicData uri="http://schemas.openxmlformats.org/drawingml/2006/diagram">
+            <dgm:relIds xmlns:dgm="http://schemas.openxmlformats.org/drawingml/2006/diagram" xmlns:r="http://schemas.openxmlformats.org/officeDocument/2006/relationships" r:dm="rId2" r:lo="rId3" r:qs="rId4" r:cs="rId5"/>
+          </a:graphicData>
+        </a:graphic>
+      </p:graphicFrame>
+      <p:sp>
+        <p:nvSpPr>
+          <p:cNvPr id="3" name="Rounded Rectangle 2"/>
+          <p:cNvSpPr/>
+          <p:nvPr/>
+        </p:nvSpPr>
+        <p:spPr>
+          <a:xfrm>
+            <a:off x="526092" y="1089764"/>
+            <a:ext cx="3294345" cy="926605"/>
+          </a:xfrm>
+          <a:prstGeom prst="roundRect">
+            <a:avLst/>
+          </a:prstGeom>
+        </p:spPr>
+        <p:style>
+          <a:lnRef idx="2">
+            <a:schemeClr val="accent1">
+              <a:shade val="50000"/>
+            </a:schemeClr>
+          </a:lnRef>
+          <a:fillRef idx="1">
+            <a:schemeClr val="accent1"/>
+          </a:fillRef>
+          <a:effectRef idx="0">
+            <a:schemeClr val="accent1"/>
+          </a:effectRef>
+          <a:fontRef idx="minor">
+            <a:schemeClr val="lt1"/>
+          </a:fontRef>
+        </p:style>
+        <p:txBody>
+          <a:bodyPr rtlCol="0" anchor="ctr"/>
+          <a:lstStyle/>
+          <a:p>
+            <a:pPr algn="ctr"/>
+            <a:r>
+              <a:rPr lang="es-ES_tradnl" sz="2700" dirty="0" smtClean="0"/>
+              <a:t>bookListPage.html</a:t>
+            </a:r>
+            <a:endParaRPr lang="en-US" sz="2700" dirty="0"/>
+          </a:p>
+        </p:txBody>
+      </p:sp>
+      <p:sp>
+        <p:nvSpPr>
+          <p:cNvPr id="5" name="Down Arrow 4"/>
+          <p:cNvSpPr/>
+          <p:nvPr/>
+        </p:nvSpPr>
+        <p:spPr>
+          <a:xfrm>
+            <a:off x="1998784" y="2086707"/>
+            <a:ext cx="351693" cy="539262"/>
+          </a:xfrm>
+          <a:prstGeom prst="downArrow">
+            <a:avLst/>
+          </a:prstGeom>
+          <a:solidFill>
+            <a:srgbClr val="B5CBE7"/>
+          </a:solidFill>
+          <a:ln>
+            <a:solidFill>
+              <a:srgbClr val="B5CBE7"/>
+            </a:solidFill>
+          </a:ln>
+        </p:spPr>
+        <p:style>
+          <a:lnRef idx="2">
+            <a:schemeClr val="accent1">
+              <a:shade val="50000"/>
+            </a:schemeClr>
+          </a:lnRef>
+          <a:fillRef idx="1">
+            <a:schemeClr val="accent1"/>
+          </a:fillRef>
+          <a:effectRef idx="0">
+            <a:schemeClr val="accent1"/>
+          </a:effectRef>
+          <a:fontRef idx="minor">
+            <a:schemeClr val="lt1"/>
+          </a:fontRef>
+        </p:style>
+        <p:txBody>
+          <a:bodyPr rtlCol="0" anchor="ctr"/>
+          <a:lstStyle/>
+          <a:p>
+            <a:pPr algn="ctr"/>
+            <a:endParaRPr lang="en-US"/>
           </a:p>
         </p:txBody>
       </p:sp>
     </p:spTree>
     <p:extLst>
       <p:ext uri="{BB962C8B-B14F-4D97-AF65-F5344CB8AC3E}">
-        <p14:creationId xmlns:p14="http://schemas.microsoft.com/office/powerpoint/2010/main" val="2780886187"/>
+        <p14:creationId xmlns:p14="http://schemas.microsoft.com/office/powerpoint/2010/main" val="3087315553"/>
       </p:ext>
     </p:extLst>
   </p:cSld>
@@ -11814,105 +12309,10 @@
           <a:chExt cx="0" cy="0"/>
         </a:xfrm>
       </p:grpSpPr>
-      <p:sp>
-        <p:nvSpPr>
-          <p:cNvPr id="2" name="Content Placeholder 1"/>
-          <p:cNvSpPr>
-            <a:spLocks noGrp="1"/>
-          </p:cNvSpPr>
-          <p:nvPr>
-            <p:ph idx="16"/>
-          </p:nvPr>
-        </p:nvSpPr>
-        <p:spPr/>
-        <p:txBody>
-          <a:bodyPr/>
-          <a:lstStyle/>
-          <a:p>
-            <a:endParaRPr lang="es-AR"/>
-          </a:p>
-        </p:txBody>
-      </p:sp>
-      <p:sp>
-        <p:nvSpPr>
-          <p:cNvPr id="3" name="Text Placeholder 2"/>
-          <p:cNvSpPr>
-            <a:spLocks noGrp="1"/>
-          </p:cNvSpPr>
-          <p:nvPr>
-            <p:ph type="body" sz="quarter" idx="17"/>
-          </p:nvPr>
-        </p:nvSpPr>
-        <p:spPr/>
-        <p:txBody>
-          <a:bodyPr/>
-          <a:lstStyle/>
-          <a:p>
-            <a:endParaRPr lang="es-AR"/>
-          </a:p>
-        </p:txBody>
-      </p:sp>
-      <p:sp>
-        <p:nvSpPr>
-          <p:cNvPr id="4" name="Text Placeholder 3"/>
-          <p:cNvSpPr>
-            <a:spLocks noGrp="1"/>
-          </p:cNvSpPr>
-          <p:nvPr>
-            <p:ph type="body" sz="quarter" idx="18"/>
-          </p:nvPr>
-        </p:nvSpPr>
-        <p:spPr/>
-        <p:txBody>
-          <a:bodyPr/>
-          <a:lstStyle/>
-          <a:p>
-            <a:endParaRPr lang="es-AR"/>
-          </a:p>
-        </p:txBody>
-      </p:sp>
-      <p:sp>
-        <p:nvSpPr>
-          <p:cNvPr id="5" name="Content Placeholder 4"/>
-          <p:cNvSpPr>
-            <a:spLocks noGrp="1"/>
-          </p:cNvSpPr>
-          <p:nvPr>
-            <p:ph idx="13"/>
-          </p:nvPr>
-        </p:nvSpPr>
-        <p:spPr/>
-        <p:txBody>
-          <a:bodyPr/>
-          <a:lstStyle/>
-          <a:p>
-            <a:endParaRPr lang="es-AR"/>
-          </a:p>
-        </p:txBody>
-      </p:sp>
-      <p:sp>
-        <p:nvSpPr>
-          <p:cNvPr id="6" name="Text Placeholder 5"/>
-          <p:cNvSpPr>
-            <a:spLocks noGrp="1"/>
-          </p:cNvSpPr>
-          <p:nvPr>
-            <p:ph type="body" sz="quarter" idx="15"/>
-          </p:nvPr>
-        </p:nvSpPr>
-        <p:spPr/>
-        <p:txBody>
-          <a:bodyPr/>
-          <a:lstStyle/>
-          <a:p>
-            <a:endParaRPr lang="es-AR"/>
-          </a:p>
-        </p:txBody>
-      </p:sp>
     </p:spTree>
     <p:extLst>
       <p:ext uri="{BB962C8B-B14F-4D97-AF65-F5344CB8AC3E}">
-        <p14:creationId xmlns:p14="http://schemas.microsoft.com/office/powerpoint/2010/main" val="3608065721"/>
+        <p14:creationId xmlns:p14="http://schemas.microsoft.com/office/powerpoint/2010/main" val="658284533"/>
       </p:ext>
     </p:extLst>
   </p:cSld>

--- a/documentacion/HexactaLabs-ExplicacionApp.pptx
+++ b/documentacion/HexactaLabs-ExplicacionApp.pptx
@@ -12,8 +12,9 @@
     <p:sldId id="274" r:id="rId6"/>
     <p:sldId id="275" r:id="rId7"/>
     <p:sldId id="276" r:id="rId8"/>
-    <p:sldId id="271" r:id="rId9"/>
-    <p:sldId id="270" r:id="rId10"/>
+    <p:sldId id="277" r:id="rId9"/>
+    <p:sldId id="271" r:id="rId10"/>
+    <p:sldId id="270" r:id="rId11"/>
   </p:sldIdLst>
   <p:sldSz cx="12192000" cy="6858000"/>
   <p:notesSz cx="6858000" cy="9144000"/>
@@ -10583,6 +10584,36 @@
 </p:sld>
 </file>
 
+<file path=ppt/slides/slide10.xml><?xml version="1.0" encoding="utf-8"?>
+<p:sld xmlns:a="http://schemas.openxmlformats.org/drawingml/2006/main" xmlns:r="http://schemas.openxmlformats.org/officeDocument/2006/relationships" xmlns:p="http://schemas.openxmlformats.org/presentationml/2006/main">
+  <p:cSld>
+    <p:spTree>
+      <p:nvGrpSpPr>
+        <p:cNvPr id="1" name=""/>
+        <p:cNvGrpSpPr/>
+        <p:nvPr/>
+      </p:nvGrpSpPr>
+      <p:grpSpPr>
+        <a:xfrm>
+          <a:off x="0" y="0"/>
+          <a:ext cx="0" cy="0"/>
+          <a:chOff x="0" y="0"/>
+          <a:chExt cx="0" cy="0"/>
+        </a:xfrm>
+      </p:grpSpPr>
+    </p:spTree>
+    <p:extLst>
+      <p:ext uri="{BB962C8B-B14F-4D97-AF65-F5344CB8AC3E}">
+        <p14:creationId xmlns:p14="http://schemas.microsoft.com/office/powerpoint/2010/main" val="658284533"/>
+      </p:ext>
+    </p:extLst>
+  </p:cSld>
+  <p:clrMapOvr>
+    <a:masterClrMapping/>
+  </p:clrMapOvr>
+</p:sld>
+</file>
+
 <file path=ppt/slides/slide2.xml><?xml version="1.0" encoding="utf-8"?>
 <p:sld xmlns:a="http://schemas.openxmlformats.org/drawingml/2006/main" xmlns:r="http://schemas.openxmlformats.org/officeDocument/2006/relationships" xmlns:p="http://schemas.openxmlformats.org/presentationml/2006/main">
   <p:cSld>
@@ -12136,6 +12167,123 @@
       </p:grpSpPr>
       <p:sp>
         <p:nvSpPr>
+          <p:cNvPr id="4" name="Content Placeholder 3"/>
+          <p:cNvSpPr>
+            <a:spLocks noGrp="1"/>
+          </p:cNvSpPr>
+          <p:nvPr>
+            <p:ph idx="15"/>
+          </p:nvPr>
+        </p:nvSpPr>
+        <p:spPr>
+          <a:xfrm>
+            <a:off x="238754" y="1219564"/>
+            <a:ext cx="11713897" cy="4579987"/>
+          </a:xfrm>
+        </p:spPr>
+        <p:txBody>
+          <a:bodyPr/>
+          <a:lstStyle/>
+          <a:p>
+            <a:r>
+              <a:rPr lang="es-AR" dirty="0" smtClean="0"/>
+              <a:t>Base de datos relacional de código abierto compatible con JDBC.</a:t>
+            </a:r>
+          </a:p>
+          <a:p>
+            <a:r>
+              <a:rPr lang="es-AR" dirty="0" smtClean="0"/>
+              <a:t>Fue elegido principalmente porque es uno de los más utilizados en </a:t>
+            </a:r>
+            <a:r>
+              <a:rPr lang="es-AR" smtClean="0"/>
+              <a:t>las universidades.</a:t>
+            </a:r>
+            <a:endParaRPr lang="es-AR" dirty="0" smtClean="0"/>
+          </a:p>
+          <a:p>
+            <a:endParaRPr lang="es-AR" dirty="0" smtClean="0"/>
+          </a:p>
+        </p:txBody>
+      </p:sp>
+      <p:sp>
+        <p:nvSpPr>
+          <p:cNvPr id="2" name="Text Placeholder 1"/>
+          <p:cNvSpPr>
+            <a:spLocks noGrp="1"/>
+          </p:cNvSpPr>
+          <p:nvPr>
+            <p:ph type="body" sz="quarter" idx="16"/>
+          </p:nvPr>
+        </p:nvSpPr>
+        <p:spPr/>
+        <p:txBody>
+          <a:bodyPr/>
+          <a:lstStyle/>
+          <a:p>
+            <a:r>
+              <a:rPr lang="es-AR" dirty="0" smtClean="0"/>
+              <a:t>Persistencia</a:t>
+            </a:r>
+            <a:endParaRPr lang="es-AR" dirty="0"/>
+          </a:p>
+        </p:txBody>
+      </p:sp>
+      <p:sp>
+        <p:nvSpPr>
+          <p:cNvPr id="3" name="Text Placeholder 2"/>
+          <p:cNvSpPr>
+            <a:spLocks noGrp="1"/>
+          </p:cNvSpPr>
+          <p:nvPr>
+            <p:ph type="body" sz="quarter" idx="17"/>
+          </p:nvPr>
+        </p:nvSpPr>
+        <p:spPr/>
+        <p:txBody>
+          <a:bodyPr/>
+          <a:lstStyle/>
+          <a:p>
+            <a:r>
+              <a:rPr lang="es-AR" dirty="0" err="1" smtClean="0"/>
+              <a:t>MySQL</a:t>
+            </a:r>
+            <a:endParaRPr lang="es-AR" dirty="0"/>
+          </a:p>
+        </p:txBody>
+      </p:sp>
+    </p:spTree>
+    <p:extLst>
+      <p:ext uri="{BB962C8B-B14F-4D97-AF65-F5344CB8AC3E}">
+        <p14:creationId xmlns:p14="http://schemas.microsoft.com/office/powerpoint/2010/main" val="4192989827"/>
+      </p:ext>
+    </p:extLst>
+  </p:cSld>
+  <p:clrMapOvr>
+    <a:masterClrMapping/>
+  </p:clrMapOvr>
+</p:sld>
+</file>
+
+<file path=ppt/slides/slide9.xml><?xml version="1.0" encoding="utf-8"?>
+<p:sld xmlns:a="http://schemas.openxmlformats.org/drawingml/2006/main" xmlns:r="http://schemas.openxmlformats.org/officeDocument/2006/relationships" xmlns:p="http://schemas.openxmlformats.org/presentationml/2006/main">
+  <p:cSld>
+    <p:spTree>
+      <p:nvGrpSpPr>
+        <p:cNvPr id="1" name=""/>
+        <p:cNvGrpSpPr/>
+        <p:nvPr/>
+      </p:nvGrpSpPr>
+      <p:grpSpPr>
+        <a:xfrm>
+          <a:off x="0" y="0"/>
+          <a:ext cx="0" cy="0"/>
+          <a:chOff x="0" y="0"/>
+          <a:chExt cx="0" cy="0"/>
+        </a:xfrm>
+      </p:grpSpPr>
+      <p:sp>
+        <p:nvSpPr>
           <p:cNvPr id="2" name="Title 1"/>
           <p:cNvSpPr>
             <a:spLocks noGrp="1"/>
@@ -12283,36 +12431,6 @@
     <p:extLst>
       <p:ext uri="{BB962C8B-B14F-4D97-AF65-F5344CB8AC3E}">
         <p14:creationId xmlns:p14="http://schemas.microsoft.com/office/powerpoint/2010/main" val="3087315553"/>
-      </p:ext>
-    </p:extLst>
-  </p:cSld>
-  <p:clrMapOvr>
-    <a:masterClrMapping/>
-  </p:clrMapOvr>
-</p:sld>
-</file>
-
-<file path=ppt/slides/slide9.xml><?xml version="1.0" encoding="utf-8"?>
-<p:sld xmlns:a="http://schemas.openxmlformats.org/drawingml/2006/main" xmlns:r="http://schemas.openxmlformats.org/officeDocument/2006/relationships" xmlns:p="http://schemas.openxmlformats.org/presentationml/2006/main">
-  <p:cSld>
-    <p:spTree>
-      <p:nvGrpSpPr>
-        <p:cNvPr id="1" name=""/>
-        <p:cNvGrpSpPr/>
-        <p:nvPr/>
-      </p:nvGrpSpPr>
-      <p:grpSpPr>
-        <a:xfrm>
-          <a:off x="0" y="0"/>
-          <a:ext cx="0" cy="0"/>
-          <a:chOff x="0" y="0"/>
-          <a:chExt cx="0" cy="0"/>
-        </a:xfrm>
-      </p:grpSpPr>
-    </p:spTree>
-    <p:extLst>
-      <p:ext uri="{BB962C8B-B14F-4D97-AF65-F5344CB8AC3E}">
-        <p14:creationId xmlns:p14="http://schemas.microsoft.com/office/powerpoint/2010/main" val="658284533"/>
       </p:ext>
     </p:extLst>
   </p:cSld>

--- a/documentacion/HexactaLabs-ExplicacionApp.pptx
+++ b/documentacion/HexactaLabs-ExplicacionApp.pptx
@@ -1037,51 +1037,6 @@
         </a:p>
       </dgm:t>
     </dgm:pt>
-    <dgm:pt modelId="{0764DABC-4988-4E83-9D27-6C612E2653B9}">
-      <dgm:prSet phldrT="[Text]"/>
-      <dgm:spPr/>
-      <dgm:t>
-        <a:bodyPr/>
-        <a:lstStyle/>
-        <a:p>
-          <a:r>
-            <a:rPr lang="es-ES_tradnl" dirty="0" err="1" smtClean="0"/>
-            <a:t>BookRepository</a:t>
-          </a:r>
-          <a:endParaRPr lang="en-US" dirty="0"/>
-        </a:p>
-      </dgm:t>
-    </dgm:pt>
-    <dgm:pt modelId="{249F8ABC-18A8-43BD-9D5F-45C4BE804F85}" type="parTrans" cxnId="{73520E53-F4B6-4F1E-90B5-18C455DEAE0D}">
-      <dgm:prSet/>
-      <dgm:spPr/>
-      <dgm:t>
-        <a:bodyPr/>
-        <a:lstStyle/>
-        <a:p>
-          <a:endParaRPr lang="en-US"/>
-        </a:p>
-      </dgm:t>
-    </dgm:pt>
-    <dgm:pt modelId="{44E407CA-8519-439E-8A89-95F7E138FD9B}" type="sibTrans" cxnId="{73520E53-F4B6-4F1E-90B5-18C455DEAE0D}">
-      <dgm:prSet/>
-      <dgm:spPr/>
-      <dgm:t>
-        <a:bodyPr/>
-        <a:lstStyle/>
-        <a:p>
-          <a:r>
-            <a:rPr lang="es-ES_tradnl" dirty="0" err="1" smtClean="0"/>
-            <a:t>findAll</a:t>
-          </a:r>
-          <a:r>
-            <a:rPr lang="es-ES_tradnl" dirty="0" smtClean="0"/>
-            <a:t>()</a:t>
-          </a:r>
-          <a:endParaRPr lang="en-US" dirty="0"/>
-        </a:p>
-      </dgm:t>
-    </dgm:pt>
     <dgm:pt modelId="{84D5E899-B0A4-43A6-B223-6A74745C3DD0}">
       <dgm:prSet phldrT="[Text]"/>
       <dgm:spPr/>
@@ -1164,6 +1119,43 @@
         </a:p>
       </dgm:t>
     </dgm:pt>
+    <dgm:pt modelId="{ECCFBC50-B422-44F5-95B9-96A8B72F44BE}">
+      <dgm:prSet/>
+      <dgm:spPr/>
+      <dgm:t>
+        <a:bodyPr/>
+        <a:lstStyle/>
+        <a:p>
+          <a:r>
+            <a:rPr lang="es-ES_tradnl" smtClean="0"/>
+            <a:t>bookListPage.html</a:t>
+          </a:r>
+          <a:endParaRPr lang="en-US" dirty="0"/>
+        </a:p>
+      </dgm:t>
+    </dgm:pt>
+    <dgm:pt modelId="{FA82857D-AEFD-4CDC-B238-CC004C4BF5F8}" type="parTrans" cxnId="{4E2CF60F-ABD4-4B94-B2E5-7761BCB5C135}">
+      <dgm:prSet/>
+      <dgm:spPr/>
+      <dgm:t>
+        <a:bodyPr/>
+        <a:lstStyle/>
+        <a:p>
+          <a:endParaRPr lang="es-AR"/>
+        </a:p>
+      </dgm:t>
+    </dgm:pt>
+    <dgm:pt modelId="{E0DCF021-D436-4ECF-AD4B-048C8AB890B9}" type="sibTrans" cxnId="{4E2CF60F-ABD4-4B94-B2E5-7761BCB5C135}">
+      <dgm:prSet/>
+      <dgm:spPr/>
+      <dgm:t>
+        <a:bodyPr/>
+        <a:lstStyle/>
+        <a:p>
+          <a:endParaRPr lang="es-AR"/>
+        </a:p>
+      </dgm:t>
+    </dgm:pt>
     <dgm:pt modelId="{88052538-6CB1-4F7A-A301-649AE84EF66B}" type="pres">
       <dgm:prSet presAssocID="{F24FA211-3F2C-4346-ABD9-092692E7A9F4}" presName="diagram" presStyleCnt="0">
         <dgm:presLayoutVars>
@@ -1180,8 +1172,24 @@
         </a:p>
       </dgm:t>
     </dgm:pt>
+    <dgm:pt modelId="{843FDB59-0DC6-4D62-B43C-B7DF9A235BCB}" type="pres">
+      <dgm:prSet presAssocID="{ECCFBC50-B422-44F5-95B9-96A8B72F44BE}" presName="node" presStyleLbl="node1" presStyleIdx="0" presStyleCnt="6" custScaleY="40183" custLinFactNeighborX="-92959" custLinFactNeighborY="1149">
+        <dgm:presLayoutVars>
+          <dgm:bulletEnabled val="1"/>
+        </dgm:presLayoutVars>
+      </dgm:prSet>
+      <dgm:spPr/>
+    </dgm:pt>
+    <dgm:pt modelId="{EC4F7D31-55FD-4683-A45C-740459EB442A}" type="pres">
+      <dgm:prSet presAssocID="{E0DCF021-D436-4ECF-AD4B-048C8AB890B9}" presName="sibTrans" presStyleLbl="sibTrans2D1" presStyleIdx="0" presStyleCnt="5" custScaleY="57820"/>
+      <dgm:spPr/>
+    </dgm:pt>
+    <dgm:pt modelId="{E8880981-8A6D-4797-BEC7-23DD04C9F5DD}" type="pres">
+      <dgm:prSet presAssocID="{E0DCF021-D436-4ECF-AD4B-048C8AB890B9}" presName="connectorText" presStyleLbl="sibTrans2D1" presStyleIdx="0" presStyleCnt="5"/>
+      <dgm:spPr/>
+    </dgm:pt>
     <dgm:pt modelId="{F680135F-FB83-4C06-91FC-3A29DC63396C}" type="pres">
-      <dgm:prSet presAssocID="{4B3393CD-BE25-4520-B303-8BAD23F50CE0}" presName="node" presStyleLbl="node1" presStyleIdx="0" presStyleCnt="6" custScaleX="79737" custScaleY="44689" custLinFactX="-6246" custLinFactNeighborX="-100000" custLinFactNeighborY="-39224">
+      <dgm:prSet presAssocID="{4B3393CD-BE25-4520-B303-8BAD23F50CE0}" presName="node" presStyleLbl="node1" presStyleIdx="1" presStyleCnt="6" custScaleX="79737" custScaleY="44689" custLinFactNeighborX="563" custLinFactNeighborY="2823">
         <dgm:presLayoutVars>
           <dgm:bulletEnabled val="1"/>
         </dgm:presLayoutVars>
@@ -1196,7 +1204,7 @@
       </dgm:t>
     </dgm:pt>
     <dgm:pt modelId="{00C08AC9-1D4E-4798-A062-2CC79FC0B56F}" type="pres">
-      <dgm:prSet presAssocID="{3B76D8E7-67CF-4CB2-BF09-7B700E7E5D12}" presName="sibTrans" presStyleLbl="sibTrans2D1" presStyleIdx="0" presStyleCnt="5" custScaleX="169362" custScaleY="68547" custLinFactNeighborX="4540" custLinFactNeighborY="3481"/>
+      <dgm:prSet presAssocID="{3B76D8E7-67CF-4CB2-BF09-7B700E7E5D12}" presName="sibTrans" presStyleLbl="sibTrans2D1" presStyleIdx="1" presStyleCnt="5" custScaleX="169362" custScaleY="68547" custLinFactNeighborX="4540" custLinFactNeighborY="3481"/>
       <dgm:spPr/>
       <dgm:t>
         <a:bodyPr/>
@@ -1207,7 +1215,7 @@
       </dgm:t>
     </dgm:pt>
     <dgm:pt modelId="{79A966BC-6822-4F1F-8DDB-931C03225B4B}" type="pres">
-      <dgm:prSet presAssocID="{3B76D8E7-67CF-4CB2-BF09-7B700E7E5D12}" presName="connectorText" presStyleLbl="sibTrans2D1" presStyleIdx="0" presStyleCnt="5"/>
+      <dgm:prSet presAssocID="{3B76D8E7-67CF-4CB2-BF09-7B700E7E5D12}" presName="connectorText" presStyleLbl="sibTrans2D1" presStyleIdx="1" presStyleCnt="5"/>
       <dgm:spPr/>
       <dgm:t>
         <a:bodyPr/>
@@ -1218,7 +1226,7 @@
       </dgm:t>
     </dgm:pt>
     <dgm:pt modelId="{BC696920-5112-47F6-BE4D-E1EB1973835F}" type="pres">
-      <dgm:prSet presAssocID="{7703AC7D-7627-48AA-BF50-1DEDC16D7D91}" presName="node" presStyleLbl="node1" presStyleIdx="1" presStyleCnt="6" custScaleX="78572" custScaleY="41477" custLinFactX="21678" custLinFactNeighborX="100000" custLinFactNeighborY="-42614">
+      <dgm:prSet presAssocID="{7703AC7D-7627-48AA-BF50-1DEDC16D7D91}" presName="node" presStyleLbl="node1" presStyleIdx="2" presStyleCnt="6" custScaleX="78572" custScaleY="41477" custLinFactX="-100000" custLinFactNeighborX="-127035" custLinFactNeighborY="6033">
         <dgm:presLayoutVars>
           <dgm:bulletEnabled val="1"/>
         </dgm:presLayoutVars>
@@ -1233,7 +1241,7 @@
       </dgm:t>
     </dgm:pt>
     <dgm:pt modelId="{914B1954-7982-4DED-A8D5-5875C703DF93}" type="pres">
-      <dgm:prSet presAssocID="{034CED5B-B964-4238-86DE-9425E8ACB288}" presName="sibTrans" presStyleLbl="sibTrans2D1" presStyleIdx="1" presStyleCnt="5" custScaleX="173738" custScaleY="62229" custLinFactNeighborX="-6641" custLinFactNeighborY="20558"/>
+      <dgm:prSet presAssocID="{034CED5B-B964-4238-86DE-9425E8ACB288}" presName="sibTrans" presStyleLbl="sibTrans2D1" presStyleIdx="2" presStyleCnt="5" custScaleX="156976" custScaleY="62229" custLinFactNeighborX="-6641" custLinFactNeighborY="20558"/>
       <dgm:spPr/>
       <dgm:t>
         <a:bodyPr/>
@@ -1244,7 +1252,7 @@
       </dgm:t>
     </dgm:pt>
     <dgm:pt modelId="{4E7053E0-5968-423E-9BAF-BE0FE864C6C7}" type="pres">
-      <dgm:prSet presAssocID="{034CED5B-B964-4238-86DE-9425E8ACB288}" presName="connectorText" presStyleLbl="sibTrans2D1" presStyleIdx="1" presStyleCnt="5"/>
+      <dgm:prSet presAssocID="{034CED5B-B964-4238-86DE-9425E8ACB288}" presName="connectorText" presStyleLbl="sibTrans2D1" presStyleIdx="2" presStyleCnt="5"/>
       <dgm:spPr/>
       <dgm:t>
         <a:bodyPr/>
@@ -1255,7 +1263,7 @@
       </dgm:t>
     </dgm:pt>
     <dgm:pt modelId="{5866D430-EA1C-4910-9534-06E6848714EB}" type="pres">
-      <dgm:prSet presAssocID="{16DD3F1C-A6F8-47D3-BA57-675D1A413B75}" presName="node" presStyleLbl="node1" presStyleIdx="2" presStyleCnt="6" custScaleX="81665" custScaleY="54484" custLinFactX="-100000" custLinFactNeighborX="-138322" custLinFactNeighborY="43563">
+      <dgm:prSet presAssocID="{16DD3F1C-A6F8-47D3-BA57-675D1A413B75}" presName="node" presStyleLbl="node1" presStyleIdx="3" presStyleCnt="6" custScaleX="81665" custScaleY="54484" custLinFactX="43905" custLinFactNeighborX="100000" custLinFactNeighborY="3452">
         <dgm:presLayoutVars>
           <dgm:bulletEnabled val="1"/>
         </dgm:presLayoutVars>
@@ -1270,7 +1278,7 @@
       </dgm:t>
     </dgm:pt>
     <dgm:pt modelId="{3C1528C3-2A53-4665-B9B1-9D10BDE5246C}" type="pres">
-      <dgm:prSet presAssocID="{131BA167-16C8-427D-BB30-8989EA4E70E5}" presName="sibTrans" presStyleLbl="sibTrans2D1" presStyleIdx="2" presStyleCnt="5" custScaleX="148833" custScaleY="57210" custLinFactNeighborX="1129" custLinFactNeighborY="25007"/>
+      <dgm:prSet presAssocID="{131BA167-16C8-427D-BB30-8989EA4E70E5}" presName="sibTrans" presStyleLbl="sibTrans2D1" presStyleIdx="3" presStyleCnt="5" custScaleX="148833" custScaleY="57210" custLinFactNeighborX="1129" custLinFactNeighborY="25007"/>
       <dgm:spPr/>
       <dgm:t>
         <a:bodyPr/>
@@ -1281,44 +1289,7 @@
       </dgm:t>
     </dgm:pt>
     <dgm:pt modelId="{9834EF4A-D85A-496C-B5F4-813700D1B355}" type="pres">
-      <dgm:prSet presAssocID="{131BA167-16C8-427D-BB30-8989EA4E70E5}" presName="connectorText" presStyleLbl="sibTrans2D1" presStyleIdx="2" presStyleCnt="5"/>
-      <dgm:spPr/>
-      <dgm:t>
-        <a:bodyPr/>
-        <a:lstStyle/>
-        <a:p>
-          <a:endParaRPr lang="en-US"/>
-        </a:p>
-      </dgm:t>
-    </dgm:pt>
-    <dgm:pt modelId="{9345B24A-55DC-4164-8C82-526C07E03E06}" type="pres">
-      <dgm:prSet presAssocID="{0764DABC-4988-4E83-9D27-6C612E2653B9}" presName="node" presStyleLbl="node1" presStyleIdx="3" presStyleCnt="6" custScaleX="77454" custScaleY="53377" custLinFactNeighborX="13" custLinFactNeighborY="-88204">
-        <dgm:presLayoutVars>
-          <dgm:bulletEnabled val="1"/>
-        </dgm:presLayoutVars>
-      </dgm:prSet>
-      <dgm:spPr/>
-      <dgm:t>
-        <a:bodyPr/>
-        <a:lstStyle/>
-        <a:p>
-          <a:endParaRPr lang="en-US"/>
-        </a:p>
-      </dgm:t>
-    </dgm:pt>
-    <dgm:pt modelId="{0F9723B7-0055-459E-A10D-E0CCDB016560}" type="pres">
-      <dgm:prSet presAssocID="{44E407CA-8519-439E-8A89-95F7E138FD9B}" presName="sibTrans" presStyleLbl="sibTrans2D1" presStyleIdx="3" presStyleCnt="5" custScaleX="167030" custScaleY="57996" custLinFactNeighborX="-1463" custLinFactNeighborY="26689"/>
-      <dgm:spPr/>
-      <dgm:t>
-        <a:bodyPr/>
-        <a:lstStyle/>
-        <a:p>
-          <a:endParaRPr lang="en-US"/>
-        </a:p>
-      </dgm:t>
-    </dgm:pt>
-    <dgm:pt modelId="{DF43D430-0F06-4181-9E7A-3A427B6E5D03}" type="pres">
-      <dgm:prSet presAssocID="{44E407CA-8519-439E-8A89-95F7E138FD9B}" presName="connectorText" presStyleLbl="sibTrans2D1" presStyleIdx="3" presStyleCnt="5"/>
+      <dgm:prSet presAssocID="{131BA167-16C8-427D-BB30-8989EA4E70E5}" presName="connectorText" presStyleLbl="sibTrans2D1" presStyleIdx="3" presStyleCnt="5"/>
       <dgm:spPr/>
       <dgm:t>
         <a:bodyPr/>
@@ -1329,7 +1300,7 @@
       </dgm:t>
     </dgm:pt>
     <dgm:pt modelId="{7490BDB8-F1E2-4EB2-82E7-C08F9B9E534E}" type="pres">
-      <dgm:prSet presAssocID="{84D5E899-B0A4-43A6-B223-6A74745C3DD0}" presName="node" presStyleLbl="node1" presStyleIdx="4" presStyleCnt="6" custScaleX="75823" custScaleY="41433" custLinFactX="-26710" custLinFactNeighborX="-100000" custLinFactNeighborY="703">
+      <dgm:prSet presAssocID="{84D5E899-B0A4-43A6-B223-6A74745C3DD0}" presName="node" presStyleLbl="node1" presStyleIdx="4" presStyleCnt="6" custScaleX="75823" custScaleY="41433" custLinFactY="12222" custLinFactNeighborX="6468" custLinFactNeighborY="100000">
         <dgm:presLayoutVars>
           <dgm:bulletEnabled val="1"/>
         </dgm:presLayoutVars>
@@ -1366,7 +1337,7 @@
       </dgm:t>
     </dgm:pt>
     <dgm:pt modelId="{E8D2FA06-B903-4014-BFD9-BFAEAA6FFFAA}" type="pres">
-      <dgm:prSet presAssocID="{E14C6B11-9E69-4BC7-AEE0-6EC9CF20AF87}" presName="node" presStyleLbl="node1" presStyleIdx="5" presStyleCnt="6" custScaleX="77535" custScaleY="51332" custLinFactX="100000" custLinFactNeighborX="132527" custLinFactNeighborY="-3566">
+      <dgm:prSet presAssocID="{E14C6B11-9E69-4BC7-AEE0-6EC9CF20AF87}" presName="node" presStyleLbl="node1" presStyleIdx="5" presStyleCnt="6" custScaleX="77535" custScaleY="51332" custLinFactX="100000" custLinFactNeighborX="135144" custLinFactNeighborY="-5114">
         <dgm:presLayoutVars>
           <dgm:bulletEnabled val="1"/>
         </dgm:presLayoutVars>
@@ -1382,41 +1353,41 @@
     </dgm:pt>
   </dgm:ptLst>
   <dgm:cxnLst>
+    <dgm:cxn modelId="{7088EC34-C1BA-48B0-B058-0B664C09D58A}" srcId="{F24FA211-3F2C-4346-ABD9-092692E7A9F4}" destId="{7703AC7D-7627-48AA-BF50-1DEDC16D7D91}" srcOrd="2" destOrd="0" parTransId="{3CBB70BA-78E8-45DC-81B2-4BEEC48E7B7D}" sibTransId="{034CED5B-B964-4238-86DE-9425E8ACB288}"/>
+    <dgm:cxn modelId="{6B61CD25-7CFE-46EB-BAFE-AA0770C80DF0}" type="presOf" srcId="{16DD3F1C-A6F8-47D3-BA57-675D1A413B75}" destId="{5866D430-EA1C-4910-9534-06E6848714EB}" srcOrd="0" destOrd="0" presId="urn:microsoft.com/office/officeart/2005/8/layout/process5"/>
+    <dgm:cxn modelId="{F7CC6D26-AE79-42FF-99C9-C166EB62A420}" type="presOf" srcId="{3B76D8E7-67CF-4CB2-BF09-7B700E7E5D12}" destId="{79A966BC-6822-4F1F-8DDB-931C03225B4B}" srcOrd="1" destOrd="0" presId="urn:microsoft.com/office/officeart/2005/8/layout/process5"/>
+    <dgm:cxn modelId="{BFFDB2F1-E191-4C98-A9AD-D543A261E230}" type="presOf" srcId="{3B76D8E7-67CF-4CB2-BF09-7B700E7E5D12}" destId="{00C08AC9-1D4E-4798-A062-2CC79FC0B56F}" srcOrd="0" destOrd="0" presId="urn:microsoft.com/office/officeart/2005/8/layout/process5"/>
+    <dgm:cxn modelId="{7EA0BF71-6309-4460-82DA-35435673EC0C}" type="presOf" srcId="{F24FA211-3F2C-4346-ABD9-092692E7A9F4}" destId="{88052538-6CB1-4F7A-A301-649AE84EF66B}" srcOrd="0" destOrd="0" presId="urn:microsoft.com/office/officeart/2005/8/layout/process5"/>
+    <dgm:cxn modelId="{E3B95932-202A-452F-87CE-D87CC64E5C56}" type="presOf" srcId="{E0DCF021-D436-4ECF-AD4B-048C8AB890B9}" destId="{E8880981-8A6D-4797-BEC7-23DD04C9F5DD}" srcOrd="1" destOrd="0" presId="urn:microsoft.com/office/officeart/2005/8/layout/process5"/>
+    <dgm:cxn modelId="{D9343D1D-D2F9-4D8F-83C9-6CE85AE1227E}" type="presOf" srcId="{131BA167-16C8-427D-BB30-8989EA4E70E5}" destId="{9834EF4A-D85A-496C-B5F4-813700D1B355}" srcOrd="1" destOrd="0" presId="urn:microsoft.com/office/officeart/2005/8/layout/process5"/>
+    <dgm:cxn modelId="{E6D727F8-C9FE-4B4E-B5E5-A87BCB3EE519}" type="presOf" srcId="{895E128C-A5F0-4683-B3D9-17A5C3B0BD55}" destId="{1FD05E88-9E09-4F15-B0F4-DD6A84F91FB2}" srcOrd="0" destOrd="0" presId="urn:microsoft.com/office/officeart/2005/8/layout/process5"/>
+    <dgm:cxn modelId="{C3861FA4-D69B-4D5F-9E76-323ACFF87FEC}" srcId="{F24FA211-3F2C-4346-ABD9-092692E7A9F4}" destId="{4B3393CD-BE25-4520-B303-8BAD23F50CE0}" srcOrd="1" destOrd="0" parTransId="{9BF9F86E-19D0-4D46-B788-9E0D0EE490C8}" sibTransId="{3B76D8E7-67CF-4CB2-BF09-7B700E7E5D12}"/>
+    <dgm:cxn modelId="{B72DAA64-6526-4D3B-A21C-06A3DE2410CA}" type="presOf" srcId="{034CED5B-B964-4238-86DE-9425E8ACB288}" destId="{914B1954-7982-4DED-A8D5-5875C703DF93}" srcOrd="0" destOrd="0" presId="urn:microsoft.com/office/officeart/2005/8/layout/process5"/>
+    <dgm:cxn modelId="{439C8EB0-45C9-4AC8-9065-6798C70D0210}" type="presOf" srcId="{895E128C-A5F0-4683-B3D9-17A5C3B0BD55}" destId="{60429F7C-10D0-4D3F-8019-997E2BE29191}" srcOrd="1" destOrd="0" presId="urn:microsoft.com/office/officeart/2005/8/layout/process5"/>
+    <dgm:cxn modelId="{4E2CF60F-ABD4-4B94-B2E5-7761BCB5C135}" srcId="{F24FA211-3F2C-4346-ABD9-092692E7A9F4}" destId="{ECCFBC50-B422-44F5-95B9-96A8B72F44BE}" srcOrd="0" destOrd="0" parTransId="{FA82857D-AEFD-4CDC-B238-CC004C4BF5F8}" sibTransId="{E0DCF021-D436-4ECF-AD4B-048C8AB890B9}"/>
+    <dgm:cxn modelId="{1C0486F3-B9B1-443C-968E-B0D4715D1C82}" type="presOf" srcId="{ECCFBC50-B422-44F5-95B9-96A8B72F44BE}" destId="{843FDB59-0DC6-4D62-B43C-B7DF9A235BCB}" srcOrd="0" destOrd="0" presId="urn:microsoft.com/office/officeart/2005/8/layout/process5"/>
+    <dgm:cxn modelId="{CF687D50-6AB4-40BE-A827-04660403E62F}" type="presOf" srcId="{131BA167-16C8-427D-BB30-8989EA4E70E5}" destId="{3C1528C3-2A53-4665-B9B1-9D10BDE5246C}" srcOrd="0" destOrd="0" presId="urn:microsoft.com/office/officeart/2005/8/layout/process5"/>
+    <dgm:cxn modelId="{9F09F7B6-85E5-4228-B4F0-693ACBB95191}" type="presOf" srcId="{4B3393CD-BE25-4520-B303-8BAD23F50CE0}" destId="{F680135F-FB83-4C06-91FC-3A29DC63396C}" srcOrd="0" destOrd="0" presId="urn:microsoft.com/office/officeart/2005/8/layout/process5"/>
+    <dgm:cxn modelId="{02E9D015-F6EE-4AF4-95B7-0A935201365C}" type="presOf" srcId="{E0DCF021-D436-4ECF-AD4B-048C8AB890B9}" destId="{EC4F7D31-55FD-4683-A45C-740459EB442A}" srcOrd="0" destOrd="0" presId="urn:microsoft.com/office/officeart/2005/8/layout/process5"/>
+    <dgm:cxn modelId="{A0C4E794-B7CC-4EBD-B60A-7155768F82BA}" type="presOf" srcId="{84D5E899-B0A4-43A6-B223-6A74745C3DD0}" destId="{7490BDB8-F1E2-4EB2-82E7-C08F9B9E534E}" srcOrd="0" destOrd="0" presId="urn:microsoft.com/office/officeart/2005/8/layout/process5"/>
+    <dgm:cxn modelId="{D8A00F18-C6DD-4134-9099-FA2865724BC5}" srcId="{F24FA211-3F2C-4346-ABD9-092692E7A9F4}" destId="{E14C6B11-9E69-4BC7-AEE0-6EC9CF20AF87}" srcOrd="5" destOrd="0" parTransId="{5C923AB1-59F2-4986-B504-004979660F31}" sibTransId="{72B24B98-2746-4468-853D-85A0838FF80C}"/>
+    <dgm:cxn modelId="{8ABA0D0D-03E5-4296-9634-39F1977DCD09}" type="presOf" srcId="{034CED5B-B964-4238-86DE-9425E8ACB288}" destId="{4E7053E0-5968-423E-9BAF-BE0FE864C6C7}" srcOrd="1" destOrd="0" presId="urn:microsoft.com/office/officeart/2005/8/layout/process5"/>
+    <dgm:cxn modelId="{62776DAB-A42C-41F2-A0ED-4C3D264A087C}" type="presOf" srcId="{E14C6B11-9E69-4BC7-AEE0-6EC9CF20AF87}" destId="{E8D2FA06-B903-4014-BFD9-BFAEAA6FFFAA}" srcOrd="0" destOrd="0" presId="urn:microsoft.com/office/officeart/2005/8/layout/process5"/>
     <dgm:cxn modelId="{49753BEA-9113-42EB-9851-5BCFD553BE86}" srcId="{F24FA211-3F2C-4346-ABD9-092692E7A9F4}" destId="{84D5E899-B0A4-43A6-B223-6A74745C3DD0}" srcOrd="4" destOrd="0" parTransId="{0403FFE2-9798-490A-9583-C4C77117D92C}" sibTransId="{895E128C-A5F0-4683-B3D9-17A5C3B0BD55}"/>
-    <dgm:cxn modelId="{9F09F7B6-85E5-4228-B4F0-693ACBB95191}" type="presOf" srcId="{4B3393CD-BE25-4520-B303-8BAD23F50CE0}" destId="{F680135F-FB83-4C06-91FC-3A29DC63396C}" srcOrd="0" destOrd="0" presId="urn:microsoft.com/office/officeart/2005/8/layout/process5"/>
-    <dgm:cxn modelId="{7088EC34-C1BA-48B0-B058-0B664C09D58A}" srcId="{F24FA211-3F2C-4346-ABD9-092692E7A9F4}" destId="{7703AC7D-7627-48AA-BF50-1DEDC16D7D91}" srcOrd="1" destOrd="0" parTransId="{3CBB70BA-78E8-45DC-81B2-4BEEC48E7B7D}" sibTransId="{034CED5B-B964-4238-86DE-9425E8ACB288}"/>
-    <dgm:cxn modelId="{A0C4E794-B7CC-4EBD-B60A-7155768F82BA}" type="presOf" srcId="{84D5E899-B0A4-43A6-B223-6A74745C3DD0}" destId="{7490BDB8-F1E2-4EB2-82E7-C08F9B9E534E}" srcOrd="0" destOrd="0" presId="urn:microsoft.com/office/officeart/2005/8/layout/process5"/>
-    <dgm:cxn modelId="{E6D727F8-C9FE-4B4E-B5E5-A87BCB3EE519}" type="presOf" srcId="{895E128C-A5F0-4683-B3D9-17A5C3B0BD55}" destId="{1FD05E88-9E09-4F15-B0F4-DD6A84F91FB2}" srcOrd="0" destOrd="0" presId="urn:microsoft.com/office/officeart/2005/8/layout/process5"/>
-    <dgm:cxn modelId="{7EA0BF71-6309-4460-82DA-35435673EC0C}" type="presOf" srcId="{F24FA211-3F2C-4346-ABD9-092692E7A9F4}" destId="{88052538-6CB1-4F7A-A301-649AE84EF66B}" srcOrd="0" destOrd="0" presId="urn:microsoft.com/office/officeart/2005/8/layout/process5"/>
-    <dgm:cxn modelId="{CF687D50-6AB4-40BE-A827-04660403E62F}" type="presOf" srcId="{131BA167-16C8-427D-BB30-8989EA4E70E5}" destId="{3C1528C3-2A53-4665-B9B1-9D10BDE5246C}" srcOrd="0" destOrd="0" presId="urn:microsoft.com/office/officeart/2005/8/layout/process5"/>
-    <dgm:cxn modelId="{E6DCC218-2905-492A-84FA-01987C14BCAB}" type="presOf" srcId="{0764DABC-4988-4E83-9D27-6C612E2653B9}" destId="{9345B24A-55DC-4164-8C82-526C07E03E06}" srcOrd="0" destOrd="0" presId="urn:microsoft.com/office/officeart/2005/8/layout/process5"/>
-    <dgm:cxn modelId="{D9343D1D-D2F9-4D8F-83C9-6CE85AE1227E}" type="presOf" srcId="{131BA167-16C8-427D-BB30-8989EA4E70E5}" destId="{9834EF4A-D85A-496C-B5F4-813700D1B355}" srcOrd="1" destOrd="0" presId="urn:microsoft.com/office/officeart/2005/8/layout/process5"/>
-    <dgm:cxn modelId="{8ABA0D0D-03E5-4296-9634-39F1977DCD09}" type="presOf" srcId="{034CED5B-B964-4238-86DE-9425E8ACB288}" destId="{4E7053E0-5968-423E-9BAF-BE0FE864C6C7}" srcOrd="1" destOrd="0" presId="urn:microsoft.com/office/officeart/2005/8/layout/process5"/>
-    <dgm:cxn modelId="{BFFDB2F1-E191-4C98-A9AD-D543A261E230}" type="presOf" srcId="{3B76D8E7-67CF-4CB2-BF09-7B700E7E5D12}" destId="{00C08AC9-1D4E-4798-A062-2CC79FC0B56F}" srcOrd="0" destOrd="0" presId="urn:microsoft.com/office/officeart/2005/8/layout/process5"/>
-    <dgm:cxn modelId="{6B61CD25-7CFE-46EB-BAFE-AA0770C80DF0}" type="presOf" srcId="{16DD3F1C-A6F8-47D3-BA57-675D1A413B75}" destId="{5866D430-EA1C-4910-9534-06E6848714EB}" srcOrd="0" destOrd="0" presId="urn:microsoft.com/office/officeart/2005/8/layout/process5"/>
-    <dgm:cxn modelId="{A4770200-C787-4EB5-9BAD-61E85C5E56D8}" type="presOf" srcId="{44E407CA-8519-439E-8A89-95F7E138FD9B}" destId="{DF43D430-0F06-4181-9E7A-3A427B6E5D03}" srcOrd="1" destOrd="0" presId="urn:microsoft.com/office/officeart/2005/8/layout/process5"/>
-    <dgm:cxn modelId="{73520E53-F4B6-4F1E-90B5-18C455DEAE0D}" srcId="{F24FA211-3F2C-4346-ABD9-092692E7A9F4}" destId="{0764DABC-4988-4E83-9D27-6C612E2653B9}" srcOrd="3" destOrd="0" parTransId="{249F8ABC-18A8-43BD-9D5F-45C4BE804F85}" sibTransId="{44E407CA-8519-439E-8A89-95F7E138FD9B}"/>
-    <dgm:cxn modelId="{439C8EB0-45C9-4AC8-9065-6798C70D0210}" type="presOf" srcId="{895E128C-A5F0-4683-B3D9-17A5C3B0BD55}" destId="{60429F7C-10D0-4D3F-8019-997E2BE29191}" srcOrd="1" destOrd="0" presId="urn:microsoft.com/office/officeart/2005/8/layout/process5"/>
-    <dgm:cxn modelId="{D8A00F18-C6DD-4134-9099-FA2865724BC5}" srcId="{F24FA211-3F2C-4346-ABD9-092692E7A9F4}" destId="{E14C6B11-9E69-4BC7-AEE0-6EC9CF20AF87}" srcOrd="5" destOrd="0" parTransId="{5C923AB1-59F2-4986-B504-004979660F31}" sibTransId="{72B24B98-2746-4468-853D-85A0838FF80C}"/>
-    <dgm:cxn modelId="{B72DAA64-6526-4D3B-A21C-06A3DE2410CA}" type="presOf" srcId="{034CED5B-B964-4238-86DE-9425E8ACB288}" destId="{914B1954-7982-4DED-A8D5-5875C703DF93}" srcOrd="0" destOrd="0" presId="urn:microsoft.com/office/officeart/2005/8/layout/process5"/>
-    <dgm:cxn modelId="{C3861FA4-D69B-4D5F-9E76-323ACFF87FEC}" srcId="{F24FA211-3F2C-4346-ABD9-092692E7A9F4}" destId="{4B3393CD-BE25-4520-B303-8BAD23F50CE0}" srcOrd="0" destOrd="0" parTransId="{9BF9F86E-19D0-4D46-B788-9E0D0EE490C8}" sibTransId="{3B76D8E7-67CF-4CB2-BF09-7B700E7E5D12}"/>
-    <dgm:cxn modelId="{5483DB64-7B33-4A70-B552-403B3D6AF22D}" type="presOf" srcId="{44E407CA-8519-439E-8A89-95F7E138FD9B}" destId="{0F9723B7-0055-459E-A10D-E0CCDB016560}" srcOrd="0" destOrd="0" presId="urn:microsoft.com/office/officeart/2005/8/layout/process5"/>
-    <dgm:cxn modelId="{05EF2D42-B22E-44CB-BCA8-0A624596CEC7}" srcId="{F24FA211-3F2C-4346-ABD9-092692E7A9F4}" destId="{16DD3F1C-A6F8-47D3-BA57-675D1A413B75}" srcOrd="2" destOrd="0" parTransId="{E5AE1A70-D04B-4C9F-9949-A16466860DE9}" sibTransId="{131BA167-16C8-427D-BB30-8989EA4E70E5}"/>
-    <dgm:cxn modelId="{62776DAB-A42C-41F2-A0ED-4C3D264A087C}" type="presOf" srcId="{E14C6B11-9E69-4BC7-AEE0-6EC9CF20AF87}" destId="{E8D2FA06-B903-4014-BFD9-BFAEAA6FFFAA}" srcOrd="0" destOrd="0" presId="urn:microsoft.com/office/officeart/2005/8/layout/process5"/>
+    <dgm:cxn modelId="{05EF2D42-B22E-44CB-BCA8-0A624596CEC7}" srcId="{F24FA211-3F2C-4346-ABD9-092692E7A9F4}" destId="{16DD3F1C-A6F8-47D3-BA57-675D1A413B75}" srcOrd="3" destOrd="0" parTransId="{E5AE1A70-D04B-4C9F-9949-A16466860DE9}" sibTransId="{131BA167-16C8-427D-BB30-8989EA4E70E5}"/>
     <dgm:cxn modelId="{60F23AFC-55AD-447C-BBBE-B07637750C9F}" type="presOf" srcId="{7703AC7D-7627-48AA-BF50-1DEDC16D7D91}" destId="{BC696920-5112-47F6-BE4D-E1EB1973835F}" srcOrd="0" destOrd="0" presId="urn:microsoft.com/office/officeart/2005/8/layout/process5"/>
-    <dgm:cxn modelId="{F7CC6D26-AE79-42FF-99C9-C166EB62A420}" type="presOf" srcId="{3B76D8E7-67CF-4CB2-BF09-7B700E7E5D12}" destId="{79A966BC-6822-4F1F-8DDB-931C03225B4B}" srcOrd="1" destOrd="0" presId="urn:microsoft.com/office/officeart/2005/8/layout/process5"/>
-    <dgm:cxn modelId="{3F059649-84A3-44AA-BD74-261B88883200}" type="presParOf" srcId="{88052538-6CB1-4F7A-A301-649AE84EF66B}" destId="{F680135F-FB83-4C06-91FC-3A29DC63396C}" srcOrd="0" destOrd="0" presId="urn:microsoft.com/office/officeart/2005/8/layout/process5"/>
-    <dgm:cxn modelId="{ACA23869-D52C-4DAF-AE06-E26C74D9D321}" type="presParOf" srcId="{88052538-6CB1-4F7A-A301-649AE84EF66B}" destId="{00C08AC9-1D4E-4798-A062-2CC79FC0B56F}" srcOrd="1" destOrd="0" presId="urn:microsoft.com/office/officeart/2005/8/layout/process5"/>
+    <dgm:cxn modelId="{FD9931FF-8238-4E2E-BC7E-638819F192A8}" type="presParOf" srcId="{88052538-6CB1-4F7A-A301-649AE84EF66B}" destId="{843FDB59-0DC6-4D62-B43C-B7DF9A235BCB}" srcOrd="0" destOrd="0" presId="urn:microsoft.com/office/officeart/2005/8/layout/process5"/>
+    <dgm:cxn modelId="{0AEBBA07-F3AE-4560-AB50-E527F5FC109A}" type="presParOf" srcId="{88052538-6CB1-4F7A-A301-649AE84EF66B}" destId="{EC4F7D31-55FD-4683-A45C-740459EB442A}" srcOrd="1" destOrd="0" presId="urn:microsoft.com/office/officeart/2005/8/layout/process5"/>
+    <dgm:cxn modelId="{E53A8130-C282-4BEE-90FD-3135942BDB54}" type="presParOf" srcId="{EC4F7D31-55FD-4683-A45C-740459EB442A}" destId="{E8880981-8A6D-4797-BEC7-23DD04C9F5DD}" srcOrd="0" destOrd="0" presId="urn:microsoft.com/office/officeart/2005/8/layout/process5"/>
+    <dgm:cxn modelId="{3F059649-84A3-44AA-BD74-261B88883200}" type="presParOf" srcId="{88052538-6CB1-4F7A-A301-649AE84EF66B}" destId="{F680135F-FB83-4C06-91FC-3A29DC63396C}" srcOrd="2" destOrd="0" presId="urn:microsoft.com/office/officeart/2005/8/layout/process5"/>
+    <dgm:cxn modelId="{ACA23869-D52C-4DAF-AE06-E26C74D9D321}" type="presParOf" srcId="{88052538-6CB1-4F7A-A301-649AE84EF66B}" destId="{00C08AC9-1D4E-4798-A062-2CC79FC0B56F}" srcOrd="3" destOrd="0" presId="urn:microsoft.com/office/officeart/2005/8/layout/process5"/>
     <dgm:cxn modelId="{A9E734BF-0A64-4EB1-B1F0-99952B24F8D4}" type="presParOf" srcId="{00C08AC9-1D4E-4798-A062-2CC79FC0B56F}" destId="{79A966BC-6822-4F1F-8DDB-931C03225B4B}" srcOrd="0" destOrd="0" presId="urn:microsoft.com/office/officeart/2005/8/layout/process5"/>
-    <dgm:cxn modelId="{F664E34C-C5E3-4E40-83FE-DFA9A7052502}" type="presParOf" srcId="{88052538-6CB1-4F7A-A301-649AE84EF66B}" destId="{BC696920-5112-47F6-BE4D-E1EB1973835F}" srcOrd="2" destOrd="0" presId="urn:microsoft.com/office/officeart/2005/8/layout/process5"/>
-    <dgm:cxn modelId="{07714460-6D80-4794-B6B5-6778D441AD03}" type="presParOf" srcId="{88052538-6CB1-4F7A-A301-649AE84EF66B}" destId="{914B1954-7982-4DED-A8D5-5875C703DF93}" srcOrd="3" destOrd="0" presId="urn:microsoft.com/office/officeart/2005/8/layout/process5"/>
+    <dgm:cxn modelId="{F664E34C-C5E3-4E40-83FE-DFA9A7052502}" type="presParOf" srcId="{88052538-6CB1-4F7A-A301-649AE84EF66B}" destId="{BC696920-5112-47F6-BE4D-E1EB1973835F}" srcOrd="4" destOrd="0" presId="urn:microsoft.com/office/officeart/2005/8/layout/process5"/>
+    <dgm:cxn modelId="{07714460-6D80-4794-B6B5-6778D441AD03}" type="presParOf" srcId="{88052538-6CB1-4F7A-A301-649AE84EF66B}" destId="{914B1954-7982-4DED-A8D5-5875C703DF93}" srcOrd="5" destOrd="0" presId="urn:microsoft.com/office/officeart/2005/8/layout/process5"/>
     <dgm:cxn modelId="{CF347C1B-03DD-42BF-A5C6-21A9FAC215D9}" type="presParOf" srcId="{914B1954-7982-4DED-A8D5-5875C703DF93}" destId="{4E7053E0-5968-423E-9BAF-BE0FE864C6C7}" srcOrd="0" destOrd="0" presId="urn:microsoft.com/office/officeart/2005/8/layout/process5"/>
-    <dgm:cxn modelId="{AA64C7A5-8A7C-4A35-B195-1B468A20B56D}" type="presParOf" srcId="{88052538-6CB1-4F7A-A301-649AE84EF66B}" destId="{5866D430-EA1C-4910-9534-06E6848714EB}" srcOrd="4" destOrd="0" presId="urn:microsoft.com/office/officeart/2005/8/layout/process5"/>
-    <dgm:cxn modelId="{06D1BAF7-2E03-4D9C-8B87-AAEC8D4B1F17}" type="presParOf" srcId="{88052538-6CB1-4F7A-A301-649AE84EF66B}" destId="{3C1528C3-2A53-4665-B9B1-9D10BDE5246C}" srcOrd="5" destOrd="0" presId="urn:microsoft.com/office/officeart/2005/8/layout/process5"/>
+    <dgm:cxn modelId="{AA64C7A5-8A7C-4A35-B195-1B468A20B56D}" type="presParOf" srcId="{88052538-6CB1-4F7A-A301-649AE84EF66B}" destId="{5866D430-EA1C-4910-9534-06E6848714EB}" srcOrd="6" destOrd="0" presId="urn:microsoft.com/office/officeart/2005/8/layout/process5"/>
+    <dgm:cxn modelId="{06D1BAF7-2E03-4D9C-8B87-AAEC8D4B1F17}" type="presParOf" srcId="{88052538-6CB1-4F7A-A301-649AE84EF66B}" destId="{3C1528C3-2A53-4665-B9B1-9D10BDE5246C}" srcOrd="7" destOrd="0" presId="urn:microsoft.com/office/officeart/2005/8/layout/process5"/>
     <dgm:cxn modelId="{FDD10865-9F91-42C3-923D-CB90B68E4B5E}" type="presParOf" srcId="{3C1528C3-2A53-4665-B9B1-9D10BDE5246C}" destId="{9834EF4A-D85A-496C-B5F4-813700D1B355}" srcOrd="0" destOrd="0" presId="urn:microsoft.com/office/officeart/2005/8/layout/process5"/>
-    <dgm:cxn modelId="{82AA983E-3686-4E80-97EE-F395C3D73F0C}" type="presParOf" srcId="{88052538-6CB1-4F7A-A301-649AE84EF66B}" destId="{9345B24A-55DC-4164-8C82-526C07E03E06}" srcOrd="6" destOrd="0" presId="urn:microsoft.com/office/officeart/2005/8/layout/process5"/>
-    <dgm:cxn modelId="{6DC4CBBC-EF07-43F2-9303-4A0B5DA82540}" type="presParOf" srcId="{88052538-6CB1-4F7A-A301-649AE84EF66B}" destId="{0F9723B7-0055-459E-A10D-E0CCDB016560}" srcOrd="7" destOrd="0" presId="urn:microsoft.com/office/officeart/2005/8/layout/process5"/>
-    <dgm:cxn modelId="{D5D63517-70E8-4F1C-BEA3-6EB2960E9170}" type="presParOf" srcId="{0F9723B7-0055-459E-A10D-E0CCDB016560}" destId="{DF43D430-0F06-4181-9E7A-3A427B6E5D03}" srcOrd="0" destOrd="0" presId="urn:microsoft.com/office/officeart/2005/8/layout/process5"/>
     <dgm:cxn modelId="{6BE192F8-F809-41ED-89F2-99B2EDB603B3}" type="presParOf" srcId="{88052538-6CB1-4F7A-A301-649AE84EF66B}" destId="{7490BDB8-F1E2-4EB2-82E7-C08F9B9E534E}" srcOrd="8" destOrd="0" presId="urn:microsoft.com/office/officeart/2005/8/layout/process5"/>
     <dgm:cxn modelId="{BF0DE5A0-CD0D-4E35-BD60-ED65579C4024}" type="presParOf" srcId="{88052538-6CB1-4F7A-A301-649AE84EF66B}" destId="{1FD05E88-9E09-4F15-B0F4-DD6A84F91FB2}" srcOrd="9" destOrd="0" presId="urn:microsoft.com/office/officeart/2005/8/layout/process5"/>
     <dgm:cxn modelId="{B58E365F-2310-49C1-A0B0-40222AC7D960}" type="presParOf" srcId="{1FD05E88-9E09-4F15-B0F4-DD6A84F91FB2}" destId="{60429F7C-10D0-4D3F-8019-997E2BE29191}" srcOrd="0" destOrd="0" presId="urn:microsoft.com/office/officeart/2005/8/layout/process5"/>
@@ -1440,15 +1411,15 @@
       <dsp:cNvGrpSpPr/>
     </dsp:nvGrpSpPr>
     <dsp:grpSpPr/>
-    <dsp:sp modelId="{F680135F-FB83-4C06-91FC-3A29DC63396C}">
+    <dsp:sp modelId="{843FDB59-0DC6-4D62-B43C-B7DF9A235BCB}">
       <dsp:nvSpPr>
         <dsp:cNvPr id="0" name=""/>
         <dsp:cNvSpPr/>
       </dsp:nvSpPr>
       <dsp:spPr>
         <a:xfrm>
-          <a:off x="0" y="316526"/>
-          <a:ext cx="2620257" cy="881121"/>
+          <a:off x="224041" y="71727"/>
+          <a:ext cx="3397741" cy="819188"/>
         </a:xfrm>
         <a:prstGeom prst="roundRect">
           <a:avLst>
@@ -1491,12 +1462,12 @@
         </a:fontRef>
       </dsp:style>
       <dsp:txBody>
-        <a:bodyPr spcFirstLastPara="0" vert="horz" wrap="square" lIns="95250" tIns="95250" rIns="95250" bIns="95250" numCol="1" spcCol="1270" anchor="ctr" anchorCtr="0">
+        <a:bodyPr spcFirstLastPara="0" vert="horz" wrap="square" lIns="106680" tIns="106680" rIns="106680" bIns="106680" numCol="1" spcCol="1270" anchor="ctr" anchorCtr="0">
           <a:noAutofit/>
         </a:bodyPr>
         <a:lstStyle/>
         <a:p>
-          <a:pPr lvl="0" algn="ctr" defTabSz="1111250">
+          <a:pPr lvl="0" algn="ctr" defTabSz="1244600">
             <a:lnSpc>
               <a:spcPct val="90000"/>
             </a:lnSpc>
@@ -1508,26 +1479,26 @@
             </a:spcAft>
           </a:pPr>
           <a:r>
-            <a:rPr lang="es-ES_tradnl" sz="2500" kern="1200" dirty="0" smtClean="0"/>
-            <a:t>bookListCtrl.js</a:t>
+            <a:rPr lang="es-ES_tradnl" sz="2800" kern="1200" smtClean="0"/>
+            <a:t>bookListPage.html</a:t>
           </a:r>
-          <a:endParaRPr lang="en-US" sz="2500" kern="1200" dirty="0"/>
+          <a:endParaRPr lang="en-US" sz="2800" kern="1200" dirty="0"/>
         </a:p>
       </dsp:txBody>
       <dsp:txXfrm>
-        <a:off x="25807" y="342333"/>
-        <a:ext cx="2568643" cy="829507"/>
+        <a:off x="248034" y="95720"/>
+        <a:ext cx="3349755" cy="771202"/>
       </dsp:txXfrm>
     </dsp:sp>
-    <dsp:sp modelId="{00C08AC9-1D4E-4798-A062-2CC79FC0B56F}">
+    <dsp:sp modelId="{EC4F7D31-55FD-4683-A45C-740459EB442A}">
       <dsp:nvSpPr>
         <dsp:cNvPr id="0" name=""/>
         <dsp:cNvSpPr/>
       </dsp:nvSpPr>
       <dsp:spPr>
-        <a:xfrm rot="21570968">
-          <a:off x="2940321" y="473313"/>
-          <a:ext cx="4769548" cy="558629"/>
+        <a:xfrm rot="15457">
+          <a:off x="4619851" y="255245"/>
+          <a:ext cx="2404492" cy="487214"/>
         </a:xfrm>
         <a:prstGeom prst="rightArrow">
           <a:avLst>
@@ -1569,7 +1540,7 @@
         </a:bodyPr>
         <a:lstStyle/>
         <a:p>
-          <a:pPr lvl="0" algn="ctr" defTabSz="800100">
+          <a:pPr lvl="0" algn="ctr" defTabSz="844550">
             <a:lnSpc>
               <a:spcPct val="90000"/>
             </a:lnSpc>
@@ -1580,51 +1551,23 @@
               <a:spcPct val="35000"/>
             </a:spcAft>
           </a:pPr>
-          <a:r>
-            <a:rPr lang="es-ES_tradnl" sz="1800" kern="1200" dirty="0" err="1" smtClean="0"/>
-            <a:t>Get</a:t>
-          </a:r>
-          <a:r>
-            <a:rPr lang="es-ES_tradnl" sz="1800" kern="1200" dirty="0" smtClean="0"/>
-            <a:t>: /</a:t>
-          </a:r>
-          <a:r>
-            <a:rPr lang="es-ES_tradnl" sz="1800" kern="1200" dirty="0" err="1" smtClean="0"/>
-            <a:t>Tpl</a:t>
-          </a:r>
-          <a:r>
-            <a:rPr lang="es-ES_tradnl" sz="1800" kern="1200" dirty="0" smtClean="0"/>
-            <a:t>/</a:t>
-          </a:r>
-          <a:r>
-            <a:rPr lang="es-ES_tradnl" sz="1800" kern="1200" dirty="0" err="1" smtClean="0"/>
-            <a:t>rest</a:t>
-          </a:r>
-          <a:r>
-            <a:rPr lang="es-ES_tradnl" sz="1800" kern="1200" dirty="0" smtClean="0"/>
-            <a:t>/</a:t>
-          </a:r>
-          <a:r>
-            <a:rPr lang="es-ES_tradnl" sz="1800" kern="1200" dirty="0" err="1" smtClean="0"/>
-            <a:t>books</a:t>
-          </a:r>
-          <a:endParaRPr lang="en-US" sz="1800" kern="1200" dirty="0"/>
+          <a:endParaRPr lang="es-AR" sz="1900" kern="1200"/>
         </a:p>
       </dsp:txBody>
       <dsp:txXfrm>
-        <a:off x="2940324" y="585747"/>
-        <a:ext cx="4601959" cy="335177"/>
+        <a:off x="4619852" y="352359"/>
+        <a:ext cx="2258328" cy="292328"/>
       </dsp:txXfrm>
     </dsp:sp>
-    <dsp:sp modelId="{BC696920-5112-47F6-BE4D-E1EB1973835F}">
+    <dsp:sp modelId="{F680135F-FB83-4C06-91FC-3A29DC63396C}">
       <dsp:nvSpPr>
         <dsp:cNvPr id="0" name=""/>
         <dsp:cNvSpPr/>
       </dsp:nvSpPr>
       <dsp:spPr>
         <a:xfrm>
-          <a:off x="7933625" y="281351"/>
-          <a:ext cx="2581974" cy="817791"/>
+          <a:off x="8158514" y="59923"/>
+          <a:ext cx="2709256" cy="911049"/>
         </a:xfrm>
         <a:prstGeom prst="roundRect">
           <a:avLst>
@@ -1667,12 +1610,12 @@
         </a:fontRef>
       </dsp:style>
       <dsp:txBody>
-        <a:bodyPr spcFirstLastPara="0" vert="horz" wrap="square" lIns="95250" tIns="95250" rIns="95250" bIns="95250" numCol="1" spcCol="1270" anchor="ctr" anchorCtr="0">
+        <a:bodyPr spcFirstLastPara="0" vert="horz" wrap="square" lIns="106680" tIns="106680" rIns="106680" bIns="106680" numCol="1" spcCol="1270" anchor="ctr" anchorCtr="0">
           <a:noAutofit/>
         </a:bodyPr>
         <a:lstStyle/>
         <a:p>
-          <a:pPr lvl="0" algn="ctr" defTabSz="1111250">
+          <a:pPr lvl="0" algn="ctr" defTabSz="1244600">
             <a:lnSpc>
               <a:spcPct val="90000"/>
             </a:lnSpc>
@@ -1684,26 +1627,26 @@
             </a:spcAft>
           </a:pPr>
           <a:r>
-            <a:rPr lang="es-ES_tradnl" sz="2500" kern="1200" dirty="0" err="1" smtClean="0"/>
-            <a:t>BookWS</a:t>
+            <a:rPr lang="es-ES_tradnl" sz="2800" kern="1200" dirty="0" smtClean="0"/>
+            <a:t>bookListCtrl.js</a:t>
           </a:r>
-          <a:endParaRPr lang="en-US" sz="2500" kern="1200" dirty="0"/>
+          <a:endParaRPr lang="en-US" sz="2800" kern="1200" dirty="0"/>
         </a:p>
       </dsp:txBody>
       <dsp:txXfrm>
-        <a:off x="7957577" y="305303"/>
-        <a:ext cx="2534070" cy="769887"/>
+        <a:off x="8185198" y="86607"/>
+        <a:ext cx="2655888" cy="857681"/>
       </dsp:txXfrm>
     </dsp:sp>
-    <dsp:sp modelId="{914B1954-7982-4DED-A8D5-5875C703DF93}">
+    <dsp:sp modelId="{00C08AC9-1D4E-4798-A062-2CC79FC0B56F}">
       <dsp:nvSpPr>
         <dsp:cNvPr id="0" name=""/>
         <dsp:cNvSpPr/>
       </dsp:nvSpPr>
       <dsp:spPr>
-        <a:xfrm rot="10070164">
-          <a:off x="2725690" y="1431329"/>
-          <a:ext cx="4945299" cy="507140"/>
+        <a:xfrm rot="9748620">
+          <a:off x="3484164" y="1453023"/>
+          <a:ext cx="4729021" cy="577604"/>
         </a:xfrm>
         <a:prstGeom prst="rightArrow">
           <a:avLst>
@@ -1745,7 +1688,7 @@
         </a:bodyPr>
         <a:lstStyle/>
         <a:p>
-          <a:pPr lvl="0" algn="ctr" defTabSz="800100">
+          <a:pPr lvl="0" algn="ctr" defTabSz="844550">
             <a:lnSpc>
               <a:spcPct val="90000"/>
             </a:lnSpc>
@@ -1757,30 +1700,50 @@
             </a:spcAft>
           </a:pPr>
           <a:r>
-            <a:rPr lang="es-ES_tradnl" sz="1800" kern="1200" dirty="0" err="1" smtClean="0"/>
-            <a:t>findAllBooks</a:t>
+            <a:rPr lang="es-ES_tradnl" sz="1900" kern="1200" dirty="0" err="1" smtClean="0"/>
+            <a:t>Get</a:t>
           </a:r>
           <a:r>
-            <a:rPr lang="es-ES_tradnl" sz="1800" kern="1200" dirty="0" smtClean="0"/>
-            <a:t>()</a:t>
+            <a:rPr lang="es-ES_tradnl" sz="1900" kern="1200" dirty="0" smtClean="0"/>
+            <a:t>: /</a:t>
           </a:r>
-          <a:endParaRPr lang="en-US" sz="1800" kern="1200" dirty="0"/>
+          <a:r>
+            <a:rPr lang="es-ES_tradnl" sz="1900" kern="1200" dirty="0" err="1" smtClean="0"/>
+            <a:t>Tpl</a:t>
+          </a:r>
+          <a:r>
+            <a:rPr lang="es-ES_tradnl" sz="1900" kern="1200" dirty="0" smtClean="0"/>
+            <a:t>/</a:t>
+          </a:r>
+          <a:r>
+            <a:rPr lang="es-ES_tradnl" sz="1900" kern="1200" dirty="0" err="1" smtClean="0"/>
+            <a:t>rest</a:t>
+          </a:r>
+          <a:r>
+            <a:rPr lang="es-ES_tradnl" sz="1900" kern="1200" dirty="0" smtClean="0"/>
+            <a:t>/</a:t>
+          </a:r>
+          <a:r>
+            <a:rPr lang="es-ES_tradnl" sz="1900" kern="1200" dirty="0" err="1" smtClean="0"/>
+            <a:t>books</a:t>
+          </a:r>
+          <a:endParaRPr lang="en-US" sz="1900" kern="1200" dirty="0"/>
         </a:p>
       </dsp:txBody>
       <dsp:txXfrm rot="10800000">
-        <a:off x="2876124" y="1516728"/>
-        <a:ext cx="4793157" cy="304284"/>
+        <a:off x="3653425" y="1542458"/>
+        <a:ext cx="4555740" cy="346562"/>
       </dsp:txXfrm>
     </dsp:sp>
-    <dsp:sp modelId="{5866D430-EA1C-4910-9534-06E6848714EB}">
+    <dsp:sp modelId="{BC696920-5112-47F6-BE4D-E1EB1973835F}">
       <dsp:nvSpPr>
         <dsp:cNvPr id="0" name=""/>
         <dsp:cNvSpPr/>
       </dsp:nvSpPr>
       <dsp:spPr>
         <a:xfrm>
-          <a:off x="0" y="1852254"/>
-          <a:ext cx="2683613" cy="1074247"/>
+          <a:off x="464907" y="2528093"/>
+          <a:ext cx="2669673" cy="845568"/>
         </a:xfrm>
         <a:prstGeom prst="roundRect">
           <a:avLst>
@@ -1823,12 +1786,12 @@
         </a:fontRef>
       </dsp:style>
       <dsp:txBody>
-        <a:bodyPr spcFirstLastPara="0" vert="horz" wrap="square" lIns="95250" tIns="95250" rIns="95250" bIns="95250" numCol="1" spcCol="1270" anchor="ctr" anchorCtr="0">
+        <a:bodyPr spcFirstLastPara="0" vert="horz" wrap="square" lIns="106680" tIns="106680" rIns="106680" bIns="106680" numCol="1" spcCol="1270" anchor="ctr" anchorCtr="0">
           <a:noAutofit/>
         </a:bodyPr>
         <a:lstStyle/>
         <a:p>
-          <a:pPr lvl="0" algn="ctr" defTabSz="1111250">
+          <a:pPr lvl="0" algn="ctr" defTabSz="1244600">
             <a:lnSpc>
               <a:spcPct val="90000"/>
             </a:lnSpc>
@@ -1840,26 +1803,26 @@
             </a:spcAft>
           </a:pPr>
           <a:r>
-            <a:rPr lang="es-ES_tradnl" sz="2500" kern="1200" dirty="0" err="1" smtClean="0"/>
-            <a:t>BookService</a:t>
+            <a:rPr lang="es-ES_tradnl" sz="2800" kern="1200" dirty="0" err="1" smtClean="0"/>
+            <a:t>BookWS</a:t>
           </a:r>
-          <a:endParaRPr lang="en-US" sz="2500" kern="1200" dirty="0"/>
+          <a:endParaRPr lang="en-US" sz="2800" kern="1200" dirty="0"/>
         </a:p>
       </dsp:txBody>
       <dsp:txXfrm>
-        <a:off x="31464" y="1883718"/>
-        <a:ext cx="2620685" cy="1011319"/>
+        <a:off x="489673" y="2552859"/>
+        <a:ext cx="2620141" cy="796036"/>
       </dsp:txXfrm>
     </dsp:sp>
-    <dsp:sp modelId="{3C1528C3-2A53-4665-B9B1-9D10BDE5246C}">
+    <dsp:sp modelId="{914B1954-7982-4DED-A8D5-5875C703DF93}">
       <dsp:nvSpPr>
         <dsp:cNvPr id="0" name=""/>
         <dsp:cNvSpPr/>
       </dsp:nvSpPr>
       <dsp:spPr>
-        <a:xfrm rot="21504203">
-          <a:off x="3193390" y="2251185"/>
-          <a:ext cx="4171887" cy="466238"/>
+        <a:xfrm rot="21576724">
+          <a:off x="3305268" y="2836306"/>
+          <a:ext cx="4200758" cy="524366"/>
         </a:xfrm>
         <a:prstGeom prst="rightArrow">
           <a:avLst>
@@ -1901,7 +1864,7 @@
         </a:bodyPr>
         <a:lstStyle/>
         <a:p>
-          <a:pPr lvl="0" algn="ctr" defTabSz="800100">
+          <a:pPr lvl="0" algn="ctr" defTabSz="844550">
             <a:lnSpc>
               <a:spcPct val="90000"/>
             </a:lnSpc>
@@ -1913,30 +1876,30 @@
             </a:spcAft>
           </a:pPr>
           <a:r>
-            <a:rPr lang="es-ES_tradnl" sz="1800" kern="1200" dirty="0" err="1" smtClean="0"/>
-            <a:t>findAll</a:t>
+            <a:rPr lang="es-ES_tradnl" sz="1900" kern="1200" dirty="0" err="1" smtClean="0"/>
+            <a:t>findAllBooks</a:t>
           </a:r>
           <a:r>
-            <a:rPr lang="es-ES_tradnl" sz="1800" kern="1200" dirty="0" smtClean="0"/>
+            <a:rPr lang="es-ES_tradnl" sz="1900" kern="1200" dirty="0" smtClean="0"/>
             <a:t>()</a:t>
           </a:r>
-          <a:endParaRPr lang="en-US" sz="1800" kern="1200" dirty="0"/>
+          <a:endParaRPr lang="en-US" sz="1900" kern="1200" dirty="0"/>
         </a:p>
       </dsp:txBody>
       <dsp:txXfrm>
-        <a:off x="3193417" y="2346382"/>
-        <a:ext cx="4032016" cy="279742"/>
+        <a:off x="3305270" y="2941712"/>
+        <a:ext cx="4043448" cy="314620"/>
       </dsp:txXfrm>
     </dsp:sp>
-    <dsp:sp modelId="{9345B24A-55DC-4164-8C82-526C07E03E06}">
+    <dsp:sp modelId="{5866D430-EA1C-4910-9534-06E6848714EB}">
       <dsp:nvSpPr>
         <dsp:cNvPr id="0" name=""/>
         <dsp:cNvSpPr/>
       </dsp:nvSpPr>
       <dsp:spPr>
         <a:xfrm>
-          <a:off x="7970364" y="1642934"/>
-          <a:ext cx="2545235" cy="1052420"/>
+          <a:off x="8183618" y="2342892"/>
+          <a:ext cx="2774765" cy="1110735"/>
         </a:xfrm>
         <a:prstGeom prst="roundRect">
           <a:avLst>
@@ -1979,12 +1942,12 @@
         </a:fontRef>
       </dsp:style>
       <dsp:txBody>
-        <a:bodyPr spcFirstLastPara="0" vert="horz" wrap="square" lIns="95250" tIns="95250" rIns="95250" bIns="95250" numCol="1" spcCol="1270" anchor="ctr" anchorCtr="0">
+        <a:bodyPr spcFirstLastPara="0" vert="horz" wrap="square" lIns="106680" tIns="106680" rIns="106680" bIns="106680" numCol="1" spcCol="1270" anchor="ctr" anchorCtr="0">
           <a:noAutofit/>
         </a:bodyPr>
         <a:lstStyle/>
         <a:p>
-          <a:pPr lvl="0" algn="ctr" defTabSz="1111250">
+          <a:pPr lvl="0" algn="ctr" defTabSz="1244600">
             <a:lnSpc>
               <a:spcPct val="90000"/>
             </a:lnSpc>
@@ -1996,26 +1959,26 @@
             </a:spcAft>
           </a:pPr>
           <a:r>
-            <a:rPr lang="es-ES_tradnl" sz="2500" kern="1200" dirty="0" err="1" smtClean="0"/>
-            <a:t>BookRepository</a:t>
+            <a:rPr lang="es-ES_tradnl" sz="2800" kern="1200" dirty="0" err="1" smtClean="0"/>
+            <a:t>BookService</a:t>
           </a:r>
-          <a:endParaRPr lang="en-US" sz="2500" kern="1200" dirty="0"/>
+          <a:endParaRPr lang="en-US" sz="2800" kern="1200" dirty="0"/>
         </a:p>
       </dsp:txBody>
       <dsp:txXfrm>
-        <a:off x="8001188" y="1673758"/>
-        <a:ext cx="2483587" cy="990772"/>
+        <a:off x="8216150" y="2375424"/>
+        <a:ext cx="2709701" cy="1045671"/>
       </dsp:txXfrm>
     </dsp:sp>
-    <dsp:sp modelId="{0F9723B7-0055-459E-A10D-E0CCDB016560}">
+    <dsp:sp modelId="{3C1528C3-2A53-4665-B9B1-9D10BDE5246C}">
       <dsp:nvSpPr>
         <dsp:cNvPr id="0" name=""/>
         <dsp:cNvSpPr/>
       </dsp:nvSpPr>
       <dsp:spPr>
-        <a:xfrm rot="10058187">
-          <a:off x="2787071" y="3011729"/>
-          <a:ext cx="4965242" cy="472643"/>
+        <a:xfrm rot="9865277">
+          <a:off x="3495640" y="3968422"/>
+          <a:ext cx="4322021" cy="482074"/>
         </a:xfrm>
         <a:prstGeom prst="rightArrow">
           <a:avLst>
@@ -2057,7 +2020,7 @@
         </a:bodyPr>
         <a:lstStyle/>
         <a:p>
-          <a:pPr lvl="0" algn="ctr" defTabSz="800100">
+          <a:pPr lvl="0" algn="ctr" defTabSz="844550">
             <a:lnSpc>
               <a:spcPct val="90000"/>
             </a:lnSpc>
@@ -2069,19 +2032,19 @@
             </a:spcAft>
           </a:pPr>
           <a:r>
-            <a:rPr lang="es-ES_tradnl" sz="1800" kern="1200" dirty="0" err="1" smtClean="0"/>
+            <a:rPr lang="es-ES_tradnl" sz="1900" kern="1200" dirty="0" err="1" smtClean="0"/>
             <a:t>findAll</a:t>
           </a:r>
           <a:r>
-            <a:rPr lang="es-ES_tradnl" sz="1800" kern="1200" dirty="0" smtClean="0"/>
+            <a:rPr lang="es-ES_tradnl" sz="1900" kern="1200" dirty="0" smtClean="0"/>
             <a:t>()</a:t>
           </a:r>
-          <a:endParaRPr lang="en-US" sz="1800" kern="1200" dirty="0"/>
+          <a:endParaRPr lang="en-US" sz="1900" kern="1200" dirty="0"/>
         </a:p>
       </dsp:txBody>
       <dsp:txXfrm rot="10800000">
-        <a:off x="2927220" y="3091078"/>
-        <a:ext cx="4823449" cy="283585"/>
+        <a:off x="3637605" y="4045417"/>
+        <a:ext cx="4177399" cy="289244"/>
       </dsp:txXfrm>
     </dsp:sp>
     <dsp:sp modelId="{7490BDB8-F1E2-4EB2-82E7-C08F9B9E534E}">
@@ -2091,8 +2054,8 @@
       </dsp:nvSpPr>
       <dsp:spPr>
         <a:xfrm>
-          <a:off x="0" y="3513640"/>
-          <a:ext cx="2491638" cy="816924"/>
+          <a:off x="329507" y="4693358"/>
+          <a:ext cx="2576269" cy="844671"/>
         </a:xfrm>
         <a:prstGeom prst="roundRect">
           <a:avLst>
@@ -2135,12 +2098,12 @@
         </a:fontRef>
       </dsp:style>
       <dsp:txBody>
-        <a:bodyPr spcFirstLastPara="0" vert="horz" wrap="square" lIns="95250" tIns="95250" rIns="95250" bIns="95250" numCol="1" spcCol="1270" anchor="ctr" anchorCtr="0">
+        <a:bodyPr spcFirstLastPara="0" vert="horz" wrap="square" lIns="106680" tIns="106680" rIns="106680" bIns="106680" numCol="1" spcCol="1270" anchor="ctr" anchorCtr="0">
           <a:noAutofit/>
         </a:bodyPr>
         <a:lstStyle/>
         <a:p>
-          <a:pPr lvl="0" algn="ctr" defTabSz="1111250">
+          <a:pPr lvl="0" algn="ctr" defTabSz="1244600">
             <a:lnSpc>
               <a:spcPct val="90000"/>
             </a:lnSpc>
@@ -2152,15 +2115,15 @@
             </a:spcAft>
           </a:pPr>
           <a:r>
-            <a:rPr lang="es-ES_tradnl" sz="2500" kern="1200" dirty="0" err="1" smtClean="0"/>
+            <a:rPr lang="es-ES_tradnl" sz="2800" kern="1200" dirty="0" err="1" smtClean="0"/>
             <a:t>BookDAO</a:t>
           </a:r>
-          <a:endParaRPr lang="en-US" sz="2500" kern="1200" dirty="0"/>
+          <a:endParaRPr lang="en-US" sz="2800" kern="1200" dirty="0"/>
         </a:p>
       </dsp:txBody>
       <dsp:txXfrm>
-        <a:off x="23927" y="3537567"/>
-        <a:ext cx="2443784" cy="769070"/>
+        <a:off x="354247" y="4718098"/>
+        <a:ext cx="2526789" cy="795191"/>
       </dsp:txXfrm>
     </dsp:sp>
     <dsp:sp modelId="{1FD05E88-9E09-4F15-B0F4-DD6A84F91FB2}">
@@ -2169,9 +2132,9 @@
         <dsp:cNvSpPr/>
       </dsp:nvSpPr>
       <dsp:spPr>
-        <a:xfrm rot="21563699">
-          <a:off x="3447939" y="3841071"/>
-          <a:ext cx="3981645" cy="478478"/>
+        <a:xfrm rot="20117">
+          <a:off x="3816975" y="5096657"/>
+          <a:ext cx="3793452" cy="494730"/>
         </a:xfrm>
         <a:prstGeom prst="rightArrow">
           <a:avLst>
@@ -2213,7 +2176,7 @@
         </a:bodyPr>
         <a:lstStyle/>
         <a:p>
-          <a:pPr lvl="0" algn="ctr" defTabSz="800100">
+          <a:pPr lvl="0" algn="ctr" defTabSz="844550">
             <a:lnSpc>
               <a:spcPct val="90000"/>
             </a:lnSpc>
@@ -2225,19 +2188,19 @@
             </a:spcAft>
           </a:pPr>
           <a:r>
-            <a:rPr lang="es-ES_tradnl" sz="1800" kern="1200" dirty="0" smtClean="0"/>
+            <a:rPr lang="es-ES_tradnl" sz="1900" kern="1200" dirty="0" smtClean="0"/>
             <a:t>SELECT * FROM </a:t>
           </a:r>
           <a:r>
-            <a:rPr lang="es-ES_tradnl" sz="1800" kern="1200" dirty="0" err="1" smtClean="0"/>
+            <a:rPr lang="es-ES_tradnl" sz="1900" kern="1200" dirty="0" err="1" smtClean="0"/>
             <a:t>books</a:t>
           </a:r>
-          <a:endParaRPr lang="en-US" sz="1800" kern="1200" dirty="0"/>
+          <a:endParaRPr lang="en-US" sz="1900" kern="1200" dirty="0"/>
         </a:p>
       </dsp:txBody>
       <dsp:txXfrm>
-        <a:off x="3447943" y="3937525"/>
-        <a:ext cx="3838102" cy="287086"/>
+        <a:off x="3816976" y="5195169"/>
+        <a:ext cx="3645033" cy="296838"/>
       </dsp:txXfrm>
     </dsp:sp>
     <dsp:sp modelId="{E8D2FA06-B903-4014-BFD9-BFAEAA6FFFAA}">
@@ -2247,8 +2210,8 @@
       </dsp:nvSpPr>
       <dsp:spPr>
         <a:xfrm>
-          <a:off x="7942629" y="3331881"/>
-          <a:ext cx="2547897" cy="1012100"/>
+          <a:off x="8099326" y="4638094"/>
+          <a:ext cx="2634438" cy="1046477"/>
         </a:xfrm>
         <a:prstGeom prst="roundRect">
           <a:avLst>
@@ -2291,12 +2254,12 @@
         </a:fontRef>
       </dsp:style>
       <dsp:txBody>
-        <a:bodyPr spcFirstLastPara="0" vert="horz" wrap="square" lIns="95250" tIns="95250" rIns="95250" bIns="95250" numCol="1" spcCol="1270" anchor="ctr" anchorCtr="0">
+        <a:bodyPr spcFirstLastPara="0" vert="horz" wrap="square" lIns="106680" tIns="106680" rIns="106680" bIns="106680" numCol="1" spcCol="1270" anchor="ctr" anchorCtr="0">
           <a:noAutofit/>
         </a:bodyPr>
         <a:lstStyle/>
         <a:p>
-          <a:pPr lvl="0" algn="ctr" defTabSz="1111250">
+          <a:pPr lvl="0" algn="ctr" defTabSz="1244600">
             <a:lnSpc>
               <a:spcPct val="90000"/>
             </a:lnSpc>
@@ -2308,15 +2271,15 @@
             </a:spcAft>
           </a:pPr>
           <a:r>
-            <a:rPr lang="es-ES_tradnl" sz="2500" kern="1200" dirty="0" smtClean="0"/>
+            <a:rPr lang="es-ES_tradnl" sz="2800" kern="1200" dirty="0" smtClean="0"/>
             <a:t>BASE DE DATOS</a:t>
           </a:r>
-          <a:endParaRPr lang="en-US" sz="2500" kern="1200" dirty="0"/>
+          <a:endParaRPr lang="en-US" sz="2800" kern="1200" dirty="0"/>
         </a:p>
       </dsp:txBody>
       <dsp:txXfrm>
-        <a:off x="7972272" y="3361524"/>
-        <a:ext cx="2488611" cy="952814"/>
+        <a:off x="8129976" y="4668744"/>
+        <a:ext cx="2573138" cy="985177"/>
       </dsp:txXfrm>
     </dsp:sp>
   </dsp:spTree>
@@ -6224,7 +6187,7 @@
           <a:p>
             <a:fld id="{0E53D8F8-7794-4C5C-9B96-6B70F6BB9983}" type="datetimeFigureOut">
               <a:rPr lang="en-US" smtClean="0"/>
-              <a:t>10/20/2014</a:t>
+              <a:t>10/21/2014</a:t>
             </a:fld>
             <a:endParaRPr lang="en-US"/>
           </a:p>
@@ -11512,7 +11475,21 @@
             </a:r>
             <a:r>
               <a:rPr lang="es-AR" dirty="0" smtClean="0"/>
-              <a:t>, un Framework que permite desarrollar la aplicación web de una manera mucho más rápida, intuitiva, sencilla y ¡adaptable! y que además permite poder hacer crecer y mejorar el diseño a medida que se va desarrollando la aplicación.</a:t>
+              <a:t>, un Framework que permite desarrollar la aplicación web de una manera mucho más rápida, intuitiva, sencilla y ¡adaptable! y que además permite poder hacer crecer y mejorar el diseño a medida que se va desarrollando la </a:t>
+            </a:r>
+            <a:r>
+              <a:rPr lang="es-AR" smtClean="0"/>
+              <a:t>aplicación</a:t>
+            </a:r>
+            <a:r>
+              <a:rPr lang="es-AR" smtClean="0"/>
+              <a:t>.</a:t>
+            </a:r>
+          </a:p>
+          <a:p>
+            <a:r>
+              <a:rPr lang="es-AR" smtClean="0"/>
+              <a:t>Como valor agregado, los componentes de Bootstrap son "responsive", lo que significa que se adaptan según las dimensiones de la pantalla del dispositivo, tanto en tamaño, ubicación y funcionamiento.</a:t>
             </a:r>
             <a:endParaRPr lang="es-AR" dirty="0"/>
           </a:p>
@@ -11615,24 +11592,24 @@
           <a:lstStyle/>
           <a:p>
             <a:r>
+              <a:rPr lang="es-AR" smtClean="0"/>
+              <a:t>JSON </a:t>
+            </a:r>
+            <a:r>
               <a:rPr lang="es-AR" dirty="0" smtClean="0"/>
-              <a:t>El navegador solo puede pasar texto por la “</a:t>
-            </a:r>
-            <a:r>
-              <a:rPr lang="es-AR" dirty="0" err="1" smtClean="0"/>
-              <a:t>Query</a:t>
+              <a:t>es una </a:t>
+            </a:r>
+            <a:r>
+              <a:rPr lang="es-AR" smtClean="0"/>
+              <a:t>forma </a:t>
+            </a:r>
+            <a:r>
+              <a:rPr lang="es-AR" smtClean="0"/>
+              <a:t>standard de </a:t>
             </a:r>
             <a:r>
               <a:rPr lang="es-AR" dirty="0" smtClean="0"/>
-              <a:t> </a:t>
-            </a:r>
-            <a:r>
-              <a:rPr lang="es-AR" dirty="0" err="1" smtClean="0"/>
-              <a:t>String</a:t>
-            </a:r>
-            <a:r>
-              <a:rPr lang="es-AR" dirty="0" smtClean="0"/>
-              <a:t>”, pero del lado de Java manejamos objetos complejos. JSON es una forma de describir objetos en una cadena de texto plano, de manera que su información pueda ser recuperada fácilmente utilizando un “</a:t>
+              <a:t>describir objetos en una cadena de texto plano, de manera que su información pueda ser recuperada fácilmente utilizando un “</a:t>
             </a:r>
             <a:r>
               <a:rPr lang="es-AR" dirty="0" err="1" smtClean="0"/>
@@ -11862,14 +11839,17 @@
           <a:lstStyle/>
           <a:p>
             <a:r>
+              <a:rPr lang="es-AR" smtClean="0"/>
+              <a:t>Es </a:t>
+            </a:r>
+            <a:r>
+              <a:rPr lang="es-AR" smtClean="0"/>
+              <a:t>un estilo de arquitectura, </a:t>
+            </a:r>
+            <a:r>
               <a:rPr lang="es-AR" dirty="0" smtClean="0"/>
-              <a:t>Es una arquitectura </a:t>
-            </a:r>
-            <a:r>
-              <a:rPr lang="es-AR" dirty="0" smtClean="0"/>
-              <a:t>web, no un protocolo.</a:t>
-            </a:r>
-            <a:endParaRPr lang="es-AR" dirty="0" smtClean="0"/>
+              <a:t>no un protocolo.</a:t>
+            </a:r>
           </a:p>
           <a:p>
             <a:r>
@@ -11906,22 +11886,55 @@
             </a:r>
             <a:r>
               <a:rPr lang="es-AR" dirty="0" smtClean="0"/>
-              <a:t>) y HHTP </a:t>
-            </a:r>
-            <a:r>
-              <a:rPr lang="es-AR" dirty="0" err="1" smtClean="0"/>
-              <a:t>request</a:t>
+              <a:t>) </a:t>
+            </a:r>
+            <a:r>
+              <a:rPr lang="es-AR" smtClean="0"/>
+              <a:t>y </a:t>
+            </a:r>
+            <a:r>
+              <a:rPr lang="es-AR" smtClean="0"/>
+              <a:t>requests HTTP </a:t>
+            </a:r>
+            <a:r>
+              <a:rPr lang="es-AR" smtClean="0"/>
+              <a:t>(</a:t>
+            </a:r>
+            <a:r>
+              <a:rPr lang="es-AR" smtClean="0"/>
+              <a:t>GET, POST, PUT, </a:t>
             </a:r>
             <a:r>
               <a:rPr lang="es-AR" dirty="0" smtClean="0"/>
-              <a:t> (GET POST PUT DELETE).</a:t>
+              <a:t>DELETE).</a:t>
             </a:r>
           </a:p>
           <a:p>
             <a:r>
               <a:rPr lang="es-AR" dirty="0" smtClean="0"/>
-              <a:t>El estado del cliente y la transacción se almacena del lado del cliente, el servidor no persiste información de los clientes (no es necesario, aunque puede hacerlo).</a:t>
-            </a:r>
+              <a:t>El estado del cliente y la transacción se almacena del lado del cliente, el servidor </a:t>
+            </a:r>
+            <a:r>
+              <a:rPr lang="es-AR" smtClean="0"/>
+              <a:t>no </a:t>
+            </a:r>
+            <a:r>
+              <a:rPr lang="es-AR" smtClean="0"/>
+              <a:t>mantiene </a:t>
+            </a:r>
+            <a:r>
+              <a:rPr lang="es-AR" dirty="0" smtClean="0"/>
+              <a:t>información de los </a:t>
+            </a:r>
+            <a:r>
+              <a:rPr lang="es-AR" smtClean="0"/>
+              <a:t>clientes </a:t>
+            </a:r>
+            <a:r>
+              <a:rPr lang="es-AR" smtClean="0"/>
+              <a:t>en memoria.</a:t>
+            </a:r>
+            <a:endParaRPr lang="es-AR" dirty="0" smtClean="0"/>
           </a:p>
           <a:p>
             <a:r>
@@ -12054,7 +12067,39 @@
           <a:p>
             <a:r>
               <a:rPr lang="es-AR" dirty="0" smtClean="0"/>
-              <a:t>Cuando queremos almacenar objetos en las bases de datos nos encontramos con una limitación: las bases de datos almacenan datos primitivos en tablas y los objetos pueden contener otros objetos lo cual los hace complejos. Los </a:t>
+              <a:t>Cuando queremos almacenar objetos en las bases de datos nos encontramos </a:t>
+            </a:r>
+            <a:r>
+              <a:rPr lang="es-AR" smtClean="0"/>
+              <a:t>con </a:t>
+            </a:r>
+            <a:r>
+              <a:rPr lang="es-AR" smtClean="0"/>
+              <a:t>varias limitaciónes: </a:t>
+            </a:r>
+            <a:r>
+              <a:rPr lang="es-AR" dirty="0" smtClean="0"/>
+              <a:t>las bases de </a:t>
+            </a:r>
+            <a:r>
+              <a:rPr lang="es-AR" smtClean="0"/>
+              <a:t>datos </a:t>
+            </a:r>
+            <a:r>
+              <a:rPr lang="es-AR" smtClean="0"/>
+              <a:t>se basan en algebra relacional </a:t>
+            </a:r>
+            <a:r>
+              <a:rPr lang="es-AR" smtClean="0"/>
+              <a:t>y </a:t>
+            </a:r>
+            <a:r>
+              <a:rPr lang="es-AR" smtClean="0"/>
+              <a:t>el modelo de la aplicación esta orientado a objetos. </a:t>
+            </a:r>
+            <a:r>
+              <a:rPr lang="es-AR" dirty="0" smtClean="0"/>
+              <a:t>Los </a:t>
             </a:r>
             <a:r>
               <a:rPr lang="es-AR" dirty="0" err="1" smtClean="0"/>
@@ -12282,6 +12327,42 @@
           <a:chExt cx="0" cy="0"/>
         </a:xfrm>
       </p:grpSpPr>
+      <p:cxnSp>
+        <p:nvCxnSpPr>
+          <p:cNvPr id="8" name="Straight Connector 7"/>
+          <p:cNvCxnSpPr/>
+          <p:nvPr/>
+        </p:nvCxnSpPr>
+        <p:spPr>
+          <a:xfrm flipV="1">
+            <a:off x="526092" y="2561968"/>
+            <a:ext cx="11344632" cy="8237"/>
+          </a:xfrm>
+          <a:prstGeom prst="line">
+            <a:avLst/>
+          </a:prstGeom>
+          <a:ln w="38100">
+            <a:solidFill>
+              <a:schemeClr val="tx1"/>
+            </a:solidFill>
+            <a:prstDash val="dash"/>
+          </a:ln>
+        </p:spPr>
+        <p:style>
+          <a:lnRef idx="1">
+            <a:schemeClr val="accent1"/>
+          </a:lnRef>
+          <a:fillRef idx="0">
+            <a:schemeClr val="accent1"/>
+          </a:fillRef>
+          <a:effectRef idx="0">
+            <a:schemeClr val="accent1"/>
+          </a:effectRef>
+          <a:fontRef idx="minor">
+            <a:schemeClr val="tx1"/>
+          </a:fontRef>
+        </p:style>
+      </p:cxnSp>
       <p:sp>
         <p:nvSpPr>
           <p:cNvPr id="2" name="Title 1"/>
@@ -12320,14 +12401,14 @@
             <p:ph idx="1"/>
             <p:extLst>
               <p:ext uri="{D42A27DB-BD31-4B8C-83A1-F6EECF244321}">
-                <p14:modId xmlns:p14="http://schemas.microsoft.com/office/powerpoint/2010/main" val="1667295645"/>
+                <p14:modId xmlns:p14="http://schemas.microsoft.com/office/powerpoint/2010/main" val="3337130036"/>
               </p:ext>
             </p:extLst>
           </p:nvPr>
         </p:nvGraphicFramePr>
         <p:xfrm>
-          <a:off x="838200" y="2344615"/>
-          <a:ext cx="10515600" cy="5427785"/>
+          <a:off x="838200" y="881450"/>
+          <a:ext cx="10958384" cy="5791200"/>
         </p:xfrm>
         <a:graphic>
           <a:graphicData uri="http://schemas.openxmlformats.org/drawingml/2006/diagram">
@@ -12337,93 +12418,27 @@
       </p:graphicFrame>
       <p:sp>
         <p:nvSpPr>
-          <p:cNvPr id="3" name="Rounded Rectangle 2"/>
-          <p:cNvSpPr/>
+          <p:cNvPr id="6" name="TextBox 5"/>
+          <p:cNvSpPr txBox="1"/>
           <p:nvPr/>
         </p:nvSpPr>
         <p:spPr>
           <a:xfrm>
-            <a:off x="526092" y="1089764"/>
-            <a:ext cx="3294345" cy="926605"/>
-          </a:xfrm>
-          <a:prstGeom prst="roundRect">
+            <a:off x="2059459" y="2899719"/>
+            <a:ext cx="184731" cy="369332"/>
+          </a:xfrm>
+          <a:prstGeom prst="rect">
             <a:avLst/>
           </a:prstGeom>
-        </p:spPr>
-        <p:style>
-          <a:lnRef idx="2">
-            <a:schemeClr val="accent1">
-              <a:shade val="50000"/>
-            </a:schemeClr>
-          </a:lnRef>
-          <a:fillRef idx="1">
-            <a:schemeClr val="accent1"/>
-          </a:fillRef>
-          <a:effectRef idx="0">
-            <a:schemeClr val="accent1"/>
-          </a:effectRef>
-          <a:fontRef idx="minor">
-            <a:schemeClr val="lt1"/>
-          </a:fontRef>
-        </p:style>
+          <a:noFill/>
+        </p:spPr>
         <p:txBody>
-          <a:bodyPr rtlCol="0" anchor="ctr"/>
+          <a:bodyPr wrap="none" rtlCol="0">
+            <a:spAutoFit/>
+          </a:bodyPr>
           <a:lstStyle/>
           <a:p>
-            <a:pPr algn="ctr"/>
-            <a:r>
-              <a:rPr lang="es-ES_tradnl" sz="2700" dirty="0" smtClean="0"/>
-              <a:t>bookListPage.html</a:t>
-            </a:r>
-            <a:endParaRPr lang="en-US" sz="2700" dirty="0"/>
-          </a:p>
-        </p:txBody>
-      </p:sp>
-      <p:sp>
-        <p:nvSpPr>
-          <p:cNvPr id="5" name="Down Arrow 4"/>
-          <p:cNvSpPr/>
-          <p:nvPr/>
-        </p:nvSpPr>
-        <p:spPr>
-          <a:xfrm>
-            <a:off x="1998784" y="2086707"/>
-            <a:ext cx="351693" cy="539262"/>
-          </a:xfrm>
-          <a:prstGeom prst="downArrow">
-            <a:avLst/>
-          </a:prstGeom>
-          <a:solidFill>
-            <a:srgbClr val="B5CBE7"/>
-          </a:solidFill>
-          <a:ln>
-            <a:solidFill>
-              <a:srgbClr val="B5CBE7"/>
-            </a:solidFill>
-          </a:ln>
-        </p:spPr>
-        <p:style>
-          <a:lnRef idx="2">
-            <a:schemeClr val="accent1">
-              <a:shade val="50000"/>
-            </a:schemeClr>
-          </a:lnRef>
-          <a:fillRef idx="1">
-            <a:schemeClr val="accent1"/>
-          </a:fillRef>
-          <a:effectRef idx="0">
-            <a:schemeClr val="accent1"/>
-          </a:effectRef>
-          <a:fontRef idx="minor">
-            <a:schemeClr val="lt1"/>
-          </a:fontRef>
-        </p:style>
-        <p:txBody>
-          <a:bodyPr rtlCol="0" anchor="ctr"/>
-          <a:lstStyle/>
-          <a:p>
-            <a:pPr algn="ctr"/>
-            <a:endParaRPr lang="en-US"/>
+            <a:endParaRPr lang="es-AR"/>
           </a:p>
         </p:txBody>
       </p:sp>
